--- a/ppt.pptx
+++ b/ppt.pptx
@@ -130,7 +130,7 @@
 <file path=ppt/charts/chart1.xml><?xml version="1.0" encoding="utf-8"?>
 <c:chartSpace xmlns:c="http://schemas.openxmlformats.org/drawingml/2006/chart" xmlns:a="http://schemas.openxmlformats.org/drawingml/2006/main" xmlns:r="http://schemas.openxmlformats.org/officeDocument/2006/relationships">
   <c:date1904 val="0"/>
-  <c:lang val="zh-CN"/>
+  <c:lang val="ja-JP"/>
   <c:roundedCorners val="0"/>
   <mc:AlternateContent xmlns:mc="http://schemas.openxmlformats.org/markup-compatibility/2006">
     <mc:Choice xmlns:c14="http://schemas.microsoft.com/office/drawing/2007/8/2/chart" Requires="c14">
@@ -226,7 +226,7 @@
       <a:pPr>
         <a:defRPr sz="1800"/>
       </a:pPr>
-      <a:endParaRPr lang="zh-CN"/>
+      <a:endParaRPr lang="ja-JP"/>
     </a:p>
   </c:txPr>
   <c:externalData r:id="rId1">
@@ -239,7 +239,7 @@
 <file path=ppt/charts/chart2.xml><?xml version="1.0" encoding="utf-8"?>
 <c:chartSpace xmlns:c="http://schemas.openxmlformats.org/drawingml/2006/chart" xmlns:a="http://schemas.openxmlformats.org/drawingml/2006/main" xmlns:r="http://schemas.openxmlformats.org/officeDocument/2006/relationships">
   <c:date1904 val="0"/>
-  <c:lang val="zh-CN"/>
+  <c:lang val="ja-JP"/>
   <c:roundedCorners val="0"/>
   <mc:AlternateContent xmlns:mc="http://schemas.openxmlformats.org/markup-compatibility/2006">
     <mc:Choice xmlns:c14="http://schemas.microsoft.com/office/drawing/2007/8/2/chart" Requires="c14">
@@ -963,11 +963,11 @@
         </c:dLbls>
         <c:gapWidth val="219"/>
         <c:overlap val="-27"/>
-        <c:axId val="209708544"/>
-        <c:axId val="209710464"/>
+        <c:axId val="27965312"/>
+        <c:axId val="27971584"/>
       </c:barChart>
       <c:catAx>
-        <c:axId val="209708544"/>
+        <c:axId val="27965312"/>
         <c:scaling>
           <c:orientation val="minMax"/>
         </c:scaling>
@@ -1021,10 +1021,10 @@
             <a:pPr>
               <a:defRPr/>
             </a:pPr>
-            <a:endParaRPr lang="zh-CN"/>
+            <a:endParaRPr lang="ja-JP"/>
           </a:p>
         </c:txPr>
-        <c:crossAx val="209710464"/>
+        <c:crossAx val="27971584"/>
         <c:crosses val="autoZero"/>
         <c:auto val="1"/>
         <c:lblAlgn val="ctr"/>
@@ -1032,7 +1032,7 @@
         <c:noMultiLvlLbl val="0"/>
       </c:catAx>
       <c:valAx>
-        <c:axId val="209710464"/>
+        <c:axId val="27971584"/>
         <c:scaling>
           <c:orientation val="minMax"/>
         </c:scaling>
@@ -1099,10 +1099,10 @@
             <a:pPr>
               <a:defRPr/>
             </a:pPr>
-            <a:endParaRPr lang="zh-CN"/>
+            <a:endParaRPr lang="ja-JP"/>
           </a:p>
         </c:txPr>
-        <c:crossAx val="209708544"/>
+        <c:crossAx val="27965312"/>
         <c:crosses val="autoZero"/>
         <c:crossBetween val="between"/>
       </c:valAx>
@@ -1141,7 +1141,7 @@
           <a:pPr>
             <a:defRPr/>
           </a:pPr>
-          <a:endParaRPr lang="zh-CN"/>
+          <a:endParaRPr lang="ja-JP"/>
         </a:p>
       </c:txPr>
     </c:legend>
@@ -1173,7 +1173,7 @@
           <a:cs typeface="Segoe UI Semilight" pitchFamily="34" charset="0"/>
         </a:defRPr>
       </a:pPr>
-      <a:endParaRPr lang="zh-CN"/>
+      <a:endParaRPr lang="ja-JP"/>
     </a:p>
   </c:txPr>
   <c:externalData r:id="rId1">
@@ -1185,7 +1185,7 @@
 <file path=ppt/charts/chart3.xml><?xml version="1.0" encoding="utf-8"?>
 <c:chartSpace xmlns:c="http://schemas.openxmlformats.org/drawingml/2006/chart" xmlns:a="http://schemas.openxmlformats.org/drawingml/2006/main" xmlns:r="http://schemas.openxmlformats.org/officeDocument/2006/relationships">
   <c:date1904 val="0"/>
-  <c:lang val="zh-CN"/>
+  <c:lang val="ja-JP"/>
   <c:roundedCorners val="0"/>
   <mc:AlternateContent xmlns:mc="http://schemas.openxmlformats.org/markup-compatibility/2006">
     <mc:Choice xmlns:c14="http://schemas.microsoft.com/office/drawing/2007/8/2/chart" Requires="c14">
@@ -1907,11 +1907,11 @@
         </c:dLbls>
         <c:gapWidth val="219"/>
         <c:overlap val="-27"/>
-        <c:axId val="210637568"/>
-        <c:axId val="210639488"/>
+        <c:axId val="28013696"/>
+        <c:axId val="28015616"/>
       </c:barChart>
       <c:catAx>
-        <c:axId val="210637568"/>
+        <c:axId val="28013696"/>
         <c:scaling>
           <c:orientation val="minMax"/>
         </c:scaling>
@@ -1965,10 +1965,10 @@
             <a:pPr>
               <a:defRPr/>
             </a:pPr>
-            <a:endParaRPr lang="zh-CN"/>
+            <a:endParaRPr lang="ja-JP"/>
           </a:p>
         </c:txPr>
-        <c:crossAx val="210639488"/>
+        <c:crossAx val="28015616"/>
         <c:crosses val="autoZero"/>
         <c:auto val="1"/>
         <c:lblAlgn val="ctr"/>
@@ -1976,7 +1976,7 @@
         <c:noMultiLvlLbl val="0"/>
       </c:catAx>
       <c:valAx>
-        <c:axId val="210639488"/>
+        <c:axId val="28015616"/>
         <c:scaling>
           <c:orientation val="minMax"/>
         </c:scaling>
@@ -2043,10 +2043,10 @@
             <a:pPr>
               <a:defRPr/>
             </a:pPr>
-            <a:endParaRPr lang="zh-CN"/>
+            <a:endParaRPr lang="ja-JP"/>
           </a:p>
         </c:txPr>
-        <c:crossAx val="210637568"/>
+        <c:crossAx val="28013696"/>
         <c:crosses val="autoZero"/>
         <c:crossBetween val="between"/>
       </c:valAx>
@@ -2085,7 +2085,7 @@
           <a:pPr>
             <a:defRPr/>
           </a:pPr>
-          <a:endParaRPr lang="zh-CN"/>
+          <a:endParaRPr lang="ja-JP"/>
         </a:p>
       </c:txPr>
     </c:legend>
@@ -2117,7 +2117,7 @@
           <a:cs typeface="Segoe UI Semilight" pitchFamily="34" charset="0"/>
         </a:defRPr>
       </a:pPr>
-      <a:endParaRPr lang="zh-CN"/>
+      <a:endParaRPr lang="ja-JP"/>
     </a:p>
   </c:txPr>
   <c:externalData r:id="rId1">
@@ -2259,7 +2259,7 @@
           <a:p>
             <a:fld id="{84F07DEE-E261-4AA0-9ED4-FC0CF6645A9C}" type="datetimeFigureOut">
               <a:rPr kumimoji="1" lang="ja-JP" altLang="en-US" smtClean="0"/>
-              <a:t>2018/4/9</a:t>
+              <a:t>2018/4/11</a:t>
             </a:fld>
             <a:endParaRPr kumimoji="1" lang="ja-JP" altLang="en-US"/>
           </a:p>
@@ -2746,32 +2746,167 @@
                 <a:ea typeface="Arial Unicode MS" panose="020B0604020202020204" pitchFamily="50" charset="-128"/>
                 <a:cs typeface="Segoe UI Semilight" pitchFamily="34" charset="0"/>
               </a:rPr>
-              <a:t>The child chromosome</a:t>
-            </a:r>
-            <a:r>
-              <a:rPr lang="ja-JP" altLang="en-US" sz="1200" dirty="0" smtClean="0">
+              <a:t>Crossover</a:t>
+            </a:r>
+            <a:r>
+              <a:rPr lang="en-US" altLang="ja-JP" sz="1200" baseline="0" dirty="0" smtClean="0">
                 <a:latin typeface="Segoe UI Semilight" pitchFamily="34" charset="0"/>
                 <a:ea typeface="Arial Unicode MS" panose="020B0604020202020204" pitchFamily="50" charset="-128"/>
                 <a:cs typeface="Segoe UI Semilight" pitchFamily="34" charset="0"/>
               </a:rPr>
+              <a:t> produces the child form two selected chromosomes.</a:t>
+            </a:r>
+          </a:p>
+          <a:p>
+            <a:pPr rtl="0"/>
+            <a:r>
+              <a:rPr lang="en-US" altLang="ja-JP" dirty="0" smtClean="0">
+                <a:effectLst/>
+              </a:rPr>
+              <a:t>There</a:t>
+            </a:r>
+            <a:r>
+              <a:rPr lang="en-US" altLang="ja-JP" baseline="0" dirty="0" smtClean="0">
+                <a:effectLst/>
+              </a:rPr>
               <a:t> </a:t>
             </a:r>
             <a:r>
-              <a:rPr lang="en-US" altLang="ja-JP" sz="1200" dirty="0" smtClean="0">
-                <a:latin typeface="Segoe UI Semilight" pitchFamily="34" charset="0"/>
-                <a:ea typeface="Arial Unicode MS" panose="020B0604020202020204" pitchFamily="50" charset="-128"/>
-                <a:cs typeface="Segoe UI Semilight" pitchFamily="34" charset="0"/>
-              </a:rPr>
-              <a:t>is produced from two selected chromosomes.</a:t>
-            </a:r>
-            <a:endParaRPr lang="zh-CN" altLang="en-US" sz="1200" dirty="0" smtClean="0">
-              <a:latin typeface="Segoe UI Semilight" pitchFamily="34" charset="0"/>
-              <a:ea typeface="Arial Unicode MS" panose="020B0604020202020204" pitchFamily="50" charset="-128"/>
-              <a:cs typeface="Segoe UI Semilight" pitchFamily="34" charset="0"/>
+              <a:rPr lang="en-US" altLang="ja-JP" dirty="0" smtClean="0">
+                <a:effectLst/>
+              </a:rPr>
+              <a:t>is an example of crossover.</a:t>
+            </a:r>
+          </a:p>
+          <a:p>
+            <a:pPr rtl="0"/>
+            <a:r>
+              <a:rPr lang="en-US" altLang="ja-JP" dirty="0" smtClean="0">
+                <a:effectLst/>
+              </a:rPr>
+              <a:t>We</a:t>
+            </a:r>
+            <a:r>
+              <a:rPr lang="en-US" altLang="ja-JP" baseline="0" dirty="0" smtClean="0">
+                <a:effectLst/>
+              </a:rPr>
+              <a:t> divide the chromosome A by a random cut-point.</a:t>
+            </a:r>
+          </a:p>
+          <a:p>
+            <a:pPr rtl="0"/>
+            <a:endParaRPr lang="en-US" altLang="ja-JP" dirty="0" smtClean="0">
+              <a:effectLst/>
             </a:endParaRPr>
           </a:p>
           <a:p>
-            <a:endParaRPr lang="zh-CN" altLang="en-US" dirty="0"/>
+            <a:pPr rtl="0"/>
+            <a:r>
+              <a:rPr lang="en-US" altLang="ja-JP" dirty="0" smtClean="0">
+                <a:effectLst/>
+              </a:rPr>
+              <a:t>The</a:t>
+            </a:r>
+            <a:r>
+              <a:rPr lang="en-US" altLang="ja-JP" baseline="0" dirty="0" smtClean="0">
+                <a:effectLst/>
+              </a:rPr>
+              <a:t> tasks in</a:t>
+            </a:r>
+            <a:r>
+              <a:rPr lang="en-US" altLang="ja-JP" dirty="0" smtClean="0">
+                <a:effectLst/>
+              </a:rPr>
+              <a:t> first part</a:t>
+            </a:r>
+            <a:r>
+              <a:rPr lang="en-US" altLang="ja-JP" baseline="0" dirty="0" smtClean="0">
+                <a:effectLst/>
+              </a:rPr>
+              <a:t> is copied to child, and remove those tasks in chromosome B</a:t>
+            </a:r>
+          </a:p>
+          <a:p>
+            <a:pPr marL="0" marR="0" indent="0" algn="l" defTabSz="914400" rtl="0" eaLnBrk="1" fontAlgn="auto" latinLnBrk="0" hangingPunct="1">
+              <a:lnSpc>
+                <a:spcPct val="100000"/>
+              </a:lnSpc>
+              <a:spcBef>
+                <a:spcPts val="0"/>
+              </a:spcBef>
+              <a:spcAft>
+                <a:spcPts val="0"/>
+              </a:spcAft>
+              <a:buClrTx/>
+              <a:buSzTx/>
+              <a:buFontTx/>
+              <a:buNone/>
+              <a:tabLst/>
+              <a:defRPr/>
+            </a:pPr>
+            <a:r>
+              <a:rPr lang="en-US" altLang="ja-JP" dirty="0" smtClean="0">
+                <a:effectLst/>
+              </a:rPr>
+              <a:t>The rest part</a:t>
+            </a:r>
+            <a:r>
+              <a:rPr lang="en-US" altLang="ja-JP" baseline="0" dirty="0" smtClean="0">
+                <a:effectLst/>
+              </a:rPr>
+              <a:t> of B i</a:t>
+            </a:r>
+            <a:r>
+              <a:rPr lang="en-US" altLang="ja-JP" dirty="0" smtClean="0">
+                <a:effectLst/>
+              </a:rPr>
+              <a:t>s moved to child.</a:t>
+            </a:r>
+          </a:p>
+          <a:p>
+            <a:pPr marL="0" marR="0" indent="0" algn="l" defTabSz="914400" rtl="0" eaLnBrk="1" fontAlgn="auto" latinLnBrk="0" hangingPunct="1">
+              <a:lnSpc>
+                <a:spcPct val="100000"/>
+              </a:lnSpc>
+              <a:spcBef>
+                <a:spcPts val="0"/>
+              </a:spcBef>
+              <a:spcAft>
+                <a:spcPts val="0"/>
+              </a:spcAft>
+              <a:buClrTx/>
+              <a:buSzTx/>
+              <a:buFontTx/>
+              <a:buNone/>
+              <a:tabLst/>
+              <a:defRPr/>
+            </a:pPr>
+            <a:r>
+              <a:rPr lang="en-US" altLang="ja-JP" dirty="0" smtClean="0">
+                <a:effectLst/>
+              </a:rPr>
+              <a:t>Our crossover</a:t>
+            </a:r>
+            <a:r>
+              <a:rPr lang="en-US" altLang="ja-JP" baseline="0" dirty="0" smtClean="0">
+                <a:effectLst/>
+              </a:rPr>
+              <a:t> algorithms also guarantees that if </a:t>
+            </a:r>
+            <a:r>
+              <a:rPr kumimoji="1" lang="en-US" altLang="ja-JP" sz="1200" b="0" i="0" u="none" strike="noStrike" kern="1200" baseline="0" dirty="0" smtClean="0">
+                <a:solidFill>
+                  <a:schemeClr val="tx1"/>
+                </a:solidFill>
+                <a:latin typeface="+mn-lt"/>
+                <a:ea typeface="+mn-ea"/>
+                <a:cs typeface="+mn-cs"/>
+              </a:rPr>
+              <a:t>A and B, are valid, the child chromosome  is also valid. </a:t>
+            </a:r>
+            <a:endParaRPr lang="en-US" altLang="ja-JP" dirty="0">
+              <a:effectLst/>
+            </a:endParaRPr>
           </a:p>
         </p:txBody>
       </p:sp>
@@ -2873,97 +3008,30 @@
               <a:defRPr/>
             </a:pPr>
             <a:r>
-              <a:rPr kumimoji="1" lang="en-US" altLang="ja-JP" dirty="0" smtClean="0">
-                <a:latin typeface="Times New Roman" panose="02020603050405020304" pitchFamily="18" charset="0"/>
-                <a:cs typeface="Times New Roman" panose="02020603050405020304" pitchFamily="18" charset="0"/>
-              </a:rPr>
-              <a:t>To</a:t>
-            </a:r>
-            <a:r>
-              <a:rPr kumimoji="1" lang="en-US" altLang="ja-JP" baseline="0" dirty="0" smtClean="0">
-                <a:latin typeface="Times New Roman" panose="02020603050405020304" pitchFamily="18" charset="0"/>
-                <a:cs typeface="Times New Roman" panose="02020603050405020304" pitchFamily="18" charset="0"/>
-              </a:rPr>
-              <a:t> </a:t>
-            </a:r>
-            <a:r>
-              <a:rPr kumimoji="1" lang="en-US" altLang="ja-JP" sz="1200" kern="1200" dirty="0" smtClean="0">
-                <a:solidFill>
-                  <a:schemeClr val="tx1"/>
-                </a:solidFill>
-                <a:effectLst/>
-                <a:latin typeface="+mn-lt"/>
-                <a:ea typeface="+mn-ea"/>
-                <a:cs typeface="+mn-cs"/>
-              </a:rPr>
-              <a:t>evaluate</a:t>
-            </a:r>
-            <a:r>
-              <a:rPr kumimoji="1" lang="en-US" altLang="ja-JP" sz="1200" kern="1200" baseline="0" dirty="0" smtClean="0">
-                <a:solidFill>
-                  <a:schemeClr val="tx1"/>
-                </a:solidFill>
-                <a:effectLst/>
-                <a:latin typeface="+mn-lt"/>
-                <a:ea typeface="+mn-ea"/>
-                <a:cs typeface="+mn-cs"/>
-              </a:rPr>
-              <a:t> the proposed </a:t>
-            </a:r>
-            <a:r>
-              <a:rPr kumimoji="1" lang="en-US" altLang="ja-JP" sz="1200" kern="1200" dirty="0" smtClean="0">
-                <a:solidFill>
-                  <a:schemeClr val="tx1"/>
-                </a:solidFill>
-                <a:effectLst/>
-                <a:latin typeface="+mn-lt"/>
-                <a:ea typeface="+mn-ea"/>
-                <a:cs typeface="+mn-cs"/>
-              </a:rPr>
-              <a:t>algorithm,</a:t>
-            </a:r>
-            <a:r>
-              <a:rPr kumimoji="1" lang="en-US" altLang="ja-JP" sz="1200" kern="1200" baseline="0" dirty="0" smtClean="0">
-                <a:solidFill>
-                  <a:schemeClr val="tx1"/>
-                </a:solidFill>
-                <a:effectLst/>
-                <a:latin typeface="+mn-lt"/>
-                <a:ea typeface="+mn-ea"/>
-                <a:cs typeface="+mn-cs"/>
-              </a:rPr>
-              <a:t> We use </a:t>
-            </a:r>
-            <a:r>
-              <a:rPr lang="en-US" altLang="ja-JP" dirty="0" smtClean="0">
-                <a:latin typeface="Times New Roman" panose="02020603050405020304" pitchFamily="18" charset="0"/>
-                <a:cs typeface="Times New Roman" panose="02020603050405020304" pitchFamily="18" charset="0"/>
-              </a:rPr>
-              <a:t>Standard T Graph Set which developed at </a:t>
-            </a:r>
-            <a:r>
-              <a:rPr lang="en-US" altLang="ja-JP" dirty="0" err="1" smtClean="0">
-                <a:latin typeface="Times New Roman" panose="02020603050405020304" pitchFamily="18" charset="0"/>
-                <a:cs typeface="Times New Roman" panose="02020603050405020304" pitchFamily="18" charset="0"/>
-              </a:rPr>
-              <a:t>Waseda</a:t>
-            </a:r>
-            <a:r>
-              <a:rPr lang="en-US" altLang="ja-JP" dirty="0" smtClean="0">
-                <a:latin typeface="Times New Roman" panose="02020603050405020304" pitchFamily="18" charset="0"/>
-                <a:cs typeface="Times New Roman" panose="02020603050405020304" pitchFamily="18" charset="0"/>
-              </a:rPr>
-              <a:t> University.</a:t>
-            </a:r>
-          </a:p>
-          <a:p>
-            <a:r>
-              <a:rPr lang="en-US" altLang="ja-JP" dirty="0" smtClean="0">
-                <a:latin typeface="Times New Roman" panose="02020603050405020304" pitchFamily="18" charset="0"/>
-                <a:cs typeface="Times New Roman" panose="02020603050405020304" pitchFamily="18" charset="0"/>
-              </a:rPr>
-              <a:t>Standard T Graph Set* (STG) is a kind of benchmark for evaluate scheduling algorithms. </a:t>
-            </a:r>
+              <a:rPr kumimoji="1" lang="en-US" altLang="ja-JP" dirty="0" smtClean="0"/>
+              <a:t>Final step, The </a:t>
+            </a:r>
+            <a:r>
+              <a:rPr kumimoji="1" lang="en-US" altLang="ja-JP" sz="1200" dirty="0" smtClean="0">
+                <a:latin typeface="Segoe UI Semilight" pitchFamily="34" charset="0"/>
+                <a:ea typeface="Arial Unicode MS" panose="020B0604020202020204" pitchFamily="50" charset="-128"/>
+                <a:cs typeface="Segoe UI Semilight" pitchFamily="34" charset="0"/>
+              </a:rPr>
+              <a:t>m</a:t>
+            </a:r>
+            <a:r>
+              <a:rPr lang="en-US" altLang="ja-JP" sz="1200" dirty="0" smtClean="0">
+                <a:latin typeface="Segoe UI Semilight" pitchFamily="34" charset="0"/>
+                <a:ea typeface="Arial Unicode MS" panose="020B0604020202020204" pitchFamily="50" charset="-128"/>
+                <a:cs typeface="Segoe UI Semilight" pitchFamily="34" charset="0"/>
+              </a:rPr>
+              <a:t>utation produce new chromosome by randomly changing one or more genes.</a:t>
+            </a:r>
+            <a:endParaRPr lang="zh-CN" altLang="en-US" sz="1200" dirty="0" smtClean="0">
+              <a:latin typeface="Segoe UI Semilight" pitchFamily="34" charset="0"/>
+              <a:ea typeface="Arial Unicode MS" panose="020B0604020202020204" pitchFamily="50" charset="-128"/>
+              <a:cs typeface="Segoe UI Semilight" pitchFamily="34" charset="0"/>
+            </a:endParaRPr>
           </a:p>
           <a:p>
             <a:pPr marL="0" marR="0" indent="0" algn="l" defTabSz="914400" rtl="0" eaLnBrk="1" fontAlgn="auto" latinLnBrk="0" hangingPunct="1">
@@ -2984,11 +3052,16 @@
               <a:defRPr/>
             </a:pPr>
             <a:r>
-              <a:rPr lang="en-US" altLang="ja-JP" sz="1200" dirty="0" smtClean="0">
-                <a:latin typeface="Times New Roman" panose="02020603050405020304" pitchFamily="18" charset="0"/>
-                <a:cs typeface="Times New Roman" panose="02020603050405020304" pitchFamily="18" charset="0"/>
-              </a:rPr>
-              <a:t>We choose 20 graphs with 50 tasks, and more 20 graphs with 100 tasks.</a:t>
+              <a:rPr lang="en-US" altLang="ja-JP" dirty="0" smtClean="0">
+                <a:effectLst/>
+              </a:rPr>
+              <a:t>Here is a example, in this chromosome, we try to change the execution</a:t>
+            </a:r>
+            <a:r>
+              <a:rPr lang="en-US" altLang="ja-JP" baseline="0" dirty="0" smtClean="0">
+                <a:effectLst/>
+              </a:rPr>
+              <a:t> order of task 5</a:t>
             </a:r>
           </a:p>
           <a:p>
@@ -3010,63 +3083,63 @@
               <a:defRPr/>
             </a:pPr>
             <a:r>
-              <a:rPr lang="en-US" altLang="ja-JP" sz="1200" dirty="0" smtClean="0">
-                <a:latin typeface="Times New Roman" panose="02020603050405020304" pitchFamily="18" charset="0"/>
-                <a:cs typeface="Times New Roman" panose="02020603050405020304" pitchFamily="18" charset="0"/>
-              </a:rPr>
-              <a:t>The total number of cores was changed from 2 to 32.</a:t>
-            </a:r>
-            <a:endParaRPr kumimoji="1" lang="ja-JP" altLang="en-US" sz="1200" dirty="0" smtClean="0">
-              <a:latin typeface="Times New Roman" panose="02020603050405020304" pitchFamily="18" charset="0"/>
-              <a:cs typeface="Times New Roman" panose="02020603050405020304" pitchFamily="18" charset="0"/>
+              <a:rPr lang="en-US" altLang="ja-JP" baseline="0" dirty="0" smtClean="0">
+                <a:effectLst/>
+              </a:rPr>
+              <a:t>According to this task graph, task 5 must be scheduled after task 2.</a:t>
+            </a:r>
+          </a:p>
+          <a:p>
+            <a:pPr marL="0" marR="0" indent="0" algn="l" defTabSz="914400" rtl="0" eaLnBrk="1" fontAlgn="auto" latinLnBrk="0" hangingPunct="1">
+              <a:lnSpc>
+                <a:spcPct val="100000"/>
+              </a:lnSpc>
+              <a:spcBef>
+                <a:spcPts val="0"/>
+              </a:spcBef>
+              <a:spcAft>
+                <a:spcPts val="0"/>
+              </a:spcAft>
+              <a:buClrTx/>
+              <a:buSzTx/>
+              <a:buFontTx/>
+              <a:buNone/>
+              <a:tabLst/>
+              <a:defRPr/>
+            </a:pPr>
+            <a:r>
+              <a:rPr lang="en-US" altLang="ja-JP" baseline="0" dirty="0" smtClean="0">
+                <a:effectLst/>
+              </a:rPr>
+              <a:t>There are all possible mutations. </a:t>
+            </a:r>
+          </a:p>
+          <a:p>
+            <a:pPr rtl="0"/>
+            <a:r>
+              <a:rPr lang="en-US" altLang="ja-JP" baseline="0" dirty="0" smtClean="0">
+                <a:effectLst/>
+              </a:rPr>
+              <a:t>As we can see, our mutation also </a:t>
+            </a:r>
+            <a:r>
+              <a:rPr lang="en-US" altLang="ja-JP" dirty="0" smtClean="0">
+                <a:effectLst/>
+              </a:rPr>
+              <a:t>ensure that the</a:t>
+            </a:r>
+            <a:r>
+              <a:rPr lang="en-US" altLang="ja-JP" baseline="0" dirty="0" smtClean="0">
+                <a:effectLst/>
+              </a:rPr>
+              <a:t> new chromosome is valid.</a:t>
+            </a:r>
+            <a:endParaRPr lang="en-US" altLang="ja-JP" dirty="0" smtClean="0">
+              <a:effectLst/>
             </a:endParaRPr>
           </a:p>
           <a:p>
-            <a:endParaRPr kumimoji="1" lang="en-US" altLang="ja-JP" dirty="0" smtClean="0">
-              <a:latin typeface="Times New Roman" panose="02020603050405020304" pitchFamily="18" charset="0"/>
-              <a:cs typeface="Times New Roman" panose="02020603050405020304" pitchFamily="18" charset="0"/>
-            </a:endParaRPr>
-          </a:p>
-          <a:p>
-            <a:r>
-              <a:rPr kumimoji="1" lang="en-US" altLang="ja-JP" dirty="0" smtClean="0">
-                <a:latin typeface="Times New Roman" panose="02020603050405020304" pitchFamily="18" charset="0"/>
-                <a:cs typeface="Times New Roman" panose="02020603050405020304" pitchFamily="18" charset="0"/>
-              </a:rPr>
-              <a:t>And the experimental</a:t>
-            </a:r>
-            <a:r>
-              <a:rPr kumimoji="1" lang="en-US" altLang="ja-JP" baseline="0" dirty="0" smtClean="0">
-                <a:latin typeface="Times New Roman" panose="02020603050405020304" pitchFamily="18" charset="0"/>
-                <a:cs typeface="Times New Roman" panose="02020603050405020304" pitchFamily="18" charset="0"/>
-              </a:rPr>
-              <a:t> </a:t>
-            </a:r>
-            <a:r>
-              <a:rPr kumimoji="1" lang="en-US" altLang="ja-JP" baseline="0" dirty="0" err="1" smtClean="0">
-                <a:latin typeface="Times New Roman" panose="02020603050405020304" pitchFamily="18" charset="0"/>
-                <a:cs typeface="Times New Roman" panose="02020603050405020304" pitchFamily="18" charset="0"/>
-              </a:rPr>
-              <a:t>resultasks</a:t>
-            </a:r>
-            <a:r>
-              <a:rPr kumimoji="1" lang="en-US" altLang="ja-JP" baseline="0" dirty="0" smtClean="0">
-                <a:latin typeface="Times New Roman" panose="02020603050405020304" pitchFamily="18" charset="0"/>
-                <a:cs typeface="Times New Roman" panose="02020603050405020304" pitchFamily="18" charset="0"/>
-              </a:rPr>
-              <a:t> are compared with PCS </a:t>
-            </a:r>
-            <a:r>
-              <a:rPr lang="en-US" altLang="ja-JP" dirty="0" smtClean="0">
-                <a:latin typeface="Times New Roman" panose="02020603050405020304" pitchFamily="18" charset="0"/>
-                <a:cs typeface="Times New Roman" panose="02020603050405020304" pitchFamily="18" charset="0"/>
-              </a:rPr>
-              <a:t>algorithm.</a:t>
-            </a:r>
-            <a:endParaRPr kumimoji="1" lang="ja-JP" altLang="en-US" sz="1200" dirty="0">
-              <a:latin typeface="Times New Roman" panose="02020603050405020304" pitchFamily="18" charset="0"/>
-              <a:cs typeface="Times New Roman" panose="02020603050405020304" pitchFamily="18" charset="0"/>
-            </a:endParaRPr>
+            <a:endParaRPr kumimoji="1" lang="ja-JP" altLang="en-US" dirty="0"/>
           </a:p>
         </p:txBody>
       </p:sp>
@@ -3085,6 +3158,575 @@
           <a:bodyPr/>
           <a:lstStyle/>
           <a:p>
+            <a:fld id="{5E6F417C-66E5-4AD7-A8E0-9FAF8A22F6EE}" type="slidenum">
+              <a:rPr kumimoji="1" lang="ja-JP" altLang="en-US" smtClean="0"/>
+              <a:t>11</a:t>
+            </a:fld>
+            <a:endParaRPr kumimoji="1" lang="ja-JP" altLang="en-US"/>
+          </a:p>
+        </p:txBody>
+      </p:sp>
+    </p:spTree>
+    <p:extLst>
+      <p:ext uri="{BB962C8B-B14F-4D97-AF65-F5344CB8AC3E}">
+        <p14:creationId xmlns:p14="http://schemas.microsoft.com/office/powerpoint/2010/main" val="1304439000"/>
+      </p:ext>
+    </p:extLst>
+  </p:cSld>
+  <p:clrMapOvr>
+    <a:masterClrMapping/>
+  </p:clrMapOvr>
+</p:notes>
+</file>
+
+<file path=ppt/notesSlides/notesSlide12.xml><?xml version="1.0" encoding="utf-8"?>
+<p:notes xmlns:a="http://schemas.openxmlformats.org/drawingml/2006/main" xmlns:r="http://schemas.openxmlformats.org/officeDocument/2006/relationships" xmlns:p="http://schemas.openxmlformats.org/presentationml/2006/main">
+  <p:cSld>
+    <p:spTree>
+      <p:nvGrpSpPr>
+        <p:cNvPr id="1" name=""/>
+        <p:cNvGrpSpPr/>
+        <p:nvPr/>
+      </p:nvGrpSpPr>
+      <p:grpSpPr>
+        <a:xfrm>
+          <a:off x="0" y="0"/>
+          <a:ext cx="0" cy="0"/>
+          <a:chOff x="0" y="0"/>
+          <a:chExt cx="0" cy="0"/>
+        </a:xfrm>
+      </p:grpSpPr>
+      <p:sp>
+        <p:nvSpPr>
+          <p:cNvPr id="2" name="スライド イメージ プレースホルダー 1"/>
+          <p:cNvSpPr>
+            <a:spLocks noGrp="1" noRot="1" noChangeAspect="1"/>
+          </p:cNvSpPr>
+          <p:nvPr>
+            <p:ph type="sldImg"/>
+          </p:nvPr>
+        </p:nvSpPr>
+        <p:spPr/>
+      </p:sp>
+      <p:sp>
+        <p:nvSpPr>
+          <p:cNvPr id="3" name="ノート プレースホルダー 2"/>
+          <p:cNvSpPr>
+            <a:spLocks noGrp="1"/>
+          </p:cNvSpPr>
+          <p:nvPr>
+            <p:ph type="body" idx="1"/>
+          </p:nvPr>
+        </p:nvSpPr>
+        <p:spPr/>
+        <p:txBody>
+          <a:bodyPr/>
+          <a:lstStyle/>
+          <a:p>
+            <a:pPr marL="0" marR="0" indent="0" algn="l" defTabSz="914400" rtl="0" eaLnBrk="1" fontAlgn="auto" latinLnBrk="0" hangingPunct="1">
+              <a:lnSpc>
+                <a:spcPct val="100000"/>
+              </a:lnSpc>
+              <a:spcBef>
+                <a:spcPts val="0"/>
+              </a:spcBef>
+              <a:spcAft>
+                <a:spcPts val="0"/>
+              </a:spcAft>
+              <a:buClrTx/>
+              <a:buSzTx/>
+              <a:buFontTx/>
+              <a:buNone/>
+              <a:tabLst/>
+              <a:defRPr/>
+            </a:pPr>
+            <a:r>
+              <a:rPr kumimoji="1" lang="en-US" altLang="ja-JP" sz="1200" b="0" i="0" u="none" strike="noStrike" kern="1200" baseline="0" dirty="0" smtClean="0">
+                <a:solidFill>
+                  <a:schemeClr val="tx1"/>
+                </a:solidFill>
+                <a:latin typeface="+mn-lt"/>
+                <a:ea typeface="+mn-ea"/>
+                <a:cs typeface="+mn-cs"/>
+              </a:rPr>
+              <a:t>The genetic algorithm usually require an long execution time because a large number of chromosomes must be generated and evaluated. </a:t>
+            </a:r>
+            <a:endParaRPr lang="en-US" altLang="ja-JP" sz="1200" dirty="0" smtClean="0">
+              <a:latin typeface="Segoe UI Semilight" pitchFamily="34" charset="0"/>
+              <a:ea typeface="Arial Unicode MS" pitchFamily="34" charset="-122"/>
+              <a:cs typeface="Segoe UI Semilight" pitchFamily="34" charset="0"/>
+            </a:endParaRPr>
+          </a:p>
+          <a:p>
+            <a:pPr rtl="0"/>
+            <a:r>
+              <a:rPr lang="en-US" altLang="ja-JP" dirty="0" smtClean="0"/>
+              <a:t>Fortunately, </a:t>
+            </a:r>
+            <a:r>
+              <a:rPr lang="en-US" altLang="ja-JP" sz="1200" dirty="0" smtClean="0">
+                <a:latin typeface="Segoe UI Semilight" pitchFamily="34" charset="0"/>
+                <a:ea typeface="Arial Unicode MS" pitchFamily="34" charset="-122"/>
+                <a:cs typeface="Segoe UI Semilight" pitchFamily="34" charset="0"/>
+              </a:rPr>
+              <a:t>Our algorithm is inherently parallel. </a:t>
+            </a:r>
+            <a:r>
+              <a:rPr lang="en-US" altLang="ja-JP" dirty="0" smtClean="0">
+                <a:effectLst/>
+              </a:rPr>
+              <a:t>Most operations can be run independently.</a:t>
+            </a:r>
+          </a:p>
+          <a:p>
+            <a:pPr marL="0" marR="0" indent="0" algn="l" defTabSz="914400" rtl="0" eaLnBrk="1" fontAlgn="auto" latinLnBrk="0" hangingPunct="1">
+              <a:lnSpc>
+                <a:spcPct val="100000"/>
+              </a:lnSpc>
+              <a:spcBef>
+                <a:spcPts val="0"/>
+              </a:spcBef>
+              <a:spcAft>
+                <a:spcPts val="0"/>
+              </a:spcAft>
+              <a:buClrTx/>
+              <a:buSzTx/>
+              <a:buFontTx/>
+              <a:buNone/>
+              <a:tabLst/>
+              <a:defRPr/>
+            </a:pPr>
+            <a:r>
+              <a:rPr lang="en-US" altLang="ja-JP" dirty="0" smtClean="0">
+                <a:effectLst/>
+              </a:rPr>
+              <a:t>We </a:t>
+            </a:r>
+            <a:r>
+              <a:rPr kumimoji="1" lang="en-US" altLang="ja-JP" sz="1200" b="0" i="0" u="none" strike="noStrike" kern="1200" baseline="0" dirty="0" smtClean="0">
+                <a:solidFill>
+                  <a:schemeClr val="tx1"/>
+                </a:solidFill>
+                <a:latin typeface="+mn-lt"/>
+                <a:ea typeface="+mn-ea"/>
+                <a:cs typeface="+mn-cs"/>
+              </a:rPr>
+              <a:t>implemented our algorithm, and used  </a:t>
+            </a:r>
+            <a:r>
+              <a:rPr lang="en-US" altLang="ja-JP" dirty="0" err="1" smtClean="0">
+                <a:effectLst/>
+              </a:rPr>
+              <a:t>OpenMP</a:t>
+            </a:r>
+            <a:r>
+              <a:rPr lang="en-US" altLang="ja-JP" dirty="0" smtClean="0">
+                <a:effectLst/>
+              </a:rPr>
+              <a:t> to speed up it.</a:t>
+            </a:r>
+          </a:p>
+          <a:p>
+            <a:pPr rtl="0"/>
+            <a:endParaRPr lang="en-US" altLang="ja-JP" dirty="0" smtClean="0">
+              <a:effectLst/>
+            </a:endParaRPr>
+          </a:p>
+          <a:p>
+            <a:endParaRPr kumimoji="1" lang="ja-JP" altLang="en-US" dirty="0"/>
+          </a:p>
+        </p:txBody>
+      </p:sp>
+      <p:sp>
+        <p:nvSpPr>
+          <p:cNvPr id="4" name="スライド番号プレースホルダー 3"/>
+          <p:cNvSpPr>
+            <a:spLocks noGrp="1"/>
+          </p:cNvSpPr>
+          <p:nvPr>
+            <p:ph type="sldNum" sz="quarter" idx="10"/>
+          </p:nvPr>
+        </p:nvSpPr>
+        <p:spPr/>
+        <p:txBody>
+          <a:bodyPr/>
+          <a:lstStyle/>
+          <a:p>
+            <a:fld id="{5E6F417C-66E5-4AD7-A8E0-9FAF8A22F6EE}" type="slidenum">
+              <a:rPr kumimoji="1" lang="ja-JP" altLang="en-US" smtClean="0"/>
+              <a:t>12</a:t>
+            </a:fld>
+            <a:endParaRPr kumimoji="1" lang="ja-JP" altLang="en-US"/>
+          </a:p>
+        </p:txBody>
+      </p:sp>
+    </p:spTree>
+    <p:extLst>
+      <p:ext uri="{BB962C8B-B14F-4D97-AF65-F5344CB8AC3E}">
+        <p14:creationId xmlns:p14="http://schemas.microsoft.com/office/powerpoint/2010/main" val="1820704857"/>
+      </p:ext>
+    </p:extLst>
+  </p:cSld>
+  <p:clrMapOvr>
+    <a:masterClrMapping/>
+  </p:clrMapOvr>
+</p:notes>
+</file>
+
+<file path=ppt/notesSlides/notesSlide13.xml><?xml version="1.0" encoding="utf-8"?>
+<p:notes xmlns:a="http://schemas.openxmlformats.org/drawingml/2006/main" xmlns:r="http://schemas.openxmlformats.org/officeDocument/2006/relationships" xmlns:p="http://schemas.openxmlformats.org/presentationml/2006/main">
+  <p:cSld>
+    <p:spTree>
+      <p:nvGrpSpPr>
+        <p:cNvPr id="1" name=""/>
+        <p:cNvGrpSpPr/>
+        <p:nvPr/>
+      </p:nvGrpSpPr>
+      <p:grpSpPr>
+        <a:xfrm>
+          <a:off x="0" y="0"/>
+          <a:ext cx="0" cy="0"/>
+          <a:chOff x="0" y="0"/>
+          <a:chExt cx="0" cy="0"/>
+        </a:xfrm>
+      </p:grpSpPr>
+      <p:sp>
+        <p:nvSpPr>
+          <p:cNvPr id="2" name="スライド イメージ プレースホルダー 1"/>
+          <p:cNvSpPr>
+            <a:spLocks noGrp="1" noRot="1" noChangeAspect="1"/>
+          </p:cNvSpPr>
+          <p:nvPr>
+            <p:ph type="sldImg"/>
+          </p:nvPr>
+        </p:nvSpPr>
+        <p:spPr/>
+      </p:sp>
+      <p:sp>
+        <p:nvSpPr>
+          <p:cNvPr id="3" name="ノート プレースホルダー 2"/>
+          <p:cNvSpPr>
+            <a:spLocks noGrp="1"/>
+          </p:cNvSpPr>
+          <p:nvPr>
+            <p:ph type="body" idx="1"/>
+          </p:nvPr>
+        </p:nvSpPr>
+        <p:spPr/>
+        <p:txBody>
+          <a:bodyPr/>
+          <a:lstStyle/>
+          <a:p>
+            <a:pPr marL="0" marR="0" indent="0" algn="l" defTabSz="914400" rtl="0" eaLnBrk="1" fontAlgn="auto" latinLnBrk="0" hangingPunct="1">
+              <a:lnSpc>
+                <a:spcPct val="100000"/>
+              </a:lnSpc>
+              <a:spcBef>
+                <a:spcPts val="0"/>
+              </a:spcBef>
+              <a:spcAft>
+                <a:spcPts val="0"/>
+              </a:spcAft>
+              <a:buClrTx/>
+              <a:buSzTx/>
+              <a:buFontTx/>
+              <a:buNone/>
+              <a:tabLst/>
+              <a:defRPr/>
+            </a:pPr>
+            <a:r>
+              <a:rPr kumimoji="1" lang="en-US" altLang="ja-JP" dirty="0" smtClean="0">
+                <a:latin typeface="Times New Roman" panose="02020603050405020304" pitchFamily="18" charset="0"/>
+                <a:cs typeface="Times New Roman" panose="02020603050405020304" pitchFamily="18" charset="0"/>
+              </a:rPr>
+              <a:t>To</a:t>
+            </a:r>
+            <a:r>
+              <a:rPr kumimoji="1" lang="en-US" altLang="ja-JP" baseline="0" dirty="0" smtClean="0">
+                <a:latin typeface="Times New Roman" panose="02020603050405020304" pitchFamily="18" charset="0"/>
+                <a:cs typeface="Times New Roman" panose="02020603050405020304" pitchFamily="18" charset="0"/>
+              </a:rPr>
+              <a:t> </a:t>
+            </a:r>
+            <a:r>
+              <a:rPr kumimoji="1" lang="en-US" altLang="ja-JP" sz="1200" kern="1200" dirty="0" smtClean="0">
+                <a:solidFill>
+                  <a:schemeClr val="tx1"/>
+                </a:solidFill>
+                <a:effectLst/>
+                <a:latin typeface="+mn-lt"/>
+                <a:ea typeface="+mn-ea"/>
+                <a:cs typeface="+mn-cs"/>
+              </a:rPr>
+              <a:t>evaluate</a:t>
+            </a:r>
+            <a:r>
+              <a:rPr kumimoji="1" lang="en-US" altLang="ja-JP" sz="1200" kern="1200" baseline="0" dirty="0" smtClean="0">
+                <a:solidFill>
+                  <a:schemeClr val="tx1"/>
+                </a:solidFill>
+                <a:effectLst/>
+                <a:latin typeface="+mn-lt"/>
+                <a:ea typeface="+mn-ea"/>
+                <a:cs typeface="+mn-cs"/>
+              </a:rPr>
+              <a:t> the proposed </a:t>
+            </a:r>
+            <a:r>
+              <a:rPr kumimoji="1" lang="en-US" altLang="ja-JP" sz="1200" kern="1200" dirty="0" smtClean="0">
+                <a:solidFill>
+                  <a:schemeClr val="tx1"/>
+                </a:solidFill>
+                <a:effectLst/>
+                <a:latin typeface="+mn-lt"/>
+                <a:ea typeface="+mn-ea"/>
+                <a:cs typeface="+mn-cs"/>
+              </a:rPr>
+              <a:t>algorithm,</a:t>
+            </a:r>
+            <a:r>
+              <a:rPr kumimoji="1" lang="en-US" altLang="ja-JP" sz="1200" kern="1200" baseline="0" dirty="0" smtClean="0">
+                <a:solidFill>
+                  <a:schemeClr val="tx1"/>
+                </a:solidFill>
+                <a:effectLst/>
+                <a:latin typeface="+mn-lt"/>
+                <a:ea typeface="+mn-ea"/>
+                <a:cs typeface="+mn-cs"/>
+              </a:rPr>
+              <a:t> We use </a:t>
+            </a:r>
+            <a:r>
+              <a:rPr lang="en-US" altLang="ja-JP" dirty="0" smtClean="0">
+                <a:latin typeface="Times New Roman" panose="02020603050405020304" pitchFamily="18" charset="0"/>
+                <a:cs typeface="Times New Roman" panose="02020603050405020304" pitchFamily="18" charset="0"/>
+              </a:rPr>
+              <a:t>Standard T Graph Set which developed at </a:t>
+            </a:r>
+            <a:r>
+              <a:rPr lang="en-US" altLang="ja-JP" dirty="0" err="1" smtClean="0">
+                <a:latin typeface="Times New Roman" panose="02020603050405020304" pitchFamily="18" charset="0"/>
+                <a:cs typeface="Times New Roman" panose="02020603050405020304" pitchFamily="18" charset="0"/>
+              </a:rPr>
+              <a:t>Waseda</a:t>
+            </a:r>
+            <a:r>
+              <a:rPr lang="en-US" altLang="ja-JP" dirty="0" smtClean="0">
+                <a:latin typeface="Times New Roman" panose="02020603050405020304" pitchFamily="18" charset="0"/>
+                <a:cs typeface="Times New Roman" panose="02020603050405020304" pitchFamily="18" charset="0"/>
+              </a:rPr>
+              <a:t> University.</a:t>
+            </a:r>
+          </a:p>
+          <a:p>
+            <a:r>
+              <a:rPr lang="en-US" altLang="ja-JP" dirty="0" smtClean="0">
+                <a:latin typeface="Times New Roman" panose="02020603050405020304" pitchFamily="18" charset="0"/>
+                <a:cs typeface="Times New Roman" panose="02020603050405020304" pitchFamily="18" charset="0"/>
+              </a:rPr>
+              <a:t>Standard </a:t>
+            </a:r>
+            <a:r>
+              <a:rPr lang="en-US" altLang="ja-JP" dirty="0" smtClean="0">
+                <a:latin typeface="Times New Roman" panose="02020603050405020304" pitchFamily="18" charset="0"/>
+                <a:cs typeface="Times New Roman" panose="02020603050405020304" pitchFamily="18" charset="0"/>
+              </a:rPr>
+              <a:t>Task </a:t>
+            </a:r>
+            <a:r>
+              <a:rPr lang="en-US" altLang="ja-JP" dirty="0" smtClean="0">
+                <a:latin typeface="Times New Roman" panose="02020603050405020304" pitchFamily="18" charset="0"/>
+                <a:cs typeface="Times New Roman" panose="02020603050405020304" pitchFamily="18" charset="0"/>
+              </a:rPr>
+              <a:t>Graph Set* (STG) is a kind of benchmark for evaluate scheduling algorithms. </a:t>
+            </a:r>
+          </a:p>
+          <a:p>
+            <a:pPr marL="0" marR="0" indent="0" algn="l" defTabSz="914400" rtl="0" eaLnBrk="1" fontAlgn="auto" latinLnBrk="0" hangingPunct="1">
+              <a:lnSpc>
+                <a:spcPct val="100000"/>
+              </a:lnSpc>
+              <a:spcBef>
+                <a:spcPts val="0"/>
+              </a:spcBef>
+              <a:spcAft>
+                <a:spcPts val="0"/>
+              </a:spcAft>
+              <a:buClrTx/>
+              <a:buSzTx/>
+              <a:buFontTx/>
+              <a:buNone/>
+              <a:tabLst/>
+              <a:defRPr/>
+            </a:pPr>
+            <a:r>
+              <a:rPr lang="en-US" altLang="ja-JP" sz="1200" dirty="0" smtClean="0">
+                <a:latin typeface="Times New Roman" panose="02020603050405020304" pitchFamily="18" charset="0"/>
+                <a:cs typeface="Times New Roman" panose="02020603050405020304" pitchFamily="18" charset="0"/>
+              </a:rPr>
+              <a:t>We choose 20 graphs with 50 </a:t>
+            </a:r>
+            <a:r>
+              <a:rPr lang="en-US" altLang="ja-JP" sz="1200" dirty="0" smtClean="0">
+                <a:latin typeface="Times New Roman" panose="02020603050405020304" pitchFamily="18" charset="0"/>
+                <a:cs typeface="Times New Roman" panose="02020603050405020304" pitchFamily="18" charset="0"/>
+              </a:rPr>
+              <a:t>tasks</a:t>
+            </a:r>
+          </a:p>
+          <a:p>
+            <a:pPr marL="0" marR="0" indent="0" algn="l" defTabSz="914400" rtl="0" eaLnBrk="1" fontAlgn="auto" latinLnBrk="0" hangingPunct="1">
+              <a:lnSpc>
+                <a:spcPct val="100000"/>
+              </a:lnSpc>
+              <a:spcBef>
+                <a:spcPts val="0"/>
+              </a:spcBef>
+              <a:spcAft>
+                <a:spcPts val="0"/>
+              </a:spcAft>
+              <a:buClrTx/>
+              <a:buSzTx/>
+              <a:buFontTx/>
+              <a:buNone/>
+              <a:tabLst/>
+              <a:defRPr/>
+            </a:pPr>
+            <a:r>
+              <a:rPr lang="en-US" altLang="ja-JP" sz="1200" dirty="0" smtClean="0">
+                <a:latin typeface="Times New Roman" panose="02020603050405020304" pitchFamily="18" charset="0"/>
+                <a:cs typeface="Times New Roman" panose="02020603050405020304" pitchFamily="18" charset="0"/>
+              </a:rPr>
+              <a:t>The </a:t>
+            </a:r>
+            <a:r>
+              <a:rPr lang="en-US" altLang="ja-JP" sz="1200" dirty="0" smtClean="0">
+                <a:latin typeface="Times New Roman" panose="02020603050405020304" pitchFamily="18" charset="0"/>
+                <a:cs typeface="Times New Roman" panose="02020603050405020304" pitchFamily="18" charset="0"/>
+              </a:rPr>
+              <a:t>total number of cores was changed from </a:t>
+            </a:r>
+            <a:r>
+              <a:rPr lang="en-US" altLang="ja-JP" sz="1200" dirty="0" smtClean="0">
+                <a:latin typeface="Times New Roman" panose="02020603050405020304" pitchFamily="18" charset="0"/>
+                <a:cs typeface="Times New Roman" panose="02020603050405020304" pitchFamily="18" charset="0"/>
+              </a:rPr>
+              <a:t>4 </a:t>
+            </a:r>
+            <a:r>
+              <a:rPr lang="en-US" altLang="ja-JP" sz="1200" dirty="0" smtClean="0">
+                <a:latin typeface="Times New Roman" panose="02020603050405020304" pitchFamily="18" charset="0"/>
+                <a:cs typeface="Times New Roman" panose="02020603050405020304" pitchFamily="18" charset="0"/>
+              </a:rPr>
+              <a:t>to </a:t>
+            </a:r>
+            <a:r>
+              <a:rPr lang="en-US" altLang="ja-JP" sz="1200" dirty="0" smtClean="0">
+                <a:latin typeface="Times New Roman" panose="02020603050405020304" pitchFamily="18" charset="0"/>
+                <a:cs typeface="Times New Roman" panose="02020603050405020304" pitchFamily="18" charset="0"/>
+              </a:rPr>
+              <a:t>8.</a:t>
+            </a:r>
+            <a:endParaRPr kumimoji="1" lang="ja-JP" altLang="en-US" sz="1200" dirty="0" smtClean="0">
+              <a:latin typeface="Times New Roman" panose="02020603050405020304" pitchFamily="18" charset="0"/>
+              <a:cs typeface="Times New Roman" panose="02020603050405020304" pitchFamily="18" charset="0"/>
+            </a:endParaRPr>
+          </a:p>
+          <a:p>
+            <a:endParaRPr kumimoji="1" lang="en-US" altLang="ja-JP" dirty="0" smtClean="0">
+              <a:latin typeface="Times New Roman" panose="02020603050405020304" pitchFamily="18" charset="0"/>
+              <a:cs typeface="Times New Roman" panose="02020603050405020304" pitchFamily="18" charset="0"/>
+            </a:endParaRPr>
+          </a:p>
+          <a:p>
+            <a:r>
+              <a:rPr kumimoji="1" lang="en-US" altLang="ja-JP" dirty="0" smtClean="0">
+                <a:latin typeface="Times New Roman" panose="02020603050405020304" pitchFamily="18" charset="0"/>
+                <a:cs typeface="Times New Roman" panose="02020603050405020304" pitchFamily="18" charset="0"/>
+              </a:rPr>
+              <a:t>And the experimental</a:t>
+            </a:r>
+            <a:r>
+              <a:rPr kumimoji="1" lang="en-US" altLang="ja-JP" baseline="0" dirty="0" smtClean="0">
+                <a:latin typeface="Times New Roman" panose="02020603050405020304" pitchFamily="18" charset="0"/>
+                <a:cs typeface="Times New Roman" panose="02020603050405020304" pitchFamily="18" charset="0"/>
+              </a:rPr>
+              <a:t> </a:t>
+            </a:r>
+            <a:r>
+              <a:rPr kumimoji="1" lang="en-US" altLang="ja-JP" baseline="0" dirty="0" smtClean="0">
+                <a:latin typeface="Times New Roman" panose="02020603050405020304" pitchFamily="18" charset="0"/>
+                <a:cs typeface="Times New Roman" panose="02020603050405020304" pitchFamily="18" charset="0"/>
+              </a:rPr>
+              <a:t>result asks </a:t>
+            </a:r>
+            <a:r>
+              <a:rPr kumimoji="1" lang="en-US" altLang="ja-JP" baseline="0" dirty="0" smtClean="0">
+                <a:latin typeface="Times New Roman" panose="02020603050405020304" pitchFamily="18" charset="0"/>
+                <a:cs typeface="Times New Roman" panose="02020603050405020304" pitchFamily="18" charset="0"/>
+              </a:rPr>
+              <a:t>are compared with </a:t>
+            </a:r>
+            <a:r>
+              <a:rPr kumimoji="1" lang="en-US" altLang="ja-JP" baseline="0" dirty="0" smtClean="0">
+                <a:latin typeface="Times New Roman" panose="02020603050405020304" pitchFamily="18" charset="0"/>
+                <a:cs typeface="Times New Roman" panose="02020603050405020304" pitchFamily="18" charset="0"/>
+              </a:rPr>
+              <a:t>2 heuristic algorithm the PCS </a:t>
+            </a:r>
+            <a:r>
+              <a:rPr lang="en-US" altLang="ja-JP" dirty="0" smtClean="0">
+                <a:latin typeface="Times New Roman" panose="02020603050405020304" pitchFamily="18" charset="0"/>
+                <a:cs typeface="Times New Roman" panose="02020603050405020304" pitchFamily="18" charset="0"/>
+              </a:rPr>
+              <a:t>and </a:t>
+            </a:r>
+            <a:r>
+              <a:rPr lang="en-US" altLang="ja-JP" sz="1200" dirty="0" smtClean="0">
+                <a:latin typeface="Segoe UI Semilight" pitchFamily="34" charset="0"/>
+                <a:ea typeface="Arial Unicode MS" pitchFamily="34" charset="-122"/>
+                <a:cs typeface="Segoe UI Semilight" pitchFamily="34" charset="0"/>
+              </a:rPr>
+              <a:t>Dual-mode algorithm </a:t>
+            </a:r>
+            <a:r>
+              <a:rPr lang="en-US" altLang="ja-JP" dirty="0" smtClean="0">
+                <a:latin typeface="Times New Roman" panose="02020603050405020304" pitchFamily="18" charset="0"/>
+                <a:cs typeface="Times New Roman" panose="02020603050405020304" pitchFamily="18" charset="0"/>
+              </a:rPr>
+              <a:t>.</a:t>
+            </a:r>
+          </a:p>
+          <a:p>
+            <a:r>
+              <a:rPr kumimoji="1" lang="en-US" altLang="ja-JP" sz="1200" dirty="0" smtClean="0">
+                <a:latin typeface="Times New Roman" panose="02020603050405020304" pitchFamily="18" charset="0"/>
+                <a:cs typeface="Times New Roman" panose="02020603050405020304" pitchFamily="18" charset="0"/>
+              </a:rPr>
+              <a:t>And one exacting branch-and-bound  algorithm </a:t>
+            </a:r>
+            <a:endParaRPr kumimoji="1" lang="ja-JP" altLang="en-US" sz="1200" dirty="0">
+              <a:latin typeface="Times New Roman" panose="02020603050405020304" pitchFamily="18" charset="0"/>
+              <a:cs typeface="Times New Roman" panose="02020603050405020304" pitchFamily="18" charset="0"/>
+            </a:endParaRPr>
+          </a:p>
+        </p:txBody>
+      </p:sp>
+      <p:sp>
+        <p:nvSpPr>
+          <p:cNvPr id="4" name="スライド番号プレースホルダー 3"/>
+          <p:cNvSpPr>
+            <a:spLocks noGrp="1"/>
+          </p:cNvSpPr>
+          <p:nvPr>
+            <p:ph type="sldNum" sz="quarter" idx="10"/>
+          </p:nvPr>
+        </p:nvSpPr>
+        <p:spPr/>
+        <p:txBody>
+          <a:bodyPr/>
+          <a:lstStyle/>
+          <a:p>
             <a:fld id="{6B92DF3D-153C-4642-8079-728B16EE1C5C}" type="slidenum">
               <a:rPr kumimoji="1" lang="ja-JP" altLang="en-US" smtClean="0"/>
               <a:t>13</a:t>
@@ -3097,6 +3739,395 @@
     <p:extLst>
       <p:ext uri="{BB962C8B-B14F-4D97-AF65-F5344CB8AC3E}">
         <p14:creationId xmlns:p14="http://schemas.microsoft.com/office/powerpoint/2010/main" val="1524656729"/>
+      </p:ext>
+    </p:extLst>
+  </p:cSld>
+  <p:clrMapOvr>
+    <a:masterClrMapping/>
+  </p:clrMapOvr>
+</p:notes>
+</file>
+
+<file path=ppt/notesSlides/notesSlide14.xml><?xml version="1.0" encoding="utf-8"?>
+<p:notes xmlns:a="http://schemas.openxmlformats.org/drawingml/2006/main" xmlns:r="http://schemas.openxmlformats.org/officeDocument/2006/relationships" xmlns:p="http://schemas.openxmlformats.org/presentationml/2006/main">
+  <p:cSld>
+    <p:spTree>
+      <p:nvGrpSpPr>
+        <p:cNvPr id="1" name=""/>
+        <p:cNvGrpSpPr/>
+        <p:nvPr/>
+      </p:nvGrpSpPr>
+      <p:grpSpPr>
+        <a:xfrm>
+          <a:off x="0" y="0"/>
+          <a:ext cx="0" cy="0"/>
+          <a:chOff x="0" y="0"/>
+          <a:chExt cx="0" cy="0"/>
+        </a:xfrm>
+      </p:grpSpPr>
+      <p:sp>
+        <p:nvSpPr>
+          <p:cNvPr id="2" name="スライド イメージ プレースホルダー 1"/>
+          <p:cNvSpPr>
+            <a:spLocks noGrp="1" noRot="1" noChangeAspect="1"/>
+          </p:cNvSpPr>
+          <p:nvPr>
+            <p:ph type="sldImg"/>
+          </p:nvPr>
+        </p:nvSpPr>
+        <p:spPr/>
+      </p:sp>
+      <p:sp>
+        <p:nvSpPr>
+          <p:cNvPr id="3" name="ノート プレースホルダー 2"/>
+          <p:cNvSpPr>
+            <a:spLocks noGrp="1"/>
+          </p:cNvSpPr>
+          <p:nvPr>
+            <p:ph type="body" idx="1"/>
+          </p:nvPr>
+        </p:nvSpPr>
+        <p:spPr/>
+        <p:txBody>
+          <a:bodyPr/>
+          <a:lstStyle/>
+          <a:p>
+            <a:pPr marL="0" marR="0" indent="0" algn="l" defTabSz="914400" rtl="0" eaLnBrk="1" fontAlgn="auto" latinLnBrk="0" hangingPunct="1">
+              <a:lnSpc>
+                <a:spcPct val="100000"/>
+              </a:lnSpc>
+              <a:spcBef>
+                <a:spcPts val="0"/>
+              </a:spcBef>
+              <a:spcAft>
+                <a:spcPts val="0"/>
+              </a:spcAft>
+              <a:buClrTx/>
+              <a:buSzTx/>
+              <a:buFontTx/>
+              <a:buNone/>
+              <a:tabLst/>
+              <a:defRPr/>
+            </a:pPr>
+            <a:r>
+              <a:rPr lang="en-US" altLang="ja-JP" dirty="0" smtClean="0">
+                <a:effectLst/>
+              </a:rPr>
+              <a:t>Because </a:t>
+            </a:r>
+            <a:r>
+              <a:rPr kumimoji="1" lang="en-US" altLang="ja-JP" dirty="0" smtClean="0">
+                <a:effectLst/>
+              </a:rPr>
+              <a:t>t</a:t>
+            </a:r>
+            <a:r>
+              <a:rPr kumimoji="1" lang="en-US" altLang="ja-JP" dirty="0" smtClean="0"/>
+              <a:t>he</a:t>
+            </a:r>
+            <a:r>
+              <a:rPr kumimoji="1" lang="en-US" altLang="ja-JP" baseline="0" dirty="0" smtClean="0"/>
+              <a:t> B&amp;B is exacting algorithm</a:t>
+            </a:r>
+            <a:r>
+              <a:rPr lang="en-US" altLang="ja-JP" dirty="0" smtClean="0">
+                <a:effectLst/>
+              </a:rPr>
+              <a:t>, it guarantees yield optimal results.</a:t>
+            </a:r>
+          </a:p>
+          <a:p>
+            <a:pPr marL="0" marR="0" indent="0" algn="l" defTabSz="914400" rtl="0" eaLnBrk="1" fontAlgn="auto" latinLnBrk="0" hangingPunct="1">
+              <a:lnSpc>
+                <a:spcPct val="100000"/>
+              </a:lnSpc>
+              <a:spcBef>
+                <a:spcPts val="0"/>
+              </a:spcBef>
+              <a:spcAft>
+                <a:spcPts val="0"/>
+              </a:spcAft>
+              <a:buClrTx/>
+              <a:buSzTx/>
+              <a:buFontTx/>
+              <a:buNone/>
+              <a:tabLst/>
+              <a:defRPr/>
+            </a:pPr>
+            <a:r>
+              <a:rPr kumimoji="1" lang="en-US" altLang="ja-JP" dirty="0" smtClean="0"/>
+              <a:t>In the graph</a:t>
+            </a:r>
+            <a:r>
+              <a:rPr kumimoji="1" lang="en-US" altLang="ja-JP" baseline="0" dirty="0" smtClean="0"/>
+              <a:t> </a:t>
+            </a:r>
+            <a:r>
+              <a:rPr kumimoji="1" lang="en-US" altLang="ja-JP" dirty="0" smtClean="0"/>
+              <a:t>we </a:t>
+            </a:r>
+            <a:r>
+              <a:rPr kumimoji="1" lang="en-US" altLang="ja-JP" sz="1200" b="0" i="0" u="none" strike="noStrike" kern="1200" baseline="0" dirty="0" smtClean="0">
+                <a:solidFill>
+                  <a:schemeClr val="tx1"/>
+                </a:solidFill>
+                <a:latin typeface="+mn-lt"/>
+                <a:ea typeface="+mn-ea"/>
+                <a:cs typeface="+mn-cs"/>
+              </a:rPr>
+              <a:t>normalize all scheduling results to the B&amp;B. we can find for 50 tasks on 4 cores system. our algorithm can a very good results </a:t>
+            </a:r>
+            <a:r>
+              <a:rPr lang="en-US" altLang="ja-JP" dirty="0" smtClean="0">
+                <a:effectLst/>
+              </a:rPr>
+              <a:t>very close to the optimal one.</a:t>
+            </a:r>
+          </a:p>
+          <a:p>
+            <a:endParaRPr kumimoji="1" lang="ja-JP" altLang="en-US" dirty="0"/>
+          </a:p>
+        </p:txBody>
+      </p:sp>
+      <p:sp>
+        <p:nvSpPr>
+          <p:cNvPr id="4" name="スライド番号プレースホルダー 3"/>
+          <p:cNvSpPr>
+            <a:spLocks noGrp="1"/>
+          </p:cNvSpPr>
+          <p:nvPr>
+            <p:ph type="sldNum" sz="quarter" idx="10"/>
+          </p:nvPr>
+        </p:nvSpPr>
+        <p:spPr/>
+        <p:txBody>
+          <a:bodyPr/>
+          <a:lstStyle/>
+          <a:p>
+            <a:fld id="{5E6F417C-66E5-4AD7-A8E0-9FAF8A22F6EE}" type="slidenum">
+              <a:rPr kumimoji="1" lang="ja-JP" altLang="en-US" smtClean="0"/>
+              <a:t>14</a:t>
+            </a:fld>
+            <a:endParaRPr kumimoji="1" lang="ja-JP" altLang="en-US"/>
+          </a:p>
+        </p:txBody>
+      </p:sp>
+    </p:spTree>
+    <p:extLst>
+      <p:ext uri="{BB962C8B-B14F-4D97-AF65-F5344CB8AC3E}">
+        <p14:creationId xmlns:p14="http://schemas.microsoft.com/office/powerpoint/2010/main" val="2484173022"/>
+      </p:ext>
+    </p:extLst>
+  </p:cSld>
+  <p:clrMapOvr>
+    <a:masterClrMapping/>
+  </p:clrMapOvr>
+</p:notes>
+</file>
+
+<file path=ppt/notesSlides/notesSlide15.xml><?xml version="1.0" encoding="utf-8"?>
+<p:notes xmlns:a="http://schemas.openxmlformats.org/drawingml/2006/main" xmlns:r="http://schemas.openxmlformats.org/officeDocument/2006/relationships" xmlns:p="http://schemas.openxmlformats.org/presentationml/2006/main">
+  <p:cSld>
+    <p:spTree>
+      <p:nvGrpSpPr>
+        <p:cNvPr id="1" name=""/>
+        <p:cNvGrpSpPr/>
+        <p:nvPr/>
+      </p:nvGrpSpPr>
+      <p:grpSpPr>
+        <a:xfrm>
+          <a:off x="0" y="0"/>
+          <a:ext cx="0" cy="0"/>
+          <a:chOff x="0" y="0"/>
+          <a:chExt cx="0" cy="0"/>
+        </a:xfrm>
+      </p:grpSpPr>
+      <p:sp>
+        <p:nvSpPr>
+          <p:cNvPr id="2" name="スライド イメージ プレースホルダー 1"/>
+          <p:cNvSpPr>
+            <a:spLocks noGrp="1" noRot="1" noChangeAspect="1"/>
+          </p:cNvSpPr>
+          <p:nvPr>
+            <p:ph type="sldImg"/>
+          </p:nvPr>
+        </p:nvSpPr>
+        <p:spPr/>
+      </p:sp>
+      <p:sp>
+        <p:nvSpPr>
+          <p:cNvPr id="3" name="ノート プレースホルダー 2"/>
+          <p:cNvSpPr>
+            <a:spLocks noGrp="1"/>
+          </p:cNvSpPr>
+          <p:nvPr>
+            <p:ph type="body" idx="1"/>
+          </p:nvPr>
+        </p:nvSpPr>
+        <p:spPr/>
+        <p:txBody>
+          <a:bodyPr/>
+          <a:lstStyle/>
+          <a:p>
+            <a:pPr marL="0" marR="0" indent="0" algn="l" defTabSz="914400" rtl="0" eaLnBrk="1" fontAlgn="auto" latinLnBrk="0" hangingPunct="1">
+              <a:lnSpc>
+                <a:spcPct val="100000"/>
+              </a:lnSpc>
+              <a:spcBef>
+                <a:spcPts val="0"/>
+              </a:spcBef>
+              <a:spcAft>
+                <a:spcPts val="0"/>
+              </a:spcAft>
+              <a:buClrTx/>
+              <a:buSzTx/>
+              <a:buFontTx/>
+              <a:buNone/>
+              <a:tabLst/>
+              <a:defRPr/>
+            </a:pPr>
+            <a:r>
+              <a:rPr kumimoji="1" lang="en-US" altLang="ja-JP" sz="1200" b="0" i="0" u="none" strike="noStrike" kern="1200" baseline="0" dirty="0" smtClean="0">
+                <a:solidFill>
+                  <a:schemeClr val="tx1"/>
+                </a:solidFill>
+                <a:latin typeface="+mn-lt"/>
+                <a:ea typeface="+mn-ea"/>
+                <a:cs typeface="+mn-cs"/>
+              </a:rPr>
+              <a:t>for 50 tasks on 8 cores system. our algorithm also find shorter scheduling results than PCS or Dual-mode.</a:t>
+            </a:r>
+            <a:endParaRPr lang="en-US" altLang="ja-JP" dirty="0" smtClean="0">
+              <a:effectLst/>
+            </a:endParaRPr>
+          </a:p>
+          <a:p>
+            <a:endParaRPr kumimoji="1" lang="ja-JP" altLang="en-US" dirty="0"/>
+          </a:p>
+        </p:txBody>
+      </p:sp>
+      <p:sp>
+        <p:nvSpPr>
+          <p:cNvPr id="4" name="スライド番号プレースホルダー 3"/>
+          <p:cNvSpPr>
+            <a:spLocks noGrp="1"/>
+          </p:cNvSpPr>
+          <p:nvPr>
+            <p:ph type="sldNum" sz="quarter" idx="10"/>
+          </p:nvPr>
+        </p:nvSpPr>
+        <p:spPr/>
+        <p:txBody>
+          <a:bodyPr/>
+          <a:lstStyle/>
+          <a:p>
+            <a:fld id="{5E6F417C-66E5-4AD7-A8E0-9FAF8A22F6EE}" type="slidenum">
+              <a:rPr kumimoji="1" lang="ja-JP" altLang="en-US" smtClean="0"/>
+              <a:t>15</a:t>
+            </a:fld>
+            <a:endParaRPr kumimoji="1" lang="ja-JP" altLang="en-US"/>
+          </a:p>
+        </p:txBody>
+      </p:sp>
+    </p:spTree>
+    <p:extLst>
+      <p:ext uri="{BB962C8B-B14F-4D97-AF65-F5344CB8AC3E}">
+        <p14:creationId xmlns:p14="http://schemas.microsoft.com/office/powerpoint/2010/main" val="2861104667"/>
+      </p:ext>
+    </p:extLst>
+  </p:cSld>
+  <p:clrMapOvr>
+    <a:masterClrMapping/>
+  </p:clrMapOvr>
+</p:notes>
+</file>
+
+<file path=ppt/notesSlides/notesSlide16.xml><?xml version="1.0" encoding="utf-8"?>
+<p:notes xmlns:a="http://schemas.openxmlformats.org/drawingml/2006/main" xmlns:r="http://schemas.openxmlformats.org/officeDocument/2006/relationships" xmlns:p="http://schemas.openxmlformats.org/presentationml/2006/main">
+  <p:cSld>
+    <p:spTree>
+      <p:nvGrpSpPr>
+        <p:cNvPr id="1" name=""/>
+        <p:cNvGrpSpPr/>
+        <p:nvPr/>
+      </p:nvGrpSpPr>
+      <p:grpSpPr>
+        <a:xfrm>
+          <a:off x="0" y="0"/>
+          <a:ext cx="0" cy="0"/>
+          <a:chOff x="0" y="0"/>
+          <a:chExt cx="0" cy="0"/>
+        </a:xfrm>
+      </p:grpSpPr>
+      <p:sp>
+        <p:nvSpPr>
+          <p:cNvPr id="2" name="スライド イメージ プレースホルダー 1"/>
+          <p:cNvSpPr>
+            <a:spLocks noGrp="1" noRot="1" noChangeAspect="1"/>
+          </p:cNvSpPr>
+          <p:nvPr>
+            <p:ph type="sldImg"/>
+          </p:nvPr>
+        </p:nvSpPr>
+        <p:spPr/>
+      </p:sp>
+      <p:sp>
+        <p:nvSpPr>
+          <p:cNvPr id="3" name="ノート プレースホルダー 2"/>
+          <p:cNvSpPr>
+            <a:spLocks noGrp="1"/>
+          </p:cNvSpPr>
+          <p:nvPr>
+            <p:ph type="body" idx="1"/>
+          </p:nvPr>
+        </p:nvSpPr>
+        <p:spPr/>
+        <p:txBody>
+          <a:bodyPr/>
+          <a:lstStyle/>
+          <a:p>
+            <a:r>
+              <a:rPr kumimoji="1" lang="en-US" altLang="ja-JP" sz="1200" b="0" i="0" u="none" strike="noStrike" kern="1200" baseline="0" dirty="0" smtClean="0">
+                <a:solidFill>
+                  <a:schemeClr val="tx1"/>
+                </a:solidFill>
+                <a:latin typeface="+mn-lt"/>
+                <a:ea typeface="+mn-ea"/>
+                <a:cs typeface="+mn-cs"/>
+              </a:rPr>
+              <a:t>The runtime of B&amp;B significantly depends on the task graph. In some cases, optimal 269 solutions were found within a second, but in some other cases, the branch-and-bound algorithm did 270 not finish within 12 hours. The PCS and dual-mode algorithms are very fast, at the cost of the 271 degraded quality of results as seen in Figures 7 and 8. Our single-threaded implementation of the 272 genetic algorithm found near-optimal solutions within 5 seconds, and the parallelized 273 implementation achieved approximately 7 times speed-up </a:t>
+            </a:r>
+            <a:endParaRPr kumimoji="1" lang="ja-JP" altLang="en-US" dirty="0"/>
+          </a:p>
+        </p:txBody>
+      </p:sp>
+      <p:sp>
+        <p:nvSpPr>
+          <p:cNvPr id="4" name="スライド番号プレースホルダー 3"/>
+          <p:cNvSpPr>
+            <a:spLocks noGrp="1"/>
+          </p:cNvSpPr>
+          <p:nvPr>
+            <p:ph type="sldNum" sz="quarter" idx="10"/>
+          </p:nvPr>
+        </p:nvSpPr>
+        <p:spPr/>
+        <p:txBody>
+          <a:bodyPr/>
+          <a:lstStyle/>
+          <a:p>
+            <a:fld id="{5E6F417C-66E5-4AD7-A8E0-9FAF8A22F6EE}" type="slidenum">
+              <a:rPr kumimoji="1" lang="ja-JP" altLang="en-US" smtClean="0"/>
+              <a:t>16</a:t>
+            </a:fld>
+            <a:endParaRPr kumimoji="1" lang="ja-JP" altLang="en-US"/>
+          </a:p>
+        </p:txBody>
+      </p:sp>
+    </p:spTree>
+    <p:extLst>
+      <p:ext uri="{BB962C8B-B14F-4D97-AF65-F5344CB8AC3E}">
+        <p14:creationId xmlns:p14="http://schemas.microsoft.com/office/powerpoint/2010/main" val="1890737040"/>
       </p:ext>
     </p:extLst>
   </p:cSld>
@@ -3176,11 +4207,7 @@
             </a:r>
             <a:r>
               <a:rPr kumimoji="1" lang="en-US" altLang="ja-JP" baseline="0" dirty="0" smtClean="0"/>
-              <a:t>of </a:t>
-            </a:r>
-            <a:r>
-              <a:rPr kumimoji="1" lang="en-US" altLang="ja-JP" baseline="0" dirty="0" smtClean="0"/>
-              <a:t>this filed.</a:t>
+              <a:t>of this filed.</a:t>
             </a:r>
           </a:p>
           <a:p>
@@ -3304,11 +4331,7 @@
             </a:r>
             <a:r>
               <a:rPr kumimoji="1" lang="en-US" altLang="ja-JP" baseline="0" dirty="0" smtClean="0"/>
-              <a:t> are </a:t>
-            </a:r>
-            <a:r>
-              <a:rPr kumimoji="1" lang="en-US" altLang="ja-JP" baseline="0" dirty="0" smtClean="0"/>
-              <a:t>many works for task scheduling </a:t>
+              <a:t> are many works for task scheduling </a:t>
             </a:r>
             <a:r>
               <a:rPr lang="en-US" altLang="ja-JP" dirty="0" smtClean="0">
@@ -3592,12 +4615,36 @@
               <a:t> the first, I want give the definition of </a:t>
             </a:r>
             <a:r>
-              <a:rPr lang="en-US" altLang="zh-CN" sz="1200" b="1" dirty="0" smtClean="0">
+              <a:rPr lang="en-US" altLang="zh-CN" sz="1200" b="0" dirty="0" smtClean="0">
                 <a:latin typeface="Segoe UI Semilight" pitchFamily="34" charset="0"/>
                 <a:ea typeface="Meiryo UI" pitchFamily="34" charset="-128"/>
                 <a:cs typeface="Segoe UI Semilight" pitchFamily="34" charset="0"/>
               </a:rPr>
-              <a:t>Scheduling problem with data-Parallel Tasks.</a:t>
+              <a:t>scheduling </a:t>
+            </a:r>
+            <a:r>
+              <a:rPr lang="en-US" altLang="zh-CN" sz="1200" b="0" dirty="0" smtClean="0">
+                <a:latin typeface="Segoe UI Semilight" pitchFamily="34" charset="0"/>
+                <a:ea typeface="Meiryo UI" pitchFamily="34" charset="-128"/>
+                <a:cs typeface="Segoe UI Semilight" pitchFamily="34" charset="0"/>
+              </a:rPr>
+              <a:t>problem with </a:t>
+            </a:r>
+            <a:r>
+              <a:rPr lang="en-US" altLang="zh-CN" sz="1200" b="0" dirty="0" smtClean="0">
+                <a:latin typeface="Segoe UI Semilight" pitchFamily="34" charset="0"/>
+                <a:ea typeface="Meiryo UI" pitchFamily="34" charset="-128"/>
+                <a:cs typeface="Segoe UI Semilight" pitchFamily="34" charset="0"/>
+              </a:rPr>
+              <a:t>data-parallel tasks</a:t>
+            </a:r>
+            <a:r>
+              <a:rPr lang="en-US" altLang="zh-CN" sz="1200" b="0" dirty="0" smtClean="0">
+                <a:latin typeface="Segoe UI Semilight" pitchFamily="34" charset="0"/>
+                <a:ea typeface="Meiryo UI" pitchFamily="34" charset="-128"/>
+                <a:cs typeface="Segoe UI Semilight" pitchFamily="34" charset="0"/>
+              </a:rPr>
+              <a:t>.</a:t>
             </a:r>
           </a:p>
           <a:p>
@@ -4002,20 +5049,20 @@
               <a:t> following </a:t>
             </a:r>
             <a:r>
-              <a:rPr lang="en-US" altLang="zh-CN" sz="1200" baseline="0" dirty="0" err="1" smtClean="0">
-                <a:latin typeface="Segoe UI Semilight" pitchFamily="34" charset="0"/>
-                <a:ea typeface="Arial Unicode MS" pitchFamily="34" charset="-122"/>
-                <a:cs typeface="Segoe UI Semilight" pitchFamily="34" charset="0"/>
-              </a:rPr>
-              <a:t>discusstion</a:t>
-            </a:r>
-            <a:r>
               <a:rPr lang="en-US" altLang="zh-CN" sz="1200" baseline="0" dirty="0" smtClean="0">
                 <a:latin typeface="Segoe UI Semilight" pitchFamily="34" charset="0"/>
                 <a:ea typeface="Arial Unicode MS" pitchFamily="34" charset="-122"/>
                 <a:cs typeface="Segoe UI Semilight" pitchFamily="34" charset="0"/>
               </a:rPr>
-              <a:t> will first</a:t>
+              <a:t>discussion </a:t>
+            </a:r>
+            <a:r>
+              <a:rPr lang="en-US" altLang="zh-CN" sz="1200" baseline="0" dirty="0" smtClean="0">
+                <a:latin typeface="Segoe UI Semilight" pitchFamily="34" charset="0"/>
+                <a:ea typeface="Arial Unicode MS" pitchFamily="34" charset="-122"/>
+                <a:cs typeface="Segoe UI Semilight" pitchFamily="34" charset="0"/>
+              </a:rPr>
+              <a:t>will first</a:t>
             </a:r>
             <a:r>
               <a:rPr lang="ja-JP" altLang="en-US" sz="1200" baseline="0" dirty="0" smtClean="0">
@@ -4334,12 +5381,17 @@
           <a:p>
             <a:r>
               <a:rPr lang="en-US" altLang="zh-CN" dirty="0" smtClean="0"/>
-              <a:t>The first step:</a:t>
+              <a:t>The first </a:t>
+            </a:r>
+            <a:r>
+              <a:rPr lang="en-US" altLang="zh-CN" dirty="0" smtClean="0"/>
+              <a:t>step is</a:t>
             </a:r>
             <a:r>
               <a:rPr lang="en-US" altLang="zh-CN" baseline="0" dirty="0" smtClean="0"/>
-              <a:t> initialization, try to generate valid chromosomes.</a:t>
-            </a:r>
+              <a:t> initialization</a:t>
+            </a:r>
+            <a:endParaRPr lang="en-US" altLang="zh-CN" baseline="0" dirty="0" smtClean="0"/>
           </a:p>
           <a:p>
             <a:r>
@@ -4370,15 +5422,7 @@
             </a:pPr>
             <a:r>
               <a:rPr lang="en-US" altLang="zh-CN" baseline="0" dirty="0" smtClean="0"/>
-              <a:t>Our </a:t>
-            </a:r>
-            <a:r>
-              <a:rPr lang="en-US" altLang="zh-CN" baseline="0" dirty="0" smtClean="0"/>
-              <a:t>algorithm  </a:t>
-            </a:r>
-            <a:r>
-              <a:rPr lang="en-US" altLang="zh-CN" baseline="0" dirty="0" smtClean="0"/>
-              <a:t>select the task by ID order. </a:t>
+              <a:t>Our algorithm  select the task by ID order. </a:t>
             </a:r>
           </a:p>
           <a:p>
@@ -4405,7 +5449,7 @@
                 <a:ea typeface="Arial Unicode MS" pitchFamily="34" charset="-122"/>
                 <a:cs typeface="Segoe UI Semilight" pitchFamily="34" charset="0"/>
               </a:rPr>
-              <a:t>We </a:t>
+              <a:t>and </a:t>
             </a:r>
             <a:r>
               <a:rPr lang="en-US" altLang="ja-JP" sz="1200" dirty="0" smtClean="0">
@@ -4512,7 +5556,15 @@
                 <a:ea typeface="Arial Unicode MS" pitchFamily="34" charset="-122"/>
                 <a:cs typeface="Segoe UI Semilight" pitchFamily="34" charset="0"/>
               </a:rPr>
-              <a:t>MIN: The task’s ID,</a:t>
+              <a:t>MIN is the </a:t>
+            </a:r>
+            <a:r>
+              <a:rPr lang="en-US" altLang="ja-JP" sz="2200" dirty="0" smtClean="0">
+                <a:latin typeface="Segoe UI Semilight" pitchFamily="34" charset="0"/>
+                <a:ea typeface="Arial Unicode MS" pitchFamily="34" charset="-122"/>
+                <a:cs typeface="Segoe UI Semilight" pitchFamily="34" charset="0"/>
+              </a:rPr>
+              <a:t>task’s ID,</a:t>
             </a:r>
             <a:r>
               <a:rPr lang="en-US" altLang="ja-JP" sz="2200" baseline="0" dirty="0" smtClean="0">
@@ -4523,13 +5575,58 @@
               <a:t> and the MAX is </a:t>
             </a:r>
             <a:r>
+              <a:rPr lang="en-US" altLang="ja-JP" sz="2200" baseline="0" dirty="0" smtClean="0">
+                <a:latin typeface="Segoe UI Semilight" pitchFamily="34" charset="0"/>
+                <a:ea typeface="Arial Unicode MS" pitchFamily="34" charset="-122"/>
+                <a:cs typeface="Segoe UI Semilight" pitchFamily="34" charset="0"/>
+              </a:rPr>
+              <a:t>t</a:t>
+            </a:r>
+            <a:r>
               <a:rPr lang="en-US" altLang="ja-JP" sz="2200" dirty="0" smtClean="0">
                 <a:latin typeface="Segoe UI Semilight" pitchFamily="34" charset="0"/>
                 <a:ea typeface="Arial Unicode MS" pitchFamily="34" charset="-122"/>
                 <a:cs typeface="Segoe UI Semilight" pitchFamily="34" charset="0"/>
               </a:rPr>
-              <a:t>The execution order of last parent tasks was executed</a:t>
-            </a:r>
+              <a:t>he </a:t>
+            </a:r>
+            <a:r>
+              <a:rPr lang="en-US" altLang="ja-JP" sz="2200" dirty="0" smtClean="0">
+                <a:latin typeface="Segoe UI Semilight" pitchFamily="34" charset="0"/>
+                <a:ea typeface="Arial Unicode MS" pitchFamily="34" charset="-122"/>
+                <a:cs typeface="Segoe UI Semilight" pitchFamily="34" charset="0"/>
+              </a:rPr>
+              <a:t>execution order of </a:t>
+            </a:r>
+            <a:r>
+              <a:rPr lang="en-US" altLang="ja-JP" sz="2200" dirty="0" smtClean="0">
+                <a:latin typeface="Segoe UI Semilight" pitchFamily="34" charset="0"/>
+                <a:ea typeface="Arial Unicode MS" pitchFamily="34" charset="-122"/>
+                <a:cs typeface="Segoe UI Semilight" pitchFamily="34" charset="0"/>
+              </a:rPr>
+              <a:t>the</a:t>
+            </a:r>
+            <a:r>
+              <a:rPr lang="en-US" altLang="ja-JP" sz="2200" baseline="0" dirty="0" smtClean="0">
+                <a:latin typeface="Segoe UI Semilight" pitchFamily="34" charset="0"/>
+                <a:ea typeface="Arial Unicode MS" pitchFamily="34" charset="-122"/>
+                <a:cs typeface="Segoe UI Semilight" pitchFamily="34" charset="0"/>
+              </a:rPr>
+              <a:t> </a:t>
+            </a:r>
+            <a:r>
+              <a:rPr lang="en-US" altLang="ja-JP" sz="2200" dirty="0" smtClean="0">
+                <a:latin typeface="Segoe UI Semilight" pitchFamily="34" charset="0"/>
+                <a:ea typeface="Arial Unicode MS" pitchFamily="34" charset="-122"/>
+                <a:cs typeface="Segoe UI Semilight" pitchFamily="34" charset="0"/>
+              </a:rPr>
+              <a:t>last parent.</a:t>
+            </a:r>
+            <a:endParaRPr lang="en-US" altLang="ja-JP" sz="2200" dirty="0" smtClean="0">
+              <a:latin typeface="Segoe UI Semilight" pitchFamily="34" charset="0"/>
+              <a:ea typeface="Arial Unicode MS" pitchFamily="34" charset="-122"/>
+              <a:cs typeface="Segoe UI Semilight" pitchFamily="34" charset="0"/>
+            </a:endParaRPr>
           </a:p>
           <a:p>
             <a:pPr marL="0" marR="0" lvl="2" indent="0" algn="l" defTabSz="914400" rtl="0" eaLnBrk="1" fontAlgn="auto" latinLnBrk="0" hangingPunct="1">
@@ -4825,15 +5922,7 @@
                 <a:ea typeface="Arial Unicode MS" pitchFamily="34" charset="-122"/>
                 <a:cs typeface="Segoe UI Semilight" pitchFamily="34" charset="0"/>
               </a:rPr>
-              <a:t>compute the fitness value</a:t>
-            </a:r>
-            <a:r>
-              <a:rPr lang="en-US" altLang="ja-JP" sz="1200" dirty="0" smtClean="0">
-                <a:latin typeface="Segoe UI Semilight" pitchFamily="34" charset="0"/>
-                <a:ea typeface="Arial Unicode MS" pitchFamily="34" charset="-122"/>
-                <a:cs typeface="Segoe UI Semilight" pitchFamily="34" charset="0"/>
-              </a:rPr>
-              <a:t> for each </a:t>
+              <a:t>compute the </a:t>
             </a:r>
             <a:r>
               <a:rPr lang="en-US" altLang="ja-JP" sz="1200" dirty="0" smtClean="0">
@@ -4844,7 +5933,7 @@
                 <a:ea typeface="Arial Unicode MS" pitchFamily="34" charset="-122"/>
                 <a:cs typeface="Segoe UI Semilight" pitchFamily="34" charset="0"/>
               </a:rPr>
-              <a:t>chromosome </a:t>
+              <a:t>fitness value</a:t>
             </a:r>
             <a:r>
               <a:rPr lang="en-US" altLang="ja-JP" sz="1200" dirty="0" smtClean="0">
@@ -4854,6 +5943,11 @@
               </a:rPr>
               <a:t>:</a:t>
             </a:r>
+            <a:endParaRPr lang="en-US" altLang="ja-JP" sz="1200" dirty="0" smtClean="0">
+              <a:latin typeface="Segoe UI Semilight" pitchFamily="34" charset="0"/>
+              <a:ea typeface="Arial Unicode MS" pitchFamily="34" charset="-122"/>
+              <a:cs typeface="Segoe UI Semilight" pitchFamily="34" charset="0"/>
+            </a:endParaRPr>
           </a:p>
           <a:p>
             <a:pPr marL="0" marR="0" indent="0" algn="l" defTabSz="914400" rtl="0" eaLnBrk="1" fontAlgn="auto" latinLnBrk="0" hangingPunct="1">
@@ -5067,43 +6161,29 @@
                 <a:ea typeface="Arial Unicode MS" panose="020B0604020202020204" pitchFamily="50" charset="-128"/>
                 <a:cs typeface="Segoe UI Semilight" pitchFamily="34" charset="0"/>
               </a:rPr>
-              <a:t>We use the roulette wheel to select chromosome.</a:t>
+              <a:t>Our algorithm </a:t>
+            </a:r>
+            <a:r>
+              <a:rPr lang="en-US" altLang="ja-JP" sz="1200" dirty="0" smtClean="0">
+                <a:latin typeface="Segoe UI Semilight" pitchFamily="34" charset="0"/>
+                <a:ea typeface="Arial Unicode MS" panose="020B0604020202020204" pitchFamily="50" charset="-128"/>
+                <a:cs typeface="Segoe UI Semilight" pitchFamily="34" charset="0"/>
+              </a:rPr>
+              <a:t>use the </a:t>
+            </a:r>
+            <a:r>
+              <a:rPr lang="en-US" altLang="ja-JP" sz="1200" dirty="0" smtClean="0">
+                <a:latin typeface="Segoe UI Semilight" pitchFamily="34" charset="0"/>
+                <a:ea typeface="Arial Unicode MS" panose="020B0604020202020204" pitchFamily="50" charset="-128"/>
+                <a:cs typeface="Segoe UI Semilight" pitchFamily="34" charset="0"/>
+              </a:rPr>
+              <a:t>roulette wheel.</a:t>
             </a:r>
             <a:endParaRPr lang="zh-CN" altLang="en-US" sz="1200" dirty="0" smtClean="0">
               <a:latin typeface="Segoe UI Semilight" pitchFamily="34" charset="0"/>
               <a:ea typeface="Arial Unicode MS" panose="020B0604020202020204" pitchFamily="50" charset="-128"/>
               <a:cs typeface="Segoe UI Semilight" pitchFamily="34" charset="0"/>
             </a:endParaRPr>
-          </a:p>
-          <a:p>
-            <a:r>
-              <a:rPr lang="en-US" altLang="zh-CN" dirty="0" smtClean="0"/>
-              <a:t>Just</a:t>
-            </a:r>
-            <a:r>
-              <a:rPr lang="zh-CN" altLang="en-US" baseline="0" dirty="0" smtClean="0"/>
-              <a:t> </a:t>
-            </a:r>
-            <a:r>
-              <a:rPr lang="en-US" altLang="zh-CN" baseline="0" dirty="0" smtClean="0"/>
-              <a:t>as play a </a:t>
-            </a:r>
-            <a:r>
-              <a:rPr lang="en-US" altLang="ja-JP" sz="1200" dirty="0" smtClean="0">
-                <a:latin typeface="Segoe UI Semilight" pitchFamily="34" charset="0"/>
-                <a:ea typeface="Arial Unicode MS" panose="020B0604020202020204" pitchFamily="50" charset="-128"/>
-                <a:cs typeface="Segoe UI Semilight" pitchFamily="34" charset="0"/>
-              </a:rPr>
-              <a:t>roulette wheel,</a:t>
-            </a:r>
-            <a:r>
-              <a:rPr lang="en-US" altLang="ja-JP" sz="1200" baseline="0" dirty="0" smtClean="0">
-                <a:latin typeface="Segoe UI Semilight" pitchFamily="34" charset="0"/>
-                <a:ea typeface="Arial Unicode MS" panose="020B0604020202020204" pitchFamily="50" charset="-128"/>
-                <a:cs typeface="Segoe UI Semilight" pitchFamily="34" charset="0"/>
-              </a:rPr>
-              <a:t> </a:t>
-            </a:r>
           </a:p>
           <a:p>
             <a:pPr marL="0" marR="0" indent="0" algn="l" defTabSz="914400" rtl="0" eaLnBrk="1" fontAlgn="auto" latinLnBrk="0" hangingPunct="1">
@@ -5133,10 +6213,10 @@
                 <a:ea typeface="+mn-ea"/>
                 <a:cs typeface="+mn-cs"/>
               </a:rPr>
-              <a:t>The good chromosomes have a large segment</a:t>
-            </a:r>
-            <a:r>
-              <a:rPr kumimoji="1" lang="zh-CN" altLang="en-US" sz="1200" kern="1200" dirty="0" smtClean="0">
+              <a:t>The chromosomes with</a:t>
+            </a:r>
+            <a:r>
+              <a:rPr kumimoji="1" lang="en-US" altLang="zh-CN" sz="1200" kern="1200" baseline="0" dirty="0" smtClean="0">
                 <a:solidFill>
                   <a:schemeClr val="tx1"/>
                 </a:solidFill>
@@ -5145,7 +6225,7 @@
                 <a:ea typeface="+mn-ea"/>
                 <a:cs typeface="+mn-cs"/>
               </a:rPr>
-              <a:t>，</a:t>
+              <a:t> a better fitness value </a:t>
             </a:r>
             <a:r>
               <a:rPr kumimoji="1" lang="en-US" altLang="zh-CN" sz="1200" kern="1200" dirty="0" smtClean="0">
@@ -5157,7 +6237,7 @@
                 <a:ea typeface="+mn-ea"/>
                 <a:cs typeface="+mn-cs"/>
               </a:rPr>
-              <a:t>on </a:t>
+              <a:t>have </a:t>
             </a:r>
             <a:r>
               <a:rPr kumimoji="1" lang="en-US" altLang="zh-CN" sz="1200" kern="1200" dirty="0" smtClean="0">
@@ -5169,31 +6249,7 @@
                 <a:ea typeface="+mn-ea"/>
                 <a:cs typeface="+mn-cs"/>
               </a:rPr>
-              <a:t>a</a:t>
-            </a:r>
-            <a:r>
-              <a:rPr kumimoji="1" lang="ja-JP" altLang="en-US" sz="1200" kern="1200" baseline="0" dirty="0" smtClean="0">
-                <a:solidFill>
-                  <a:schemeClr val="tx1"/>
-                </a:solidFill>
-                <a:effectLst/>
-                <a:latin typeface="+mn-lt"/>
-                <a:ea typeface="+mn-ea"/>
-                <a:cs typeface="+mn-cs"/>
-              </a:rPr>
-              <a:t> </a:t>
-            </a:r>
-            <a:r>
-              <a:rPr kumimoji="1" lang="en-US" altLang="ja-JP" sz="1200" kern="1200" baseline="0" dirty="0" smtClean="0">
-                <a:solidFill>
-                  <a:schemeClr val="tx1"/>
-                </a:solidFill>
-                <a:effectLst/>
-                <a:latin typeface="+mn-lt"/>
-                <a:ea typeface="+mn-ea"/>
-                <a:cs typeface="+mn-cs"/>
-              </a:rPr>
-              <a:t>other hand, the </a:t>
+              <a:t>a </a:t>
             </a:r>
             <a:r>
               <a:rPr kumimoji="1" lang="en-US" altLang="zh-CN" sz="1200" kern="1200" dirty="0" smtClean="0">
@@ -5205,19 +6261,7 @@
                 <a:ea typeface="+mn-ea"/>
                 <a:cs typeface="+mn-cs"/>
               </a:rPr>
-              <a:t>bad chromosomes have a small segment</a:t>
-            </a:r>
-            <a:r>
-              <a:rPr kumimoji="1" lang="zh-CN" altLang="en-US" sz="1200" kern="1200" dirty="0" smtClean="0">
-                <a:solidFill>
-                  <a:schemeClr val="tx1"/>
-                </a:solidFill>
-                <a:effectLst/>
-                <a:latin typeface="+mn-lt"/>
-                <a:ea typeface="+mn-ea"/>
-                <a:cs typeface="+mn-cs"/>
-              </a:rPr>
-              <a:t>，</a:t>
+              <a:t>larger segment.</a:t>
             </a:r>
             <a:endParaRPr kumimoji="1" lang="en-US" altLang="zh-CN" sz="1200" kern="1200" dirty="0" smtClean="0">
               <a:solidFill>
@@ -5257,7 +6301,7 @@
                 <a:ea typeface="+mn-ea"/>
                 <a:cs typeface="+mn-cs"/>
               </a:rPr>
-              <a:t>If</a:t>
+              <a:t>Means</a:t>
             </a:r>
             <a:r>
               <a:rPr kumimoji="1" lang="en-US" altLang="zh-CN" sz="1200" kern="1200" baseline="0" dirty="0" smtClean="0">
@@ -5269,7 +6313,31 @@
                 <a:ea typeface="+mn-ea"/>
                 <a:cs typeface="+mn-cs"/>
               </a:rPr>
-              <a:t> we spin this </a:t>
+              <a:t> that </a:t>
+            </a:r>
+            <a:r>
+              <a:rPr kumimoji="1" lang="en-US" altLang="zh-CN" sz="1200" kern="1200" dirty="0" smtClean="0">
+                <a:solidFill>
+                  <a:schemeClr val="tx1"/>
+                </a:solidFill>
+                <a:effectLst/>
+                <a:latin typeface="+mn-lt"/>
+                <a:ea typeface="+mn-ea"/>
+                <a:cs typeface="+mn-cs"/>
+              </a:rPr>
+              <a:t>the</a:t>
+            </a:r>
+            <a:r>
+              <a:rPr kumimoji="1" lang="en-US" altLang="zh-CN" sz="1200" kern="1200" baseline="0" dirty="0" smtClean="0">
+                <a:solidFill>
+                  <a:schemeClr val="tx1"/>
+                </a:solidFill>
+                <a:effectLst/>
+                <a:latin typeface="Segoe UI Semilight" pitchFamily="34" charset="0"/>
+                <a:ea typeface="Arial Unicode MS" panose="020B0604020202020204" pitchFamily="50" charset="-128"/>
+                <a:cs typeface="Segoe UI Semilight" pitchFamily="34" charset="0"/>
+              </a:rPr>
+              <a:t> </a:t>
             </a:r>
             <a:r>
               <a:rPr lang="en-US" altLang="ja-JP" sz="1200" dirty="0" smtClean="0">
@@ -5277,7 +6345,15 @@
                 <a:ea typeface="Arial Unicode MS" panose="020B0604020202020204" pitchFamily="50" charset="-128"/>
                 <a:cs typeface="Segoe UI Semilight" pitchFamily="34" charset="0"/>
               </a:rPr>
-              <a:t>roulette wheel,</a:t>
+              <a:t>good </a:t>
+            </a:r>
+            <a:r>
+              <a:rPr lang="en-US" altLang="ja-JP" sz="1200" dirty="0" smtClean="0">
+                <a:latin typeface="Segoe UI Semilight" pitchFamily="34" charset="0"/>
+                <a:ea typeface="Arial Unicode MS" panose="020B0604020202020204" pitchFamily="50" charset="-128"/>
+                <a:cs typeface="Segoe UI Semilight" pitchFamily="34" charset="0"/>
+              </a:rPr>
+              <a:t>chromosomes have a higher opportunity to be selected.</a:t>
             </a:r>
           </a:p>
           <a:p>
@@ -5299,33 +6375,6 @@
               <a:defRPr/>
             </a:pPr>
             <a:r>
-              <a:rPr lang="en-US" altLang="ja-JP" sz="1200" dirty="0" smtClean="0">
-                <a:latin typeface="Segoe UI Semilight" pitchFamily="34" charset="0"/>
-                <a:ea typeface="Arial Unicode MS" panose="020B0604020202020204" pitchFamily="50" charset="-128"/>
-                <a:cs typeface="Segoe UI Semilight" pitchFamily="34" charset="0"/>
-              </a:rPr>
-              <a:t>good chromosomes have a higher opportunity to be selected.</a:t>
-            </a:r>
-          </a:p>
-          <a:p>
-            <a:pPr marL="0" marR="0" indent="0" algn="l" defTabSz="914400" rtl="0" eaLnBrk="1" fontAlgn="auto" latinLnBrk="0" hangingPunct="1">
-              <a:lnSpc>
-                <a:spcPct val="100000"/>
-              </a:lnSpc>
-              <a:spcBef>
-                <a:spcPts val="0"/>
-              </a:spcBef>
-              <a:spcAft>
-                <a:spcPts val="0"/>
-              </a:spcAft>
-              <a:buClrTx/>
-              <a:buSzTx/>
-              <a:buFontTx/>
-              <a:buNone/>
-              <a:tabLst/>
-              <a:defRPr/>
-            </a:pPr>
-            <a:r>
               <a:rPr kumimoji="1" lang="en-US" altLang="zh-CN" sz="1200" kern="1200" dirty="0" smtClean="0">
                 <a:solidFill>
                   <a:schemeClr val="tx1"/>
@@ -5343,7 +6392,39 @@
                 <a:ea typeface="Arial Unicode MS" panose="020B0604020202020204" pitchFamily="50" charset="-128"/>
                 <a:cs typeface="Segoe UI Semilight" pitchFamily="34" charset="0"/>
               </a:rPr>
-              <a:t>every chromosome has the opportunity to be selected even with a bad fitness values.</a:t>
+              <a:t>even the chromosome with </a:t>
+            </a:r>
+            <a:r>
+              <a:rPr lang="en-US" altLang="ja-JP" sz="1200" dirty="0" smtClean="0">
+                <a:latin typeface="Segoe UI Semilight" pitchFamily="34" charset="0"/>
+                <a:ea typeface="Arial Unicode MS" panose="020B0604020202020204" pitchFamily="50" charset="-128"/>
+                <a:cs typeface="Segoe UI Semilight" pitchFamily="34" charset="0"/>
+              </a:rPr>
+              <a:t>a bad fitness </a:t>
+            </a:r>
+            <a:r>
+              <a:rPr lang="en-US" altLang="ja-JP" sz="1200" dirty="0" smtClean="0">
+                <a:latin typeface="Segoe UI Semilight" pitchFamily="34" charset="0"/>
+                <a:ea typeface="Arial Unicode MS" panose="020B0604020202020204" pitchFamily="50" charset="-128"/>
+                <a:cs typeface="Segoe UI Semilight" pitchFamily="34" charset="0"/>
+              </a:rPr>
+              <a:t>values</a:t>
+            </a:r>
+            <a:r>
+              <a:rPr lang="en-US" altLang="ja-JP" sz="1200" baseline="0" dirty="0" smtClean="0">
+                <a:latin typeface="Segoe UI Semilight" pitchFamily="34" charset="0"/>
+                <a:ea typeface="Arial Unicode MS" panose="020B0604020202020204" pitchFamily="50" charset="-128"/>
+                <a:cs typeface="Segoe UI Semilight" pitchFamily="34" charset="0"/>
+              </a:rPr>
+              <a:t> also</a:t>
+            </a:r>
+            <a:r>
+              <a:rPr lang="en-US" altLang="ja-JP" sz="1200" dirty="0" smtClean="0">
+                <a:latin typeface="Segoe UI Semilight" pitchFamily="34" charset="0"/>
+                <a:ea typeface="Arial Unicode MS" panose="020B0604020202020204" pitchFamily="50" charset="-128"/>
+                <a:cs typeface="Segoe UI Semilight" pitchFamily="34" charset="0"/>
+              </a:rPr>
+              <a:t> has the opportunity to be selected.</a:t>
             </a:r>
             <a:endParaRPr lang="ja-JP" altLang="en-US" sz="1200" dirty="0" smtClean="0">
               <a:latin typeface="Segoe UI Semilight" pitchFamily="34" charset="0"/>
@@ -5592,7 +6673,7 @@
           <a:p>
             <a:fld id="{7C9F4112-79B1-4CC8-94A5-48C152A5489E}" type="datetime1">
               <a:rPr kumimoji="1" lang="ja-JP" altLang="en-US" smtClean="0"/>
-              <a:t>2018/4/9</a:t>
+              <a:t>2018/4/11</a:t>
             </a:fld>
             <a:endParaRPr kumimoji="1" lang="ja-JP" altLang="en-US"/>
           </a:p>
@@ -5872,7 +6953,7 @@
           <a:p>
             <a:fld id="{2BB7F232-FD39-41F1-9610-46863DBB85D5}" type="datetime1">
               <a:rPr kumimoji="1" lang="ja-JP" altLang="en-US" smtClean="0"/>
-              <a:t>2018/4/9</a:t>
+              <a:t>2018/4/11</a:t>
             </a:fld>
             <a:endParaRPr kumimoji="1" lang="ja-JP" altLang="en-US"/>
           </a:p>
@@ -6084,7 +7165,7 @@
           <a:p>
             <a:fld id="{E362F2B7-8C0C-43F3-AC6A-CDEDB85AC604}" type="datetime1">
               <a:rPr kumimoji="1" lang="ja-JP" altLang="en-US" smtClean="0"/>
-              <a:t>2018/4/9</a:t>
+              <a:t>2018/4/11</a:t>
             </a:fld>
             <a:endParaRPr kumimoji="1" lang="ja-JP" altLang="en-US"/>
           </a:p>
@@ -6300,7 +7381,7 @@
           <a:p>
             <a:fld id="{8FCE8A37-7FB9-481E-8B2B-FE7EA98CDC36}" type="datetime1">
               <a:rPr kumimoji="1" lang="ja-JP" altLang="en-US" smtClean="0"/>
-              <a:t>2018/4/9</a:t>
+              <a:t>2018/4/11</a:t>
             </a:fld>
             <a:endParaRPr kumimoji="1" lang="ja-JP" altLang="en-US"/>
           </a:p>
@@ -6637,7 +7718,7 @@
           <a:p>
             <a:fld id="{E8251D29-A9B1-4648-9967-BCD74C29CDC6}" type="datetime1">
               <a:rPr kumimoji="1" lang="ja-JP" altLang="en-US" smtClean="0"/>
-              <a:t>2018/4/9</a:t>
+              <a:t>2018/4/11</a:t>
             </a:fld>
             <a:endParaRPr kumimoji="1" lang="ja-JP" altLang="en-US"/>
           </a:p>
@@ -6989,7 +8070,7 @@
           <a:p>
             <a:fld id="{28AC0A3E-0892-4075-A27E-EB961FF63478}" type="datetime1">
               <a:rPr kumimoji="1" lang="ja-JP" altLang="en-US" smtClean="0"/>
-              <a:t>2018/4/9</a:t>
+              <a:t>2018/4/11</a:t>
             </a:fld>
             <a:endParaRPr kumimoji="1" lang="ja-JP" altLang="en-US"/>
           </a:p>
@@ -7475,7 +8556,7 @@
           <a:p>
             <a:fld id="{31DDF423-7705-491A-95F9-2F526686A5AE}" type="datetime1">
               <a:rPr kumimoji="1" lang="ja-JP" altLang="en-US" smtClean="0"/>
-              <a:t>2018/4/9</a:t>
+              <a:t>2018/4/11</a:t>
             </a:fld>
             <a:endParaRPr kumimoji="1" lang="ja-JP" altLang="en-US"/>
           </a:p>
@@ -7593,7 +8674,7 @@
           <a:p>
             <a:fld id="{FF2AE793-8433-40C0-8789-66A38A35907B}" type="datetime1">
               <a:rPr kumimoji="1" lang="ja-JP" altLang="en-US" smtClean="0"/>
-              <a:t>2018/4/9</a:t>
+              <a:t>2018/4/11</a:t>
             </a:fld>
             <a:endParaRPr kumimoji="1" lang="ja-JP" altLang="en-US"/>
           </a:p>
@@ -7688,7 +8769,7 @@
           <a:p>
             <a:fld id="{439E4830-51E9-462B-A566-E408E0E4AE69}" type="datetime1">
               <a:rPr kumimoji="1" lang="ja-JP" altLang="en-US" smtClean="0"/>
-              <a:t>2018/4/9</a:t>
+              <a:t>2018/4/11</a:t>
             </a:fld>
             <a:endParaRPr kumimoji="1" lang="ja-JP" altLang="en-US"/>
           </a:p>
@@ -7997,7 +9078,7 @@
           <a:p>
             <a:fld id="{E1BD3BAE-D935-4F0E-92C5-5B74997FBCDD}" type="datetime1">
               <a:rPr kumimoji="1" lang="ja-JP" altLang="en-US" smtClean="0"/>
-              <a:t>2018/4/9</a:t>
+              <a:t>2018/4/11</a:t>
             </a:fld>
             <a:endParaRPr kumimoji="1" lang="ja-JP" altLang="en-US"/>
           </a:p>
@@ -8250,7 +9331,7 @@
           <a:p>
             <a:fld id="{9A7CD019-00D5-496B-9FAE-D952E226A474}" type="datetime1">
               <a:rPr kumimoji="1" lang="ja-JP" altLang="en-US" smtClean="0"/>
-              <a:t>2018/4/9</a:t>
+              <a:t>2018/4/11</a:t>
             </a:fld>
             <a:endParaRPr kumimoji="1" lang="ja-JP" altLang="en-US"/>
           </a:p>
@@ -8495,7 +9576,7 @@
           <a:p>
             <a:fld id="{430D26C4-9AAD-4B13-B60C-00D68FA9AE93}" type="datetime1">
               <a:rPr kumimoji="1" lang="ja-JP" altLang="en-US" smtClean="0"/>
-              <a:t>2018/4/9</a:t>
+              <a:t>2018/4/11</a:t>
             </a:fld>
             <a:endParaRPr kumimoji="1" lang="ja-JP" altLang="en-US"/>
           </a:p>
@@ -14874,7 +15955,23 @@
                 <a:ea typeface="Arial Unicode MS" pitchFamily="34" charset="-122"/>
                 <a:cs typeface="Segoe UI Semilight" pitchFamily="34" charset="0"/>
               </a:rPr>
-              <a:t>Standard T Graph (STG) Set</a:t>
+              <a:t>Standard </a:t>
+            </a:r>
+            <a:r>
+              <a:rPr lang="en-US" altLang="ja-JP" sz="2000" dirty="0" smtClean="0">
+                <a:latin typeface="Segoe UI Semilight" pitchFamily="34" charset="0"/>
+                <a:ea typeface="Arial Unicode MS" pitchFamily="34" charset="-122"/>
+                <a:cs typeface="Segoe UI Semilight" pitchFamily="34" charset="0"/>
+              </a:rPr>
+              <a:t>Task </a:t>
+            </a:r>
+            <a:r>
+              <a:rPr lang="en-US" altLang="ja-JP" sz="2000" dirty="0" smtClean="0">
+                <a:latin typeface="Segoe UI Semilight" pitchFamily="34" charset="0"/>
+                <a:ea typeface="Arial Unicode MS" pitchFamily="34" charset="-122"/>
+                <a:cs typeface="Segoe UI Semilight" pitchFamily="34" charset="0"/>
+              </a:rPr>
+              <a:t>Graph (STG) Set</a:t>
             </a:r>
           </a:p>
           <a:p>
@@ -15343,7 +16440,7 @@
         </p:xfrm>
         <a:graphic>
           <a:graphicData uri="http://schemas.openxmlformats.org/drawingml/2006/chart">
-            <c:chart xmlns:c="http://schemas.openxmlformats.org/drawingml/2006/chart" xmlns:r="http://schemas.openxmlformats.org/officeDocument/2006/relationships" r:id="rId2"/>
+            <c:chart xmlns:c="http://schemas.openxmlformats.org/drawingml/2006/chart" xmlns:r="http://schemas.openxmlformats.org/officeDocument/2006/relationships" r:id="rId3"/>
           </a:graphicData>
         </a:graphic>
       </p:graphicFrame>
@@ -15462,7 +16559,7 @@
         </p:xfrm>
         <a:graphic>
           <a:graphicData uri="http://schemas.openxmlformats.org/drawingml/2006/chart">
-            <c:chart xmlns:c="http://schemas.openxmlformats.org/drawingml/2006/chart" xmlns:r="http://schemas.openxmlformats.org/officeDocument/2006/relationships" r:id="rId2"/>
+            <c:chart xmlns:c="http://schemas.openxmlformats.org/drawingml/2006/chart" xmlns:r="http://schemas.openxmlformats.org/officeDocument/2006/relationships" r:id="rId3"/>
           </a:graphicData>
         </a:graphic>
       </p:graphicFrame>
@@ -17592,15 +18689,7 @@
                 <a:ea typeface="Arial Unicode MS" pitchFamily="34" charset="-122"/>
                 <a:cs typeface="Segoe UI Semilight" pitchFamily="34" charset="0"/>
               </a:rPr>
-              <a:t>No </a:t>
-            </a:r>
-            <a:r>
-              <a:rPr lang="en-US" altLang="ja-JP" sz="2200" dirty="0" smtClean="0">
-                <a:latin typeface="Segoe UI Semilight" pitchFamily="34" charset="0"/>
-                <a:ea typeface="Arial Unicode MS" pitchFamily="34" charset="-122"/>
-                <a:cs typeface="Segoe UI Semilight" pitchFamily="34" charset="0"/>
-              </a:rPr>
-              <a:t>GA</a:t>
+              <a:t>No GA</a:t>
             </a:r>
             <a:r>
               <a:rPr lang="en-US" altLang="zh-CN" sz="2200" dirty="0" smtClean="0">
@@ -17654,15 +18743,7 @@
                 <a:ea typeface="Arial Unicode MS" pitchFamily="34" charset="-122"/>
                 <a:cs typeface="Segoe UI Semilight" pitchFamily="34" charset="0"/>
               </a:rPr>
-              <a:t>existing chromosomes </a:t>
-            </a:r>
-            <a:r>
-              <a:rPr lang="en-US" altLang="ja-JP" sz="2200" dirty="0">
-                <a:latin typeface="Segoe UI Semilight" pitchFamily="34" charset="0"/>
-                <a:ea typeface="Arial Unicode MS" pitchFamily="34" charset="-122"/>
-                <a:cs typeface="Segoe UI Semilight" pitchFamily="34" charset="0"/>
-              </a:rPr>
-              <a:t>not appropriate </a:t>
+              <a:t>existing chromosomes not appropriate </a:t>
             </a:r>
             <a:r>
               <a:rPr lang="en-US" altLang="ja-JP" sz="2200" dirty="0" smtClean="0">
@@ -18819,23 +19900,7 @@
                 <a:ea typeface="Arial Unicode MS" panose="020B0604020202020204" pitchFamily="50" charset="-128"/>
                 <a:cs typeface="Segoe UI Semilight" pitchFamily="34" charset="0"/>
               </a:rPr>
-              <a:t>as </a:t>
-            </a:r>
-            <a:r>
-              <a:rPr lang="en-US" altLang="ja-JP" sz="2400" dirty="0" smtClean="0">
-                <a:latin typeface="Segoe UI Semilight" pitchFamily="34" charset="0"/>
-                <a:ea typeface="Arial Unicode MS" panose="020B0604020202020204" pitchFamily="50" charset="-128"/>
-                <a:cs typeface="Segoe UI Semilight" pitchFamily="34" charset="0"/>
-              </a:rPr>
-              <a:t>a </a:t>
-            </a:r>
-            <a:r>
-              <a:rPr lang="en-US" altLang="ja-JP" sz="2400" dirty="0" smtClean="0">
-                <a:latin typeface="Segoe UI Semilight" pitchFamily="34" charset="0"/>
-                <a:ea typeface="Arial Unicode MS" panose="020B0604020202020204" pitchFamily="50" charset="-128"/>
-                <a:cs typeface="Segoe UI Semilight" pitchFamily="34" charset="0"/>
-              </a:rPr>
-              <a:t>task graph.</a:t>
+              <a:t>as a task graph.</a:t>
             </a:r>
           </a:p>
         </p:txBody>
@@ -19035,14 +20100,6 @@
               </a:rPr>
               <a:t>length</a:t>
             </a:r>
-            <a:endParaRPr lang="en-US" altLang="ja-JP" sz="2400" dirty="0" smtClean="0">
-              <a:solidFill>
-                <a:srgbClr val="FF0000"/>
-              </a:solidFill>
-              <a:latin typeface="Segoe UI Semilight" pitchFamily="34" charset="0"/>
-              <a:ea typeface="Arial Unicode MS" panose="020B0604020202020204" pitchFamily="50" charset="-128"/>
-              <a:cs typeface="Segoe UI Semilight" pitchFamily="34" charset="0"/>
-            </a:endParaRPr>
           </a:p>
         </p:txBody>
       </p:sp>
@@ -21753,15 +22810,7 @@
                 <a:ea typeface="Arial Unicode MS" pitchFamily="34" charset="-122"/>
                 <a:cs typeface="Segoe UI Semilight" pitchFamily="34" charset="0"/>
               </a:rPr>
-              <a:t>task + </a:t>
-            </a:r>
-            <a:r>
-              <a:rPr lang="en-US" altLang="ja-JP" sz="2200" dirty="0" smtClean="0">
-                <a:latin typeface="Segoe UI Semilight" pitchFamily="34" charset="0"/>
-                <a:ea typeface="Arial Unicode MS" pitchFamily="34" charset="-122"/>
-                <a:cs typeface="Segoe UI Semilight" pitchFamily="34" charset="0"/>
-              </a:rPr>
-              <a:t>1</a:t>
+              <a:t>task + 1</a:t>
             </a:r>
           </a:p>
           <a:p>
@@ -24772,12 +25821,20 @@
               <a:buChar char="•"/>
             </a:pPr>
             <a:r>
+              <a:rPr lang="en-US" altLang="ja-JP" sz="2400" dirty="0" smtClean="0">
+                <a:latin typeface="Segoe UI Semilight" pitchFamily="34" charset="0"/>
+                <a:ea typeface="Arial Unicode MS" panose="020B0604020202020204" pitchFamily="50" charset="-128"/>
+                <a:cs typeface="Segoe UI Semilight" pitchFamily="34" charset="0"/>
+              </a:rPr>
+              <a:t>The </a:t>
+            </a:r>
+            <a:r>
               <a:rPr lang="en-US" altLang="ja-JP" sz="2400" dirty="0">
                 <a:latin typeface="Segoe UI Semilight" pitchFamily="34" charset="0"/>
                 <a:ea typeface="Arial Unicode MS" panose="020B0604020202020204" pitchFamily="50" charset="-128"/>
                 <a:cs typeface="Segoe UI Semilight" pitchFamily="34" charset="0"/>
               </a:rPr>
-              <a:t>Every chromosome has the opportunity to be selected e</a:t>
+              <a:t>chromosome with a bad fitness </a:t>
             </a:r>
             <a:r>
               <a:rPr lang="en-US" altLang="ja-JP" sz="2400" dirty="0" smtClean="0">
@@ -24785,7 +25842,15 @@
                 <a:ea typeface="Arial Unicode MS" panose="020B0604020202020204" pitchFamily="50" charset="-128"/>
                 <a:cs typeface="Segoe UI Semilight" pitchFamily="34" charset="0"/>
               </a:rPr>
-              <a:t>ven with a bad fitness values.</a:t>
+              <a:t>values </a:t>
+            </a:r>
+            <a:r>
+              <a:rPr lang="en-US" altLang="ja-JP" sz="2400" dirty="0">
+                <a:latin typeface="Segoe UI Semilight" pitchFamily="34" charset="0"/>
+                <a:ea typeface="Arial Unicode MS" panose="020B0604020202020204" pitchFamily="50" charset="-128"/>
+                <a:cs typeface="Segoe UI Semilight" pitchFamily="34" charset="0"/>
+              </a:rPr>
+              <a:t>also has the opportunity to be selected.</a:t>
             </a:r>
             <a:endParaRPr lang="ja-JP" altLang="en-US" sz="2400" dirty="0">
               <a:latin typeface="Segoe UI Semilight" pitchFamily="34" charset="0"/>

--- a/ppt.pptx
+++ b/ppt.pptx
@@ -22,10 +22,10 @@
     <p:sldId id="295" r:id="rId13"/>
     <p:sldId id="264" r:id="rId14"/>
     <p:sldId id="285" r:id="rId15"/>
-    <p:sldId id="294" r:id="rId16"/>
-    <p:sldId id="286" r:id="rId17"/>
-    <p:sldId id="267" r:id="rId18"/>
-    <p:sldId id="296" r:id="rId19"/>
+    <p:sldId id="286" r:id="rId16"/>
+    <p:sldId id="267" r:id="rId17"/>
+    <p:sldId id="296" r:id="rId18"/>
+    <p:sldId id="294" r:id="rId19"/>
   </p:sldIdLst>
   <p:sldSz cx="9144000" cy="6858000" type="screen4x3"/>
   <p:notesSz cx="6858000" cy="9144000"/>
@@ -130,7 +130,7 @@
 <file path=ppt/charts/chart1.xml><?xml version="1.0" encoding="utf-8"?>
 <c:chartSpace xmlns:c="http://schemas.openxmlformats.org/drawingml/2006/chart" xmlns:a="http://schemas.openxmlformats.org/drawingml/2006/main" xmlns:r="http://schemas.openxmlformats.org/officeDocument/2006/relationships">
   <c:date1904 val="0"/>
-  <c:lang val="ja-JP"/>
+  <c:lang val="zh-CN"/>
   <c:roundedCorners val="0"/>
   <mc:AlternateContent xmlns:mc="http://schemas.openxmlformats.org/markup-compatibility/2006">
     <mc:Choice xmlns:c14="http://schemas.microsoft.com/office/drawing/2007/8/2/chart" Requires="c14">
@@ -226,7 +226,7 @@
       <a:pPr>
         <a:defRPr sz="1800"/>
       </a:pPr>
-      <a:endParaRPr lang="ja-JP"/>
+      <a:endParaRPr lang="zh-CN"/>
     </a:p>
   </c:txPr>
   <c:externalData r:id="rId1">
@@ -239,7 +239,7 @@
 <file path=ppt/charts/chart2.xml><?xml version="1.0" encoding="utf-8"?>
 <c:chartSpace xmlns:c="http://schemas.openxmlformats.org/drawingml/2006/chart" xmlns:a="http://schemas.openxmlformats.org/drawingml/2006/main" xmlns:r="http://schemas.openxmlformats.org/officeDocument/2006/relationships">
   <c:date1904 val="0"/>
-  <c:lang val="ja-JP"/>
+  <c:lang val="zh-CN"/>
   <c:roundedCorners val="0"/>
   <mc:AlternateContent xmlns:mc="http://schemas.openxmlformats.org/markup-compatibility/2006">
     <mc:Choice xmlns:c14="http://schemas.microsoft.com/office/drawing/2007/8/2/chart" Requires="c14">
@@ -963,11 +963,11 @@
         </c:dLbls>
         <c:gapWidth val="219"/>
         <c:overlap val="-27"/>
-        <c:axId val="27965312"/>
-        <c:axId val="27971584"/>
+        <c:axId val="186397056"/>
+        <c:axId val="186398976"/>
       </c:barChart>
       <c:catAx>
-        <c:axId val="27965312"/>
+        <c:axId val="186397056"/>
         <c:scaling>
           <c:orientation val="minMax"/>
         </c:scaling>
@@ -980,7 +980,7 @@
               <a:lstStyle/>
               <a:p>
                 <a:pPr>
-                  <a:defRPr/>
+                  <a:defRPr lang="ja-JP"/>
                 </a:pPr>
                 <a:r>
                   <a:rPr lang="en-US"/>
@@ -1019,12 +1019,12 @@
           <a:lstStyle/>
           <a:p>
             <a:pPr>
-              <a:defRPr/>
+              <a:defRPr lang="ja-JP"/>
             </a:pPr>
-            <a:endParaRPr lang="ja-JP"/>
+            <a:endParaRPr lang="zh-CN"/>
           </a:p>
         </c:txPr>
-        <c:crossAx val="27971584"/>
+        <c:crossAx val="186398976"/>
         <c:crosses val="autoZero"/>
         <c:auto val="1"/>
         <c:lblAlgn val="ctr"/>
@@ -1032,7 +1032,7 @@
         <c:noMultiLvlLbl val="0"/>
       </c:catAx>
       <c:valAx>
-        <c:axId val="27971584"/>
+        <c:axId val="186398976"/>
         <c:scaling>
           <c:orientation val="minMax"/>
         </c:scaling>
@@ -1059,7 +1059,7 @@
               <a:lstStyle/>
               <a:p>
                 <a:pPr>
-                  <a:defRPr/>
+                  <a:defRPr lang="ja-JP"/>
                 </a:pPr>
                 <a:r>
                   <a:rPr lang="en-US"/>
@@ -1097,12 +1097,12 @@
           <a:lstStyle/>
           <a:p>
             <a:pPr>
-              <a:defRPr/>
+              <a:defRPr lang="ja-JP"/>
             </a:pPr>
-            <a:endParaRPr lang="ja-JP"/>
+            <a:endParaRPr lang="zh-CN"/>
           </a:p>
         </c:txPr>
-        <c:crossAx val="27965312"/>
+        <c:crossAx val="186397056"/>
         <c:crosses val="autoZero"/>
         <c:crossBetween val="between"/>
       </c:valAx>
@@ -1139,9 +1139,9 @@
         <a:lstStyle/>
         <a:p>
           <a:pPr>
-            <a:defRPr/>
+            <a:defRPr lang="ja-JP"/>
           </a:pPr>
-          <a:endParaRPr lang="ja-JP"/>
+          <a:endParaRPr lang="zh-CN"/>
         </a:p>
       </c:txPr>
     </c:legend>
@@ -1173,7 +1173,7 @@
           <a:cs typeface="Segoe UI Semilight" pitchFamily="34" charset="0"/>
         </a:defRPr>
       </a:pPr>
-      <a:endParaRPr lang="ja-JP"/>
+      <a:endParaRPr lang="zh-CN"/>
     </a:p>
   </c:txPr>
   <c:externalData r:id="rId1">
@@ -1185,7 +1185,7 @@
 <file path=ppt/charts/chart3.xml><?xml version="1.0" encoding="utf-8"?>
 <c:chartSpace xmlns:c="http://schemas.openxmlformats.org/drawingml/2006/chart" xmlns:a="http://schemas.openxmlformats.org/drawingml/2006/main" xmlns:r="http://schemas.openxmlformats.org/officeDocument/2006/relationships">
   <c:date1904 val="0"/>
-  <c:lang val="ja-JP"/>
+  <c:lang val="zh-CN"/>
   <c:roundedCorners val="0"/>
   <mc:AlternateContent xmlns:mc="http://schemas.openxmlformats.org/markup-compatibility/2006">
     <mc:Choice xmlns:c14="http://schemas.microsoft.com/office/drawing/2007/8/2/chart" Requires="c14">
@@ -1907,11 +1907,11 @@
         </c:dLbls>
         <c:gapWidth val="219"/>
         <c:overlap val="-27"/>
-        <c:axId val="28013696"/>
-        <c:axId val="28015616"/>
+        <c:axId val="186442496"/>
+        <c:axId val="186444416"/>
       </c:barChart>
       <c:catAx>
-        <c:axId val="28013696"/>
+        <c:axId val="186442496"/>
         <c:scaling>
           <c:orientation val="minMax"/>
         </c:scaling>
@@ -1924,7 +1924,7 @@
               <a:lstStyle/>
               <a:p>
                 <a:pPr>
-                  <a:defRPr/>
+                  <a:defRPr lang="ja-JP"/>
                 </a:pPr>
                 <a:r>
                   <a:rPr lang="en-US"/>
@@ -1963,12 +1963,12 @@
           <a:lstStyle/>
           <a:p>
             <a:pPr>
-              <a:defRPr/>
+              <a:defRPr lang="ja-JP"/>
             </a:pPr>
-            <a:endParaRPr lang="ja-JP"/>
+            <a:endParaRPr lang="zh-CN"/>
           </a:p>
         </c:txPr>
-        <c:crossAx val="28015616"/>
+        <c:crossAx val="186444416"/>
         <c:crosses val="autoZero"/>
         <c:auto val="1"/>
         <c:lblAlgn val="ctr"/>
@@ -1976,7 +1976,7 @@
         <c:noMultiLvlLbl val="0"/>
       </c:catAx>
       <c:valAx>
-        <c:axId val="28015616"/>
+        <c:axId val="186444416"/>
         <c:scaling>
           <c:orientation val="minMax"/>
         </c:scaling>
@@ -2003,7 +2003,7 @@
               <a:lstStyle/>
               <a:p>
                 <a:pPr>
-                  <a:defRPr/>
+                  <a:defRPr lang="ja-JP"/>
                 </a:pPr>
                 <a:r>
                   <a:rPr lang="en-US"/>
@@ -2041,12 +2041,12 @@
           <a:lstStyle/>
           <a:p>
             <a:pPr>
-              <a:defRPr/>
+              <a:defRPr lang="ja-JP"/>
             </a:pPr>
-            <a:endParaRPr lang="ja-JP"/>
+            <a:endParaRPr lang="zh-CN"/>
           </a:p>
         </c:txPr>
-        <c:crossAx val="28013696"/>
+        <c:crossAx val="186442496"/>
         <c:crosses val="autoZero"/>
         <c:crossBetween val="between"/>
       </c:valAx>
@@ -2083,9 +2083,9 @@
         <a:lstStyle/>
         <a:p>
           <a:pPr>
-            <a:defRPr/>
+            <a:defRPr lang="ja-JP"/>
           </a:pPr>
-          <a:endParaRPr lang="ja-JP"/>
+          <a:endParaRPr lang="zh-CN"/>
         </a:p>
       </c:txPr>
     </c:legend>
@@ -2117,7 +2117,7 @@
           <a:cs typeface="Segoe UI Semilight" pitchFamily="34" charset="0"/>
         </a:defRPr>
       </a:pPr>
-      <a:endParaRPr lang="ja-JP"/>
+      <a:endParaRPr lang="zh-CN"/>
     </a:p>
   </c:txPr>
   <c:externalData r:id="rId1">
@@ -2790,8 +2790,17 @@
               <a:rPr lang="en-US" altLang="ja-JP" baseline="0" dirty="0" smtClean="0">
                 <a:effectLst/>
               </a:rPr>
-              <a:t> divide the chromosome A by a random cut-point.</a:t>
-            </a:r>
+              <a:t> divide the chromosome A by a random </a:t>
+            </a:r>
+            <a:r>
+              <a:rPr lang="en-US" altLang="ja-JP" baseline="0" dirty="0" smtClean="0">
+                <a:effectLst/>
+              </a:rPr>
+              <a:t>cut-point to two part.</a:t>
+            </a:r>
+            <a:endParaRPr lang="en-US" altLang="ja-JP" baseline="0" dirty="0" smtClean="0">
+              <a:effectLst/>
+            </a:endParaRPr>
           </a:p>
           <a:p>
             <a:pPr rtl="0"/>
@@ -2817,13 +2826,37 @@
               <a:rPr lang="en-US" altLang="ja-JP" dirty="0" smtClean="0">
                 <a:effectLst/>
               </a:rPr>
-              <a:t> first part</a:t>
+              <a:t> </a:t>
+            </a:r>
+            <a:r>
+              <a:rPr lang="en-US" altLang="ja-JP" dirty="0" smtClean="0">
+                <a:effectLst/>
+              </a:rPr>
+              <a:t>the first </a:t>
+            </a:r>
+            <a:r>
+              <a:rPr lang="en-US" altLang="ja-JP" dirty="0" smtClean="0">
+                <a:effectLst/>
+              </a:rPr>
+              <a:t>part</a:t>
             </a:r>
             <a:r>
               <a:rPr lang="en-US" altLang="ja-JP" baseline="0" dirty="0" smtClean="0">
                 <a:effectLst/>
               </a:rPr>
-              <a:t> is copied to child, and remove those tasks in chromosome B</a:t>
+              <a:t> </a:t>
+            </a:r>
+            <a:r>
+              <a:rPr lang="en-US" altLang="ja-JP" baseline="0" dirty="0" smtClean="0">
+                <a:effectLst/>
+              </a:rPr>
+              <a:t>are copied </a:t>
+            </a:r>
+            <a:r>
+              <a:rPr lang="en-US" altLang="ja-JP" baseline="0" dirty="0" smtClean="0">
+                <a:effectLst/>
+              </a:rPr>
+              <a:t>to child, and remove those tasks in chromosome B</a:t>
             </a:r>
           </a:p>
           <a:p>
@@ -2854,13 +2887,25 @@
               <a:rPr lang="en-US" altLang="ja-JP" baseline="0" dirty="0" smtClean="0">
                 <a:effectLst/>
               </a:rPr>
-              <a:t> of B i</a:t>
+              <a:t> of B </a:t>
+            </a:r>
+            <a:r>
+              <a:rPr lang="en-US" altLang="ja-JP" baseline="0" dirty="0" smtClean="0">
+                <a:effectLst/>
+              </a:rPr>
+              <a:t>also is </a:t>
             </a:r>
             <a:r>
               <a:rPr lang="en-US" altLang="ja-JP" dirty="0" smtClean="0">
                 <a:effectLst/>
               </a:rPr>
-              <a:t>s moved to child.</a:t>
+              <a:t>moved </a:t>
+            </a:r>
+            <a:r>
+              <a:rPr lang="en-US" altLang="ja-JP" dirty="0" smtClean="0">
+                <a:effectLst/>
+              </a:rPr>
+              <a:t>to child.</a:t>
             </a:r>
           </a:p>
           <a:p>
@@ -3501,7 +3546,21 @@
                 <a:latin typeface="Times New Roman" panose="02020603050405020304" pitchFamily="18" charset="0"/>
                 <a:cs typeface="Times New Roman" panose="02020603050405020304" pitchFamily="18" charset="0"/>
               </a:rPr>
-              <a:t>Standard T Graph Set which developed at </a:t>
+              <a:t>Standard </a:t>
+            </a:r>
+            <a:r>
+              <a:rPr lang="en-US" altLang="ja-JP" dirty="0" smtClean="0">
+                <a:latin typeface="Times New Roman" panose="02020603050405020304" pitchFamily="18" charset="0"/>
+                <a:cs typeface="Times New Roman" panose="02020603050405020304" pitchFamily="18" charset="0"/>
+              </a:rPr>
+              <a:t>Task </a:t>
+            </a:r>
+            <a:r>
+              <a:rPr lang="en-US" altLang="ja-JP" dirty="0" smtClean="0">
+                <a:latin typeface="Times New Roman" panose="02020603050405020304" pitchFamily="18" charset="0"/>
+                <a:cs typeface="Times New Roman" panose="02020603050405020304" pitchFamily="18" charset="0"/>
+              </a:rPr>
+              <a:t>Graph Set which developed at </a:t>
             </a:r>
             <a:r>
               <a:rPr lang="en-US" altLang="ja-JP" dirty="0" err="1" smtClean="0">
@@ -3516,29 +3575,6 @@
                 <a:cs typeface="Times New Roman" panose="02020603050405020304" pitchFamily="18" charset="0"/>
               </a:rPr>
               <a:t> University.</a:t>
-            </a:r>
-          </a:p>
-          <a:p>
-            <a:r>
-              <a:rPr lang="en-US" altLang="ja-JP" dirty="0" smtClean="0">
-                <a:latin typeface="Times New Roman" panose="02020603050405020304" pitchFamily="18" charset="0"/>
-                <a:cs typeface="Times New Roman" panose="02020603050405020304" pitchFamily="18" charset="0"/>
-              </a:rPr>
-              <a:t>Standard </a:t>
-            </a:r>
-            <a:r>
-              <a:rPr lang="en-US" altLang="ja-JP" dirty="0" smtClean="0">
-                <a:latin typeface="Times New Roman" panose="02020603050405020304" pitchFamily="18" charset="0"/>
-                <a:cs typeface="Times New Roman" panose="02020603050405020304" pitchFamily="18" charset="0"/>
-              </a:rPr>
-              <a:t>Task </a:t>
-            </a:r>
-            <a:r>
-              <a:rPr lang="en-US" altLang="ja-JP" dirty="0" smtClean="0">
-                <a:latin typeface="Times New Roman" panose="02020603050405020304" pitchFamily="18" charset="0"/>
-                <a:cs typeface="Times New Roman" panose="02020603050405020304" pitchFamily="18" charset="0"/>
-              </a:rPr>
-              <a:t>Graph Set* (STG) is a kind of benchmark for evaluate scheduling algorithms. </a:t>
             </a:r>
           </a:p>
           <a:p>
@@ -3564,14 +3600,14 @@
                 <a:latin typeface="Times New Roman" panose="02020603050405020304" pitchFamily="18" charset="0"/>
                 <a:cs typeface="Times New Roman" panose="02020603050405020304" pitchFamily="18" charset="0"/>
               </a:rPr>
-              <a:t>We choose 20 graphs with 50 </a:t>
+              <a:t>We </a:t>
             </a:r>
             <a:r>
               <a:rPr lang="en-US" altLang="ja-JP" sz="1200" dirty="0" smtClean="0">
                 <a:latin typeface="Times New Roman" panose="02020603050405020304" pitchFamily="18" charset="0"/>
                 <a:cs typeface="Times New Roman" panose="02020603050405020304" pitchFamily="18" charset="0"/>
               </a:rPr>
-              <a:t>tasks</a:t>
+              <a:t>choose 20 graphs with 50 tasks</a:t>
             </a:r>
           </a:p>
           <a:p>
@@ -3597,35 +3633,28 @@
                 <a:latin typeface="Times New Roman" panose="02020603050405020304" pitchFamily="18" charset="0"/>
                 <a:cs typeface="Times New Roman" panose="02020603050405020304" pitchFamily="18" charset="0"/>
               </a:rPr>
-              <a:t>The </a:t>
+              <a:t>The total number of cores </a:t>
             </a:r>
             <a:r>
               <a:rPr lang="en-US" altLang="ja-JP" sz="1200" dirty="0" smtClean="0">
                 <a:latin typeface="Times New Roman" panose="02020603050405020304" pitchFamily="18" charset="0"/>
                 <a:cs typeface="Times New Roman" panose="02020603050405020304" pitchFamily="18" charset="0"/>
               </a:rPr>
-              <a:t>total number of cores was changed from </a:t>
+              <a:t>is</a:t>
+            </a:r>
+            <a:r>
+              <a:rPr lang="en-US" altLang="ja-JP" sz="1200" baseline="0" dirty="0" smtClean="0">
+                <a:latin typeface="Times New Roman" panose="02020603050405020304" pitchFamily="18" charset="0"/>
+                <a:cs typeface="Times New Roman" panose="02020603050405020304" pitchFamily="18" charset="0"/>
+              </a:rPr>
+              <a:t> </a:t>
             </a:r>
             <a:r>
               <a:rPr lang="en-US" altLang="ja-JP" sz="1200" dirty="0" smtClean="0">
                 <a:latin typeface="Times New Roman" panose="02020603050405020304" pitchFamily="18" charset="0"/>
                 <a:cs typeface="Times New Roman" panose="02020603050405020304" pitchFamily="18" charset="0"/>
               </a:rPr>
-              <a:t>4 </a:t>
-            </a:r>
-            <a:r>
-              <a:rPr lang="en-US" altLang="ja-JP" sz="1200" dirty="0" smtClean="0">
-                <a:latin typeface="Times New Roman" panose="02020603050405020304" pitchFamily="18" charset="0"/>
-                <a:cs typeface="Times New Roman" panose="02020603050405020304" pitchFamily="18" charset="0"/>
-              </a:rPr>
-              <a:t>to </a:t>
-            </a:r>
-            <a:r>
-              <a:rPr lang="en-US" altLang="ja-JP" sz="1200" dirty="0" smtClean="0">
-                <a:latin typeface="Times New Roman" panose="02020603050405020304" pitchFamily="18" charset="0"/>
-                <a:cs typeface="Times New Roman" panose="02020603050405020304" pitchFamily="18" charset="0"/>
-              </a:rPr>
-              <a:t>8.</a:t>
+              <a:t>4</a:t>
             </a:r>
             <a:endParaRPr kumimoji="1" lang="ja-JP" altLang="en-US" sz="1200" dirty="0" smtClean="0">
               <a:latin typeface="Times New Roman" panose="02020603050405020304" pitchFamily="18" charset="0"/>
@@ -3651,28 +3680,21 @@
                 <a:latin typeface="Times New Roman" panose="02020603050405020304" pitchFamily="18" charset="0"/>
                 <a:cs typeface="Times New Roman" panose="02020603050405020304" pitchFamily="18" charset="0"/>
               </a:rPr>
-              <a:t> </a:t>
+              <a:t> result </a:t>
             </a:r>
             <a:r>
               <a:rPr kumimoji="1" lang="en-US" altLang="ja-JP" baseline="0" dirty="0" smtClean="0">
                 <a:latin typeface="Times New Roman" panose="02020603050405020304" pitchFamily="18" charset="0"/>
                 <a:cs typeface="Times New Roman" panose="02020603050405020304" pitchFamily="18" charset="0"/>
               </a:rPr>
-              <a:t>result asks </a:t>
+              <a:t>are compared </a:t>
             </a:r>
             <a:r>
               <a:rPr kumimoji="1" lang="en-US" altLang="ja-JP" baseline="0" dirty="0" smtClean="0">
                 <a:latin typeface="Times New Roman" panose="02020603050405020304" pitchFamily="18" charset="0"/>
                 <a:cs typeface="Times New Roman" panose="02020603050405020304" pitchFamily="18" charset="0"/>
               </a:rPr>
-              <a:t>are compared with </a:t>
-            </a:r>
-            <a:r>
-              <a:rPr kumimoji="1" lang="en-US" altLang="ja-JP" baseline="0" dirty="0" smtClean="0">
-                <a:latin typeface="Times New Roman" panose="02020603050405020304" pitchFamily="18" charset="0"/>
-                <a:cs typeface="Times New Roman" panose="02020603050405020304" pitchFamily="18" charset="0"/>
-              </a:rPr>
-              <a:t>2 heuristic algorithm the PCS </a:t>
+              <a:t>with 2 heuristic algorithm the PCS </a:t>
             </a:r>
             <a:r>
               <a:rPr lang="en-US" altLang="ja-JP" dirty="0" smtClean="0">
@@ -3703,7 +3725,14 @@
                 <a:latin typeface="Times New Roman" panose="02020603050405020304" pitchFamily="18" charset="0"/>
                 <a:cs typeface="Times New Roman" panose="02020603050405020304" pitchFamily="18" charset="0"/>
               </a:rPr>
-              <a:t>And one exacting branch-and-bound  algorithm </a:t>
+              <a:t>And one exacting </a:t>
+            </a:r>
+            <a:r>
+              <a:rPr kumimoji="1" lang="en-US" altLang="ja-JP" sz="1200" dirty="0" smtClean="0">
+                <a:latin typeface="Times New Roman" panose="02020603050405020304" pitchFamily="18" charset="0"/>
+                <a:cs typeface="Times New Roman" panose="02020603050405020304" pitchFamily="18" charset="0"/>
+              </a:rPr>
+              <a:t>algorithm B&amp;B</a:t>
             </a:r>
             <a:endParaRPr kumimoji="1" lang="ja-JP" altLang="en-US" sz="1200" dirty="0">
               <a:latin typeface="Times New Roman" panose="02020603050405020304" pitchFamily="18" charset="0"/>
@@ -3827,13 +3856,19 @@
             </a:r>
             <a:r>
               <a:rPr kumimoji="1" lang="en-US" altLang="ja-JP" baseline="0" dirty="0" smtClean="0"/>
-              <a:t> B&amp;B is exacting algorithm</a:t>
+              <a:t> B&amp;B </a:t>
             </a:r>
             <a:r>
               <a:rPr lang="en-US" altLang="ja-JP" dirty="0" smtClean="0">
                 <a:effectLst/>
               </a:rPr>
-              <a:t>, it guarantees yield optimal results.</a:t>
+              <a:t>yield the optimal </a:t>
+            </a:r>
+            <a:r>
+              <a:rPr lang="en-US" altLang="ja-JP" dirty="0" smtClean="0">
+                <a:effectLst/>
+              </a:rPr>
+              <a:t>results.</a:t>
             </a:r>
           </a:p>
           <a:p>
@@ -3875,13 +3910,41 @@
                 <a:ea typeface="+mn-ea"/>
                 <a:cs typeface="+mn-cs"/>
               </a:rPr>
-              <a:t>normalize all scheduling results to the B&amp;B. we can find for 50 tasks on 4 cores system. our algorithm can a very good results </a:t>
+              <a:t>normalize all scheduling results to the B&amp;B. we can find for 50 tasks on 4 cores system. our algorithm can </a:t>
+            </a:r>
+            <a:r>
+              <a:rPr kumimoji="1" lang="en-US" altLang="ja-JP" sz="1200" b="0" i="0" u="none" strike="noStrike" kern="1200" baseline="0" dirty="0" smtClean="0">
+                <a:solidFill>
+                  <a:schemeClr val="tx1"/>
+                </a:solidFill>
+                <a:latin typeface="+mn-lt"/>
+                <a:ea typeface="+mn-ea"/>
+                <a:cs typeface="+mn-cs"/>
+              </a:rPr>
+              <a:t>find very </a:t>
+            </a:r>
+            <a:r>
+              <a:rPr kumimoji="1" lang="en-US" altLang="ja-JP" sz="1200" b="0" i="0" u="none" strike="noStrike" kern="1200" baseline="0" dirty="0" smtClean="0">
+                <a:solidFill>
+                  <a:schemeClr val="tx1"/>
+                </a:solidFill>
+                <a:latin typeface="+mn-lt"/>
+                <a:ea typeface="+mn-ea"/>
+                <a:cs typeface="+mn-cs"/>
+              </a:rPr>
+              <a:t>good results </a:t>
             </a:r>
             <a:r>
               <a:rPr lang="en-US" altLang="ja-JP" dirty="0" smtClean="0">
                 <a:effectLst/>
               </a:rPr>
-              <a:t>very close to the optimal one.</a:t>
+              <a:t>,which very close </a:t>
+            </a:r>
+            <a:r>
+              <a:rPr lang="en-US" altLang="ja-JP" dirty="0" smtClean="0">
+                <a:effectLst/>
+              </a:rPr>
+              <a:t>to the optimal one.</a:t>
             </a:r>
           </a:p>
           <a:p>
@@ -3995,10 +4058,243 @@
                 <a:ea typeface="+mn-ea"/>
                 <a:cs typeface="+mn-cs"/>
               </a:rPr>
-              <a:t>for 50 tasks on 8 cores system. our algorithm also find shorter scheduling results than PCS or Dual-mode.</a:t>
-            </a:r>
-            <a:endParaRPr lang="en-US" altLang="ja-JP" dirty="0" smtClean="0">
+              <a:t>We also find, the </a:t>
+            </a:r>
+            <a:r>
+              <a:rPr kumimoji="1" lang="en-US" altLang="ja-JP" sz="1200" b="0" i="0" u="none" strike="noStrike" kern="1200" baseline="0" dirty="0" smtClean="0">
+                <a:solidFill>
+                  <a:schemeClr val="tx1"/>
+                </a:solidFill>
+                <a:latin typeface="+mn-lt"/>
+                <a:ea typeface="+mn-ea"/>
+                <a:cs typeface="+mn-cs"/>
+              </a:rPr>
+              <a:t>runtime of B&amp;B </a:t>
+            </a:r>
+            <a:r>
+              <a:rPr kumimoji="1" lang="en-US" altLang="ja-JP" sz="1200" b="0" i="0" u="none" strike="noStrike" kern="1200" baseline="0" dirty="0" smtClean="0">
+                <a:solidFill>
+                  <a:schemeClr val="tx1"/>
+                </a:solidFill>
+                <a:latin typeface="+mn-lt"/>
+                <a:ea typeface="+mn-ea"/>
+                <a:cs typeface="+mn-cs"/>
+              </a:rPr>
+              <a:t>is very</a:t>
+            </a:r>
+            <a:r>
+              <a:rPr kumimoji="1" lang="ja-JP" altLang="en-US" sz="1200" b="0" i="0" u="none" strike="noStrike" kern="1200" baseline="0" dirty="0" smtClean="0">
+                <a:solidFill>
+                  <a:schemeClr val="tx1"/>
+                </a:solidFill>
+                <a:latin typeface="+mn-lt"/>
+                <a:ea typeface="+mn-ea"/>
+                <a:cs typeface="+mn-cs"/>
+              </a:rPr>
+              <a:t>　</a:t>
+            </a:r>
+            <a:r>
+              <a:rPr kumimoji="1" lang="en-US" altLang="ja-JP" sz="1200" b="0" i="0" u="none" strike="noStrike" kern="1200" baseline="0" dirty="0" smtClean="0">
+                <a:solidFill>
+                  <a:schemeClr val="tx1"/>
+                </a:solidFill>
+                <a:latin typeface="+mn-lt"/>
+                <a:ea typeface="+mn-ea"/>
+                <a:cs typeface="+mn-cs"/>
+              </a:rPr>
+              <a:t>depending </a:t>
+            </a:r>
+            <a:r>
+              <a:rPr kumimoji="1" lang="en-US" altLang="ja-JP" sz="1200" b="0" i="0" u="none" strike="noStrike" kern="1200" baseline="0" dirty="0" smtClean="0">
+                <a:solidFill>
+                  <a:schemeClr val="tx1"/>
+                </a:solidFill>
+                <a:latin typeface="+mn-lt"/>
+                <a:ea typeface="+mn-ea"/>
+                <a:cs typeface="+mn-cs"/>
+              </a:rPr>
+              <a:t>on the task graph. </a:t>
+            </a:r>
+            <a:r>
+              <a:rPr kumimoji="1" lang="en-US" altLang="ja-JP" sz="1200" b="0" i="0" u="none" strike="noStrike" kern="1200" baseline="0" dirty="0" smtClean="0">
+                <a:solidFill>
+                  <a:schemeClr val="tx1"/>
+                </a:solidFill>
+                <a:latin typeface="+mn-lt"/>
+                <a:ea typeface="+mn-ea"/>
+                <a:cs typeface="+mn-cs"/>
+              </a:rPr>
+              <a:t>But generally it is quite time-consuming</a:t>
+            </a:r>
+            <a:r>
+              <a:rPr kumimoji="1" lang="en-US" altLang="zh-CN" sz="1200" b="0" i="0" u="none" strike="noStrike" kern="1200" baseline="0" dirty="0" smtClean="0">
+                <a:solidFill>
+                  <a:schemeClr val="tx1"/>
+                </a:solidFill>
+                <a:latin typeface="+mn-lt"/>
+                <a:ea typeface="+mn-ea"/>
+                <a:cs typeface="+mn-cs"/>
+              </a:rPr>
+              <a:t>·</a:t>
+            </a:r>
+            <a:endParaRPr kumimoji="1" lang="en-US" altLang="ja-JP" sz="1200" b="0" i="0" u="none" strike="noStrike" kern="1200" baseline="0" dirty="0" smtClean="0">
+              <a:solidFill>
+                <a:schemeClr val="tx1"/>
+              </a:solidFill>
+              <a:latin typeface="+mn-lt"/>
+              <a:ea typeface="+mn-ea"/>
+              <a:cs typeface="+mn-cs"/>
+            </a:endParaRPr>
+          </a:p>
+          <a:p>
+            <a:pPr marL="0" marR="0" indent="0" algn="l" defTabSz="914400" rtl="0" eaLnBrk="1" fontAlgn="auto" latinLnBrk="0" hangingPunct="1">
+              <a:lnSpc>
+                <a:spcPct val="100000"/>
+              </a:lnSpc>
+              <a:spcBef>
+                <a:spcPts val="0"/>
+              </a:spcBef>
+              <a:spcAft>
+                <a:spcPts val="0"/>
+              </a:spcAft>
+              <a:buClrTx/>
+              <a:buSzTx/>
+              <a:buFontTx/>
+              <a:buNone/>
+              <a:tabLst/>
+              <a:defRPr/>
+            </a:pPr>
+            <a:r>
+              <a:rPr kumimoji="1" lang="en-US" altLang="ja-JP" sz="1200" b="0" i="0" u="none" strike="noStrike" kern="1200" baseline="0" dirty="0" smtClean="0">
+                <a:solidFill>
+                  <a:schemeClr val="tx1"/>
+                </a:solidFill>
+                <a:latin typeface="+mn-lt"/>
+                <a:ea typeface="+mn-ea"/>
+                <a:cs typeface="+mn-cs"/>
+              </a:rPr>
+              <a:t>The </a:t>
+            </a:r>
+            <a:r>
+              <a:rPr kumimoji="1" lang="en-US" altLang="ja-JP" sz="1200" b="0" i="0" u="none" strike="noStrike" kern="1200" baseline="0" dirty="0" smtClean="0">
+                <a:solidFill>
+                  <a:schemeClr val="tx1"/>
+                </a:solidFill>
+                <a:latin typeface="+mn-lt"/>
+                <a:ea typeface="+mn-ea"/>
+                <a:cs typeface="+mn-cs"/>
+              </a:rPr>
+              <a:t>PCS and dual-mode algorithms are very </a:t>
+            </a:r>
+            <a:r>
+              <a:rPr kumimoji="1" lang="en-US" altLang="ja-JP" sz="1200" b="0" i="0" u="none" strike="noStrike" kern="1200" baseline="0" dirty="0" smtClean="0">
+                <a:solidFill>
+                  <a:schemeClr val="tx1"/>
+                </a:solidFill>
+                <a:latin typeface="+mn-lt"/>
+                <a:ea typeface="+mn-ea"/>
+                <a:cs typeface="+mn-cs"/>
+              </a:rPr>
+              <a:t>fast, but cannot find good enough results. </a:t>
+            </a:r>
+          </a:p>
+          <a:p>
+            <a:pPr marL="0" marR="0" indent="0" algn="l" defTabSz="914400" rtl="0" eaLnBrk="1" fontAlgn="auto" latinLnBrk="0" hangingPunct="1">
+              <a:lnSpc>
+                <a:spcPct val="100000"/>
+              </a:lnSpc>
+              <a:spcBef>
+                <a:spcPts val="0"/>
+              </a:spcBef>
+              <a:spcAft>
+                <a:spcPts val="0"/>
+              </a:spcAft>
+              <a:buClrTx/>
+              <a:buSzTx/>
+              <a:buFontTx/>
+              <a:buNone/>
+              <a:tabLst/>
+              <a:defRPr/>
+            </a:pPr>
+            <a:r>
+              <a:rPr lang="en-US" altLang="zh-CN" sz="1200" b="0" dirty="0" smtClean="0">
+                <a:solidFill>
+                  <a:srgbClr val="FF0000"/>
+                </a:solidFill>
+                <a:effectLst/>
+                <a:latin typeface="Segoe UI Semilight" pitchFamily="34" charset="0"/>
+                <a:ea typeface="Arial Unicode MS" panose="020B0604020202020204" pitchFamily="50" charset="-128"/>
+                <a:cs typeface="Segoe UI Semilight" pitchFamily="34" charset="0"/>
+              </a:rPr>
+              <a:t>GA can find good enough</a:t>
+            </a:r>
+            <a:r>
+              <a:rPr lang="en-US" altLang="zh-CN" sz="1200" b="0" baseline="0" dirty="0" smtClean="0">
+                <a:solidFill>
+                  <a:srgbClr val="FF0000"/>
+                </a:solidFill>
+                <a:effectLst/>
+                <a:latin typeface="Segoe UI Semilight" pitchFamily="34" charset="0"/>
+                <a:ea typeface="Arial Unicode MS" panose="020B0604020202020204" pitchFamily="50" charset="-128"/>
+                <a:cs typeface="Segoe UI Semilight" pitchFamily="34" charset="0"/>
+              </a:rPr>
+              <a:t> results</a:t>
+            </a:r>
+            <a:r>
+              <a:rPr lang="en-US" altLang="zh-CN" sz="1200" b="0" dirty="0" smtClean="0">
+                <a:solidFill>
+                  <a:srgbClr val="FF0000"/>
+                </a:solidFill>
+                <a:effectLst/>
+                <a:latin typeface="Segoe UI Semilight" pitchFamily="34" charset="0"/>
+                <a:ea typeface="Arial Unicode MS" panose="020B0604020202020204" pitchFamily="50" charset="-128"/>
+                <a:cs typeface="Segoe UI Semilight" pitchFamily="34" charset="0"/>
+              </a:rPr>
+              <a:t>, The </a:t>
+            </a:r>
+            <a:r>
+              <a:rPr kumimoji="1" lang="en-US" altLang="ja-JP" sz="1200" b="0" i="0" u="none" strike="noStrike" kern="1200" baseline="0" dirty="0" smtClean="0">
+                <a:solidFill>
+                  <a:schemeClr val="tx1"/>
+                </a:solidFill>
+                <a:latin typeface="+mn-lt"/>
+                <a:ea typeface="+mn-ea"/>
+                <a:cs typeface="+mn-cs"/>
+              </a:rPr>
+              <a:t>runtime </a:t>
+            </a:r>
+            <a:r>
+              <a:rPr lang="en-US" altLang="zh-CN" sz="1200" b="0" dirty="0" smtClean="0">
+                <a:solidFill>
+                  <a:srgbClr val="FF0000"/>
+                </a:solidFill>
+                <a:effectLst/>
+                <a:latin typeface="Segoe UI Semilight" pitchFamily="34" charset="0"/>
+                <a:ea typeface="Arial Unicode MS" panose="020B0604020202020204" pitchFamily="50" charset="-128"/>
+                <a:cs typeface="Segoe UI Semilight" pitchFamily="34" charset="0"/>
+              </a:rPr>
+              <a:t>is also within one second</a:t>
+            </a:r>
+            <a:r>
+              <a:rPr lang="zh-CN" altLang="en-US" sz="1200" b="0" dirty="0" smtClean="0">
+                <a:solidFill>
+                  <a:srgbClr val="FF0000"/>
+                </a:solidFill>
+                <a:effectLst/>
+                <a:latin typeface="Segoe UI Semilight" pitchFamily="34" charset="0"/>
+                <a:ea typeface="Arial Unicode MS" panose="020B0604020202020204" pitchFamily="50" charset="-128"/>
+                <a:cs typeface="Segoe UI Semilight" pitchFamily="34" charset="0"/>
+              </a:rPr>
+              <a:t>。</a:t>
+            </a:r>
+            <a:endParaRPr lang="en-US" altLang="zh-CN" sz="1200" b="0" dirty="0" smtClean="0">
+              <a:solidFill>
+                <a:srgbClr val="FF0000"/>
+              </a:solidFill>
               <a:effectLst/>
+              <a:latin typeface="Segoe UI Semilight" pitchFamily="34" charset="0"/>
+              <a:ea typeface="Arial Unicode MS" panose="020B0604020202020204" pitchFamily="50" charset="-128"/>
+              <a:cs typeface="Segoe UI Semilight" pitchFamily="34" charset="0"/>
             </a:endParaRPr>
           </a:p>
           <a:p>
@@ -4032,7 +4328,7 @@
     </p:spTree>
     <p:extLst>
       <p:ext uri="{BB962C8B-B14F-4D97-AF65-F5344CB8AC3E}">
-        <p14:creationId xmlns:p14="http://schemas.microsoft.com/office/powerpoint/2010/main" val="2861104667"/>
+        <p14:creationId xmlns:p14="http://schemas.microsoft.com/office/powerpoint/2010/main" val="1890737040"/>
       </p:ext>
     </p:extLst>
   </p:cSld>
@@ -4043,6 +4339,98 @@
 </file>
 
 <file path=ppt/notesSlides/notesSlide16.xml><?xml version="1.0" encoding="utf-8"?>
+<p:notes xmlns:a="http://schemas.openxmlformats.org/drawingml/2006/main" xmlns:r="http://schemas.openxmlformats.org/officeDocument/2006/relationships" xmlns:p="http://schemas.openxmlformats.org/presentationml/2006/main">
+  <p:cSld>
+    <p:spTree>
+      <p:nvGrpSpPr>
+        <p:cNvPr id="1" name=""/>
+        <p:cNvGrpSpPr/>
+        <p:nvPr/>
+      </p:nvGrpSpPr>
+      <p:grpSpPr>
+        <a:xfrm>
+          <a:off x="0" y="0"/>
+          <a:ext cx="0" cy="0"/>
+          <a:chOff x="0" y="0"/>
+          <a:chExt cx="0" cy="0"/>
+        </a:xfrm>
+      </p:grpSpPr>
+      <p:sp>
+        <p:nvSpPr>
+          <p:cNvPr id="2" name="幻灯片图像占位符 1"/>
+          <p:cNvSpPr>
+            <a:spLocks noGrp="1" noRot="1" noChangeAspect="1"/>
+          </p:cNvSpPr>
+          <p:nvPr>
+            <p:ph type="sldImg"/>
+          </p:nvPr>
+        </p:nvSpPr>
+        <p:spPr/>
+      </p:sp>
+      <p:sp>
+        <p:nvSpPr>
+          <p:cNvPr id="3" name="备注占位符 2"/>
+          <p:cNvSpPr>
+            <a:spLocks noGrp="1"/>
+          </p:cNvSpPr>
+          <p:nvPr>
+            <p:ph type="body" idx="1"/>
+          </p:nvPr>
+        </p:nvSpPr>
+        <p:spPr/>
+        <p:txBody>
+          <a:bodyPr/>
+          <a:lstStyle/>
+          <a:p>
+            <a:r>
+              <a:rPr lang="en-US" altLang="zh-CN" dirty="0" smtClean="0"/>
+              <a:t>We conclude as following:</a:t>
+            </a:r>
+            <a:r>
+              <a:rPr lang="en-US" altLang="zh-CN" baseline="0" dirty="0" smtClean="0"/>
+              <a:t> </a:t>
+            </a:r>
+            <a:endParaRPr lang="zh-CN" altLang="en-US" dirty="0"/>
+          </a:p>
+        </p:txBody>
+      </p:sp>
+      <p:sp>
+        <p:nvSpPr>
+          <p:cNvPr id="4" name="灯片编号占位符 3"/>
+          <p:cNvSpPr>
+            <a:spLocks noGrp="1"/>
+          </p:cNvSpPr>
+          <p:nvPr>
+            <p:ph type="sldNum" sz="quarter" idx="10"/>
+          </p:nvPr>
+        </p:nvSpPr>
+        <p:spPr/>
+        <p:txBody>
+          <a:bodyPr/>
+          <a:lstStyle/>
+          <a:p>
+            <a:fld id="{5E6F417C-66E5-4AD7-A8E0-9FAF8A22F6EE}" type="slidenum">
+              <a:rPr kumimoji="1" lang="ja-JP" altLang="en-US" smtClean="0"/>
+              <a:t>16</a:t>
+            </a:fld>
+            <a:endParaRPr kumimoji="1" lang="ja-JP" altLang="en-US"/>
+          </a:p>
+        </p:txBody>
+      </p:sp>
+    </p:spTree>
+    <p:extLst>
+      <p:ext uri="{BB962C8B-B14F-4D97-AF65-F5344CB8AC3E}">
+        <p14:creationId xmlns:p14="http://schemas.microsoft.com/office/powerpoint/2010/main" val="4262642679"/>
+      </p:ext>
+    </p:extLst>
+  </p:cSld>
+  <p:clrMapOvr>
+    <a:masterClrMapping/>
+  </p:clrMapOvr>
+</p:notes>
+</file>
+
+<file path=ppt/notesSlides/notesSlide17.xml><?xml version="1.0" encoding="utf-8"?>
 <p:notes xmlns:a="http://schemas.openxmlformats.org/drawingml/2006/main" xmlns:r="http://schemas.openxmlformats.org/officeDocument/2006/relationships" xmlns:p="http://schemas.openxmlformats.org/presentationml/2006/main">
   <p:cSld>
     <p:spTree>
@@ -4086,6 +4474,23 @@
           <a:bodyPr/>
           <a:lstStyle/>
           <a:p>
+            <a:pPr marL="0" marR="0" indent="0" algn="l" defTabSz="914400" rtl="0" eaLnBrk="1" fontAlgn="auto" latinLnBrk="0" hangingPunct="1">
+              <a:lnSpc>
+                <a:spcPct val="100000"/>
+              </a:lnSpc>
+              <a:spcBef>
+                <a:spcPts val="0"/>
+              </a:spcBef>
+              <a:spcAft>
+                <a:spcPts val="0"/>
+              </a:spcAft>
+              <a:buClrTx/>
+              <a:buSzTx/>
+              <a:buFontTx/>
+              <a:buNone/>
+              <a:tabLst/>
+              <a:defRPr/>
+            </a:pPr>
             <a:r>
               <a:rPr kumimoji="1" lang="en-US" altLang="ja-JP" sz="1200" b="0" i="0" u="none" strike="noStrike" kern="1200" baseline="0" dirty="0" smtClean="0">
                 <a:solidFill>
@@ -4095,8 +4500,13 @@
                 <a:ea typeface="+mn-ea"/>
                 <a:cs typeface="+mn-cs"/>
               </a:rPr>
-              <a:t>The runtime of B&amp;B significantly depends on the task graph. In some cases, optimal 269 solutions were found within a second, but in some other cases, the branch-and-bound algorithm did 270 not finish within 12 hours. The PCS and dual-mode algorithms are very fast, at the cost of the 271 degraded quality of results as seen in Figures 7 and 8. Our single-threaded implementation of the 272 genetic algorithm found near-optimal solutions within 5 seconds, and the parallelized 273 implementation achieved approximately 7 times speed-up </a:t>
-            </a:r>
+              <a:t>for 50 tasks on 8 cores system. our algorithm also find shorter scheduling results than PCS or Dual-mode.</a:t>
+            </a:r>
+            <a:endParaRPr lang="en-US" altLang="ja-JP" dirty="0" smtClean="0">
+              <a:effectLst/>
+            </a:endParaRPr>
+          </a:p>
+          <a:p>
             <a:endParaRPr kumimoji="1" lang="ja-JP" altLang="en-US" dirty="0"/>
           </a:p>
         </p:txBody>
@@ -4118,7 +4528,7 @@
           <a:p>
             <a:fld id="{5E6F417C-66E5-4AD7-A8E0-9FAF8A22F6EE}" type="slidenum">
               <a:rPr kumimoji="1" lang="ja-JP" altLang="en-US" smtClean="0"/>
-              <a:t>16</a:t>
+              <a:t>18</a:t>
             </a:fld>
             <a:endParaRPr kumimoji="1" lang="ja-JP" altLang="en-US"/>
           </a:p>
@@ -4127,7 +4537,7 @@
     </p:spTree>
     <p:extLst>
       <p:ext uri="{BB962C8B-B14F-4D97-AF65-F5344CB8AC3E}">
-        <p14:creationId xmlns:p14="http://schemas.microsoft.com/office/powerpoint/2010/main" val="1890737040"/>
+        <p14:creationId xmlns:p14="http://schemas.microsoft.com/office/powerpoint/2010/main" val="2861104667"/>
       </p:ext>
     </p:extLst>
   </p:cSld>
@@ -4620,31 +5030,7 @@
                 <a:ea typeface="Meiryo UI" pitchFamily="34" charset="-128"/>
                 <a:cs typeface="Segoe UI Semilight" pitchFamily="34" charset="0"/>
               </a:rPr>
-              <a:t>scheduling </a:t>
-            </a:r>
-            <a:r>
-              <a:rPr lang="en-US" altLang="zh-CN" sz="1200" b="0" dirty="0" smtClean="0">
-                <a:latin typeface="Segoe UI Semilight" pitchFamily="34" charset="0"/>
-                <a:ea typeface="Meiryo UI" pitchFamily="34" charset="-128"/>
-                <a:cs typeface="Segoe UI Semilight" pitchFamily="34" charset="0"/>
-              </a:rPr>
-              <a:t>problem with </a:t>
-            </a:r>
-            <a:r>
-              <a:rPr lang="en-US" altLang="zh-CN" sz="1200" b="0" dirty="0" smtClean="0">
-                <a:latin typeface="Segoe UI Semilight" pitchFamily="34" charset="0"/>
-                <a:ea typeface="Meiryo UI" pitchFamily="34" charset="-128"/>
-                <a:cs typeface="Segoe UI Semilight" pitchFamily="34" charset="0"/>
-              </a:rPr>
-              <a:t>data-parallel tasks</a:t>
-            </a:r>
-            <a:r>
-              <a:rPr lang="en-US" altLang="zh-CN" sz="1200" b="0" dirty="0" smtClean="0">
-                <a:latin typeface="Segoe UI Semilight" pitchFamily="34" charset="0"/>
-                <a:ea typeface="Meiryo UI" pitchFamily="34" charset="-128"/>
-                <a:cs typeface="Segoe UI Semilight" pitchFamily="34" charset="0"/>
-              </a:rPr>
-              <a:t>.</a:t>
+              <a:t>scheduling problem with data-parallel tasks.</a:t>
             </a:r>
           </a:p>
           <a:p>
@@ -5046,23 +5432,7 @@
                 <a:ea typeface="Arial Unicode MS" pitchFamily="34" charset="-122"/>
                 <a:cs typeface="Segoe UI Semilight" pitchFamily="34" charset="0"/>
               </a:rPr>
-              <a:t> following </a:t>
-            </a:r>
-            <a:r>
-              <a:rPr lang="en-US" altLang="zh-CN" sz="1200" baseline="0" dirty="0" smtClean="0">
-                <a:latin typeface="Segoe UI Semilight" pitchFamily="34" charset="0"/>
-                <a:ea typeface="Arial Unicode MS" pitchFamily="34" charset="-122"/>
-                <a:cs typeface="Segoe UI Semilight" pitchFamily="34" charset="0"/>
-              </a:rPr>
-              <a:t>discussion </a:t>
-            </a:r>
-            <a:r>
-              <a:rPr lang="en-US" altLang="zh-CN" sz="1200" baseline="0" dirty="0" smtClean="0">
-                <a:latin typeface="Segoe UI Semilight" pitchFamily="34" charset="0"/>
-                <a:ea typeface="Arial Unicode MS" pitchFamily="34" charset="-122"/>
-                <a:cs typeface="Segoe UI Semilight" pitchFamily="34" charset="0"/>
-              </a:rPr>
-              <a:t>will first</a:t>
+              <a:t> following discussion will first</a:t>
             </a:r>
             <a:r>
               <a:rPr lang="ja-JP" altLang="en-US" sz="1200" baseline="0" dirty="0" smtClean="0">
@@ -5255,15 +5625,45 @@
             <a:endParaRPr lang="en-US" altLang="zh-CN" baseline="0" dirty="0" smtClean="0"/>
           </a:p>
           <a:p>
+            <a:pPr marL="0" marR="0" indent="0" algn="l" defTabSz="914400" rtl="0" eaLnBrk="1" fontAlgn="auto" latinLnBrk="0" hangingPunct="1">
+              <a:lnSpc>
+                <a:spcPct val="100000"/>
+              </a:lnSpc>
+              <a:spcBef>
+                <a:spcPts val="0"/>
+              </a:spcBef>
+              <a:spcAft>
+                <a:spcPts val="0"/>
+              </a:spcAft>
+              <a:buClrTx/>
+              <a:buSzTx/>
+              <a:buFontTx/>
+              <a:buNone/>
+              <a:tabLst/>
+              <a:defRPr/>
+            </a:pPr>
             <a:r>
               <a:rPr lang="en-US" altLang="zh-CN" baseline="0" dirty="0" smtClean="0"/>
-              <a:t>Our chromosome is a sample string, which indicate the ordering of task execution, without mapping information,</a:t>
-            </a:r>
-          </a:p>
-          <a:p>
+              <a:t>Our chromosome is a sample string, which </a:t>
+            </a:r>
             <a:r>
               <a:rPr lang="en-US" altLang="zh-CN" baseline="0" dirty="0" smtClean="0"/>
-              <a:t>There is a sample chromosome, according to this chromosome, the task 1 is scheduled first, next is task 2, task 5, and so on…</a:t>
+              <a:t>only contain the scheduling information,</a:t>
+            </a:r>
+            <a:endParaRPr lang="en-US" altLang="zh-CN" baseline="0" dirty="0" smtClean="0"/>
+          </a:p>
+          <a:p>
+            <a:r>
+              <a:rPr lang="en-US" altLang="zh-CN" baseline="0" dirty="0" smtClean="0"/>
+              <a:t>There is a sample chromosome, according to this </a:t>
+            </a:r>
+            <a:r>
+              <a:rPr lang="en-US" altLang="zh-CN" baseline="0" dirty="0" smtClean="0"/>
+              <a:t>one, </a:t>
+            </a:r>
+            <a:r>
+              <a:rPr lang="en-US" altLang="zh-CN" baseline="0" dirty="0" smtClean="0"/>
+              <a:t>the task 1 is scheduled first, next is task 2, task 5, and so on…</a:t>
             </a:r>
           </a:p>
           <a:p>
@@ -5287,7 +5687,15 @@
                 <a:ea typeface="Arial Unicode MS" pitchFamily="34" charset="-122"/>
                 <a:cs typeface="Segoe UI Semilight" pitchFamily="34" charset="0"/>
               </a:rPr>
-              <a:t>For example, the task 3, depending on task 1, which means task 3 can  not be scheduled before task 1, so if we put 3 at the first, this chromosome is invalid one.</a:t>
+              <a:t>For example, the task 3, depending on task 1, which means task 3 can  not be scheduled before task </a:t>
+            </a:r>
+            <a:r>
+              <a:rPr lang="en-US" altLang="zh-CN" sz="1200" baseline="0" dirty="0" smtClean="0">
+                <a:latin typeface="Segoe UI Semilight" pitchFamily="34" charset="0"/>
+                <a:ea typeface="Arial Unicode MS" pitchFamily="34" charset="-122"/>
+                <a:cs typeface="Segoe UI Semilight" pitchFamily="34" charset="0"/>
+              </a:rPr>
+              <a:t>1.</a:t>
             </a:r>
             <a:endParaRPr lang="en-US" altLang="zh-CN" baseline="0" dirty="0" smtClean="0"/>
           </a:p>
@@ -5381,15 +5789,15 @@
           <a:p>
             <a:r>
               <a:rPr lang="en-US" altLang="zh-CN" dirty="0" smtClean="0"/>
-              <a:t>The first </a:t>
+              <a:t>The first step </a:t>
             </a:r>
             <a:r>
               <a:rPr lang="en-US" altLang="zh-CN" dirty="0" smtClean="0"/>
-              <a:t>step is</a:t>
+              <a:t>of our algorithm is </a:t>
             </a:r>
             <a:r>
               <a:rPr lang="en-US" altLang="zh-CN" baseline="0" dirty="0" smtClean="0"/>
-              <a:t> initialization</a:t>
+              <a:t>initialization</a:t>
             </a:r>
             <a:endParaRPr lang="en-US" altLang="zh-CN" baseline="0" dirty="0" smtClean="0"/>
           </a:p>
@@ -5556,7 +5964,15 @@
                 <a:ea typeface="Arial Unicode MS" pitchFamily="34" charset="-122"/>
                 <a:cs typeface="Segoe UI Semilight" pitchFamily="34" charset="0"/>
               </a:rPr>
-              <a:t>MIN is the </a:t>
+              <a:t>MIN is the task’s ID,</a:t>
+            </a:r>
+            <a:r>
+              <a:rPr lang="en-US" altLang="ja-JP" sz="2200" baseline="0" dirty="0" smtClean="0">
+                <a:latin typeface="Segoe UI Semilight" pitchFamily="34" charset="0"/>
+                <a:ea typeface="Arial Unicode MS" pitchFamily="34" charset="-122"/>
+                <a:cs typeface="Segoe UI Semilight" pitchFamily="34" charset="0"/>
+              </a:rPr>
+              <a:t> and the MAX is t</a:t>
             </a:r>
             <a:r>
               <a:rPr lang="en-US" altLang="ja-JP" sz="2200" dirty="0" smtClean="0">
@@ -5564,7 +5980,7 @@
                 <a:ea typeface="Arial Unicode MS" pitchFamily="34" charset="-122"/>
                 <a:cs typeface="Segoe UI Semilight" pitchFamily="34" charset="0"/>
               </a:rPr>
-              <a:t>task’s ID,</a:t>
+              <a:t>he execution order of the</a:t>
             </a:r>
             <a:r>
               <a:rPr lang="en-US" altLang="ja-JP" sz="2200" baseline="0" dirty="0" smtClean="0">
@@ -5572,15 +5988,7 @@
                 <a:ea typeface="Arial Unicode MS" pitchFamily="34" charset="-122"/>
                 <a:cs typeface="Segoe UI Semilight" pitchFamily="34" charset="0"/>
               </a:rPr>
-              <a:t> and the MAX is </a:t>
-            </a:r>
-            <a:r>
-              <a:rPr lang="en-US" altLang="ja-JP" sz="2200" baseline="0" dirty="0" smtClean="0">
-                <a:latin typeface="Segoe UI Semilight" pitchFamily="34" charset="0"/>
-                <a:ea typeface="Arial Unicode MS" pitchFamily="34" charset="-122"/>
-                <a:cs typeface="Segoe UI Semilight" pitchFamily="34" charset="0"/>
-              </a:rPr>
-              <a:t>t</a:t>
+              <a:t> </a:t>
             </a:r>
             <a:r>
               <a:rPr lang="en-US" altLang="ja-JP" sz="2200" dirty="0" smtClean="0">
@@ -5588,45 +5996,8 @@
                 <a:ea typeface="Arial Unicode MS" pitchFamily="34" charset="-122"/>
                 <a:cs typeface="Segoe UI Semilight" pitchFamily="34" charset="0"/>
               </a:rPr>
-              <a:t>he </a:t>
-            </a:r>
-            <a:r>
-              <a:rPr lang="en-US" altLang="ja-JP" sz="2200" dirty="0" smtClean="0">
-                <a:latin typeface="Segoe UI Semilight" pitchFamily="34" charset="0"/>
-                <a:ea typeface="Arial Unicode MS" pitchFamily="34" charset="-122"/>
-                <a:cs typeface="Segoe UI Semilight" pitchFamily="34" charset="0"/>
-              </a:rPr>
-              <a:t>execution order of </a:t>
-            </a:r>
-            <a:r>
-              <a:rPr lang="en-US" altLang="ja-JP" sz="2200" dirty="0" smtClean="0">
-                <a:latin typeface="Segoe UI Semilight" pitchFamily="34" charset="0"/>
-                <a:ea typeface="Arial Unicode MS" pitchFamily="34" charset="-122"/>
-                <a:cs typeface="Segoe UI Semilight" pitchFamily="34" charset="0"/>
-              </a:rPr>
-              <a:t>the</a:t>
-            </a:r>
-            <a:r>
-              <a:rPr lang="en-US" altLang="ja-JP" sz="2200" baseline="0" dirty="0" smtClean="0">
-                <a:latin typeface="Segoe UI Semilight" pitchFamily="34" charset="0"/>
-                <a:ea typeface="Arial Unicode MS" pitchFamily="34" charset="-122"/>
-                <a:cs typeface="Segoe UI Semilight" pitchFamily="34" charset="0"/>
-              </a:rPr>
-              <a:t> </a:t>
-            </a:r>
-            <a:r>
-              <a:rPr lang="en-US" altLang="ja-JP" sz="2200" dirty="0" smtClean="0">
-                <a:latin typeface="Segoe UI Semilight" pitchFamily="34" charset="0"/>
-                <a:ea typeface="Arial Unicode MS" pitchFamily="34" charset="-122"/>
-                <a:cs typeface="Segoe UI Semilight" pitchFamily="34" charset="0"/>
-              </a:rPr>
               <a:t>last parent.</a:t>
             </a:r>
-            <a:endParaRPr lang="en-US" altLang="ja-JP" sz="2200" dirty="0" smtClean="0">
-              <a:latin typeface="Segoe UI Semilight" pitchFamily="34" charset="0"/>
-              <a:ea typeface="Arial Unicode MS" pitchFamily="34" charset="-122"/>
-              <a:cs typeface="Segoe UI Semilight" pitchFamily="34" charset="0"/>
-            </a:endParaRPr>
           </a:p>
           <a:p>
             <a:pPr marL="0" marR="0" lvl="2" indent="0" algn="l" defTabSz="914400" rtl="0" eaLnBrk="1" fontAlgn="auto" latinLnBrk="0" hangingPunct="1">
@@ -5668,7 +6039,15 @@
                 <a:ea typeface="Arial Unicode MS" pitchFamily="34" charset="-122"/>
                 <a:cs typeface="Segoe UI Semilight" pitchFamily="34" charset="0"/>
               </a:rPr>
-              <a:t>A task with a larger ID is not a parent for tasks with smaller ID. If the task graph does not satisfy this assumption, we need to reorder the tasks before the initialization.</a:t>
+              <a:t>a </a:t>
+            </a:r>
+            <a:r>
+              <a:rPr lang="en-US" altLang="ja-JP" sz="2400" dirty="0" smtClean="0">
+                <a:latin typeface="Segoe UI Semilight" pitchFamily="34" charset="0"/>
+                <a:ea typeface="Arial Unicode MS" pitchFamily="34" charset="-122"/>
+                <a:cs typeface="Segoe UI Semilight" pitchFamily="34" charset="0"/>
+              </a:rPr>
+              <a:t>task with a larger ID is not a parent for tasks with smaller ID. If the task graph does not satisfy this assumption, we need to reorder the tasks before the initialization.</a:t>
             </a:r>
           </a:p>
           <a:p>
@@ -5922,72 +6301,25 @@
                 <a:ea typeface="Arial Unicode MS" pitchFamily="34" charset="-122"/>
                 <a:cs typeface="Segoe UI Semilight" pitchFamily="34" charset="0"/>
               </a:rPr>
-              <a:t>compute the </a:t>
+              <a:t>compute the fitness value</a:t>
             </a:r>
             <a:r>
               <a:rPr lang="en-US" altLang="ja-JP" sz="1200" dirty="0" smtClean="0">
-                <a:solidFill>
-                  <a:srgbClr val="FF0000"/>
-                </a:solidFill>
-                <a:latin typeface="Segoe UI Semilight" pitchFamily="34" charset="0"/>
-                <a:ea typeface="Arial Unicode MS" pitchFamily="34" charset="-122"/>
-                <a:cs typeface="Segoe UI Semilight" pitchFamily="34" charset="0"/>
-              </a:rPr>
-              <a:t>fitness value</a:t>
-            </a:r>
-            <a:r>
-              <a:rPr lang="en-US" altLang="ja-JP" sz="1200" dirty="0" smtClean="0">
                 <a:latin typeface="Segoe UI Semilight" pitchFamily="34" charset="0"/>
                 <a:ea typeface="Arial Unicode MS" pitchFamily="34" charset="-122"/>
                 <a:cs typeface="Segoe UI Semilight" pitchFamily="34" charset="0"/>
               </a:rPr>
               <a:t>:</a:t>
             </a:r>
-            <a:endParaRPr lang="en-US" altLang="ja-JP" sz="1200" dirty="0" smtClean="0">
-              <a:latin typeface="Segoe UI Semilight" pitchFamily="34" charset="0"/>
-              <a:ea typeface="Arial Unicode MS" pitchFamily="34" charset="-122"/>
-              <a:cs typeface="Segoe UI Semilight" pitchFamily="34" charset="0"/>
-            </a:endParaRPr>
-          </a:p>
-          <a:p>
-            <a:pPr marL="0" marR="0" indent="0" algn="l" defTabSz="914400" rtl="0" eaLnBrk="1" fontAlgn="auto" latinLnBrk="0" hangingPunct="1">
-              <a:lnSpc>
-                <a:spcPct val="100000"/>
-              </a:lnSpc>
-              <a:spcBef>
-                <a:spcPts val="0"/>
-              </a:spcBef>
-              <a:spcAft>
-                <a:spcPts val="0"/>
-              </a:spcAft>
-              <a:buClrTx/>
-              <a:buSzTx/>
-              <a:buFontTx/>
-              <a:buNone/>
-              <a:tabLst/>
-              <a:defRPr/>
-            </a:pPr>
+          </a:p>
+          <a:p>
             <a:r>
               <a:rPr lang="en-US" altLang="zh-CN" baseline="0" dirty="0" smtClean="0"/>
-              <a:t>the detail of the </a:t>
-            </a:r>
-            <a:r>
-              <a:rPr lang="en-US" altLang="ja-JP" sz="1200" dirty="0" smtClean="0">
-                <a:latin typeface="Segoe UI Semilight" pitchFamily="34" charset="0"/>
-                <a:ea typeface="Arial Unicode MS" pitchFamily="34" charset="-122"/>
-                <a:cs typeface="Segoe UI Semilight" pitchFamily="34" charset="0"/>
-              </a:rPr>
-              <a:t>fitness function is show at here</a:t>
+              <a:t>Sample </a:t>
             </a:r>
             <a:r>
               <a:rPr lang="en-US" altLang="zh-CN" baseline="0" dirty="0" smtClean="0"/>
-              <a:t>.</a:t>
-            </a:r>
-          </a:p>
-          <a:p>
-            <a:r>
-              <a:rPr lang="en-US" altLang="zh-CN" baseline="0" dirty="0" smtClean="0"/>
-              <a:t>Sample speaking, </a:t>
+              <a:t>speaking, </a:t>
             </a:r>
             <a:r>
               <a:rPr lang="en-US" altLang="ja-JP" sz="1200" dirty="0" smtClean="0">
@@ -6161,23 +6493,7 @@
                 <a:ea typeface="Arial Unicode MS" panose="020B0604020202020204" pitchFamily="50" charset="-128"/>
                 <a:cs typeface="Segoe UI Semilight" pitchFamily="34" charset="0"/>
               </a:rPr>
-              <a:t>Our algorithm </a:t>
-            </a:r>
-            <a:r>
-              <a:rPr lang="en-US" altLang="ja-JP" sz="1200" dirty="0" smtClean="0">
-                <a:latin typeface="Segoe UI Semilight" pitchFamily="34" charset="0"/>
-                <a:ea typeface="Arial Unicode MS" panose="020B0604020202020204" pitchFamily="50" charset="-128"/>
-                <a:cs typeface="Segoe UI Semilight" pitchFamily="34" charset="0"/>
-              </a:rPr>
-              <a:t>use the </a:t>
-            </a:r>
-            <a:r>
-              <a:rPr lang="en-US" altLang="ja-JP" sz="1200" dirty="0" smtClean="0">
-                <a:latin typeface="Segoe UI Semilight" pitchFamily="34" charset="0"/>
-                <a:ea typeface="Arial Unicode MS" panose="020B0604020202020204" pitchFamily="50" charset="-128"/>
-                <a:cs typeface="Segoe UI Semilight" pitchFamily="34" charset="0"/>
-              </a:rPr>
-              <a:t>roulette wheel.</a:t>
+              <a:t>Our algorithm use the roulette wheel.</a:t>
             </a:r>
             <a:endParaRPr lang="zh-CN" altLang="en-US" sz="1200" dirty="0" smtClean="0">
               <a:latin typeface="Segoe UI Semilight" pitchFamily="34" charset="0"/>
@@ -6237,41 +6553,8 @@
                 <a:ea typeface="+mn-ea"/>
                 <a:cs typeface="+mn-cs"/>
               </a:rPr>
-              <a:t>have </a:t>
-            </a:r>
-            <a:r>
-              <a:rPr kumimoji="1" lang="en-US" altLang="zh-CN" sz="1200" kern="1200" dirty="0" smtClean="0">
-                <a:solidFill>
-                  <a:schemeClr val="tx1"/>
-                </a:solidFill>
-                <a:effectLst/>
-                <a:latin typeface="+mn-lt"/>
-                <a:ea typeface="+mn-ea"/>
-                <a:cs typeface="+mn-cs"/>
-              </a:rPr>
-              <a:t>a </a:t>
-            </a:r>
-            <a:r>
-              <a:rPr kumimoji="1" lang="en-US" altLang="zh-CN" sz="1200" kern="1200" dirty="0" smtClean="0">
-                <a:solidFill>
-                  <a:schemeClr val="tx1"/>
-                </a:solidFill>
-                <a:effectLst/>
-                <a:latin typeface="+mn-lt"/>
-                <a:ea typeface="+mn-ea"/>
-                <a:cs typeface="+mn-cs"/>
-              </a:rPr>
-              <a:t>larger segment.</a:t>
-            </a:r>
-            <a:endParaRPr kumimoji="1" lang="en-US" altLang="zh-CN" sz="1200" kern="1200" dirty="0" smtClean="0">
-              <a:solidFill>
-                <a:schemeClr val="tx1"/>
-              </a:solidFill>
-              <a:effectLst/>
-              <a:latin typeface="+mn-lt"/>
-              <a:ea typeface="+mn-ea"/>
-              <a:cs typeface="+mn-cs"/>
-            </a:endParaRPr>
+              <a:t>have a larger segment.</a:t>
+            </a:r>
           </a:p>
           <a:p>
             <a:pPr marL="0" marR="0" indent="0" algn="l" defTabSz="914400" rtl="0" eaLnBrk="1" fontAlgn="auto" latinLnBrk="0" hangingPunct="1">
@@ -6345,15 +6628,7 @@
                 <a:ea typeface="Arial Unicode MS" panose="020B0604020202020204" pitchFamily="50" charset="-128"/>
                 <a:cs typeface="Segoe UI Semilight" pitchFamily="34" charset="0"/>
               </a:rPr>
-              <a:t>good </a:t>
-            </a:r>
-            <a:r>
-              <a:rPr lang="en-US" altLang="ja-JP" sz="1200" dirty="0" smtClean="0">
-                <a:latin typeface="Segoe UI Semilight" pitchFamily="34" charset="0"/>
-                <a:ea typeface="Arial Unicode MS" panose="020B0604020202020204" pitchFamily="50" charset="-128"/>
-                <a:cs typeface="Segoe UI Semilight" pitchFamily="34" charset="0"/>
-              </a:rPr>
-              <a:t>chromosomes have a higher opportunity to be selected.</a:t>
+              <a:t>good chromosomes have a higher opportunity to be selected.</a:t>
             </a:r>
           </a:p>
           <a:p>
@@ -6392,23 +6667,7 @@
                 <a:ea typeface="Arial Unicode MS" panose="020B0604020202020204" pitchFamily="50" charset="-128"/>
                 <a:cs typeface="Segoe UI Semilight" pitchFamily="34" charset="0"/>
               </a:rPr>
-              <a:t>even the chromosome with </a:t>
-            </a:r>
-            <a:r>
-              <a:rPr lang="en-US" altLang="ja-JP" sz="1200" dirty="0" smtClean="0">
-                <a:latin typeface="Segoe UI Semilight" pitchFamily="34" charset="0"/>
-                <a:ea typeface="Arial Unicode MS" panose="020B0604020202020204" pitchFamily="50" charset="-128"/>
-                <a:cs typeface="Segoe UI Semilight" pitchFamily="34" charset="0"/>
-              </a:rPr>
-              <a:t>a bad fitness </a:t>
-            </a:r>
-            <a:r>
-              <a:rPr lang="en-US" altLang="ja-JP" sz="1200" dirty="0" smtClean="0">
-                <a:latin typeface="Segoe UI Semilight" pitchFamily="34" charset="0"/>
-                <a:ea typeface="Arial Unicode MS" panose="020B0604020202020204" pitchFamily="50" charset="-128"/>
-                <a:cs typeface="Segoe UI Semilight" pitchFamily="34" charset="0"/>
-              </a:rPr>
-              <a:t>values</a:t>
+              <a:t>even the chromosome with a bad fitness values</a:t>
             </a:r>
             <a:r>
               <a:rPr lang="en-US" altLang="ja-JP" sz="1200" baseline="0" dirty="0" smtClean="0">
@@ -11696,8 +11955,8 @@
         </p:nvSpPr>
         <p:spPr>
           <a:xfrm>
-            <a:off x="2168022" y="6021288"/>
-            <a:ext cx="6851811" cy="461665"/>
+            <a:off x="971600" y="6010075"/>
+            <a:ext cx="6851811" cy="830997"/>
           </a:xfrm>
           <a:prstGeom prst="rect">
             <a:avLst/>
@@ -11724,40 +11983,14 @@
                 <a:ea typeface="Arial Unicode MS" panose="020B0604020202020204" pitchFamily="50" charset="-128"/>
                 <a:cs typeface="Segoe UI Semilight" pitchFamily="34" charset="0"/>
               </a:rPr>
-              <a:t>Our algorithm guarantees that </a:t>
-            </a:r>
-            <a:r>
-              <a:rPr lang="en-US" altLang="ja-JP" sz="2400" dirty="0" smtClean="0">
-                <a:solidFill>
-                  <a:srgbClr val="FF0000"/>
-                </a:solidFill>
-                <a:latin typeface="Segoe UI Semilight" pitchFamily="34" charset="0"/>
-                <a:ea typeface="Arial Unicode MS" panose="020B0604020202020204" pitchFamily="50" charset="-128"/>
-                <a:cs typeface="Segoe UI Semilight" pitchFamily="34" charset="0"/>
-              </a:rPr>
-              <a:t>the </a:t>
+              <a:t>Our algorithm guarantees </a:t>
             </a:r>
             <a:r>
               <a:rPr lang="en-US" altLang="ja-JP" sz="2400" dirty="0">
-                <a:solidFill>
-                  <a:srgbClr val="FF0000"/>
-                </a:solidFill>
-                <a:latin typeface="Segoe UI Semilight" pitchFamily="34" charset="0"/>
-                <a:ea typeface="Arial Unicode MS" panose="020B0604020202020204" pitchFamily="50" charset="-128"/>
-                <a:cs typeface="Segoe UI Semilight" pitchFamily="34" charset="0"/>
-              </a:rPr>
-              <a:t>child </a:t>
-            </a:r>
-            <a:r>
-              <a:rPr lang="en-US" altLang="ja-JP" sz="2400" dirty="0" smtClean="0">
-                <a:solidFill>
-                  <a:srgbClr val="FF0000"/>
-                </a:solidFill>
-                <a:latin typeface="Segoe UI Semilight" pitchFamily="34" charset="0"/>
-                <a:ea typeface="Arial Unicode MS" panose="020B0604020202020204" pitchFamily="50" charset="-128"/>
-                <a:cs typeface="Segoe UI Semilight" pitchFamily="34" charset="0"/>
-              </a:rPr>
-              <a:t>is valid</a:t>
+                <a:latin typeface="Segoe UI Semilight" pitchFamily="34" charset="0"/>
+                <a:cs typeface="Segoe UI Semilight" pitchFamily="34" charset="0"/>
+              </a:rPr>
+              <a:t>that if A and B, are valid, the child chromosome  is also valid</a:t>
             </a:r>
             <a:r>
               <a:rPr lang="en-US" altLang="ja-JP" sz="2400" dirty="0" smtClean="0">
@@ -11800,7 +12033,7 @@
               <a:pPr/>
               <a:t>10</a:t>
             </a:fld>
-            <a:endParaRPr lang="ja-JP" altLang="en-US"/>
+            <a:endParaRPr lang="ja-JP" altLang="en-US" dirty="0"/>
           </a:p>
         </p:txBody>
       </p:sp>
@@ -15955,15 +16188,37 @@
                 <a:ea typeface="Arial Unicode MS" pitchFamily="34" charset="-122"/>
                 <a:cs typeface="Segoe UI Semilight" pitchFamily="34" charset="0"/>
               </a:rPr>
-              <a:t>Standard </a:t>
-            </a:r>
+              <a:t>Standard Task Graph (STG) Set</a:t>
+            </a:r>
+          </a:p>
+          <a:p>
+            <a:pPr lvl="2"/>
+            <a:r>
+              <a:rPr lang="en-US" altLang="ja-JP" sz="1800" dirty="0" smtClean="0">
+                <a:latin typeface="Segoe UI Semilight" pitchFamily="34" charset="0"/>
+                <a:ea typeface="Arial Unicode MS" pitchFamily="34" charset="-122"/>
+                <a:cs typeface="Segoe UI Semilight" pitchFamily="34" charset="0"/>
+              </a:rPr>
+              <a:t>http://www.kasahara.elec.waseda.ac.jp/schedule</a:t>
+            </a:r>
+          </a:p>
+          <a:p>
+            <a:pPr lvl="1"/>
             <a:r>
               <a:rPr lang="en-US" altLang="ja-JP" sz="2000" dirty="0" smtClean="0">
                 <a:latin typeface="Segoe UI Semilight" pitchFamily="34" charset="0"/>
                 <a:ea typeface="Arial Unicode MS" pitchFamily="34" charset="-122"/>
                 <a:cs typeface="Segoe UI Semilight" pitchFamily="34" charset="0"/>
               </a:rPr>
-              <a:t>Task </a:t>
+              <a:t>20 </a:t>
+            </a:r>
+            <a:r>
+              <a:rPr lang="en-US" altLang="ja-JP" sz="2000" dirty="0">
+                <a:latin typeface="Segoe UI Semilight" pitchFamily="34" charset="0"/>
+                <a:ea typeface="Arial Unicode MS" pitchFamily="34" charset="-122"/>
+                <a:cs typeface="Segoe UI Semilight" pitchFamily="34" charset="0"/>
+              </a:rPr>
+              <a:t>task graphs with </a:t>
             </a:r>
             <a:r>
               <a:rPr lang="en-US" altLang="ja-JP" sz="2000" dirty="0" smtClean="0">
@@ -15971,44 +16226,6 @@
                 <a:ea typeface="Arial Unicode MS" pitchFamily="34" charset="-122"/>
                 <a:cs typeface="Segoe UI Semilight" pitchFamily="34" charset="0"/>
               </a:rPr>
-              <a:t>Graph (STG) Set</a:t>
-            </a:r>
-          </a:p>
-          <a:p>
-            <a:pPr lvl="2"/>
-            <a:r>
-              <a:rPr lang="en-US" altLang="ja-JP" sz="1800" dirty="0" smtClean="0">
-                <a:latin typeface="Segoe UI Semilight" pitchFamily="34" charset="0"/>
-                <a:ea typeface="Arial Unicode MS" pitchFamily="34" charset="-122"/>
-                <a:cs typeface="Segoe UI Semilight" pitchFamily="34" charset="0"/>
-              </a:rPr>
-              <a:t>http://www.kasahara.elec.waseda.ac.jp/schedule</a:t>
-            </a:r>
-          </a:p>
-          <a:p>
-            <a:pPr lvl="1"/>
-            <a:r>
-              <a:rPr lang="en-US" altLang="ja-JP" sz="2000" dirty="0" smtClean="0">
-                <a:latin typeface="Segoe UI Semilight" pitchFamily="34" charset="0"/>
-                <a:ea typeface="Arial Unicode MS" pitchFamily="34" charset="-122"/>
-                <a:cs typeface="Segoe UI Semilight" pitchFamily="34" charset="0"/>
-              </a:rPr>
-              <a:t>20 </a:t>
-            </a:r>
-            <a:r>
-              <a:rPr lang="en-US" altLang="ja-JP" sz="2000" dirty="0">
-                <a:latin typeface="Segoe UI Semilight" pitchFamily="34" charset="0"/>
-                <a:ea typeface="Arial Unicode MS" pitchFamily="34" charset="-122"/>
-                <a:cs typeface="Segoe UI Semilight" pitchFamily="34" charset="0"/>
-              </a:rPr>
-              <a:t>task graphs with </a:t>
-            </a:r>
-            <a:r>
-              <a:rPr lang="en-US" altLang="ja-JP" sz="2000" dirty="0" smtClean="0">
-                <a:latin typeface="Segoe UI Semilight" pitchFamily="34" charset="0"/>
-                <a:ea typeface="Arial Unicode MS" pitchFamily="34" charset="-122"/>
-                <a:cs typeface="Segoe UI Semilight" pitchFamily="34" charset="0"/>
-              </a:rPr>
               <a:t>50 tasks</a:t>
             </a:r>
           </a:p>
@@ -16019,7 +16236,15 @@
                 <a:ea typeface="Arial Unicode MS" pitchFamily="34" charset="-122"/>
                 <a:cs typeface="Segoe UI Semilight" pitchFamily="34" charset="0"/>
               </a:rPr>
-              <a:t>The number of cores:  4, 8</a:t>
+              <a:t>The number of cores:  </a:t>
+            </a:r>
+            <a:r>
+              <a:rPr lang="en-US" altLang="ja-JP" sz="2400" dirty="0" smtClean="0">
+                <a:latin typeface="Segoe UI Semilight" pitchFamily="34" charset="0"/>
+                <a:ea typeface="Arial Unicode MS" pitchFamily="34" charset="-122"/>
+                <a:cs typeface="Segoe UI Semilight" pitchFamily="34" charset="0"/>
+              </a:rPr>
+              <a:t>4</a:t>
             </a:r>
             <a:endParaRPr lang="ja-JP" altLang="en-US" sz="2400" dirty="0" smtClean="0">
               <a:latin typeface="Segoe UI Semilight" pitchFamily="34" charset="0"/>
@@ -16539,30 +16764,6 @@
           <a:chExt cx="0" cy="0"/>
         </a:xfrm>
       </p:grpSpPr>
-      <p:graphicFrame>
-        <p:nvGraphicFramePr>
-          <p:cNvPr id="6" name="グラフ 2"/>
-          <p:cNvGraphicFramePr>
-            <a:graphicFrameLocks/>
-          </p:cNvGraphicFramePr>
-          <p:nvPr>
-            <p:extLst>
-              <p:ext uri="{D42A27DB-BD31-4B8C-83A1-F6EECF244321}">
-                <p14:modId xmlns:p14="http://schemas.microsoft.com/office/powerpoint/2010/main" val="260862229"/>
-              </p:ext>
-            </p:extLst>
-          </p:nvPr>
-        </p:nvGraphicFramePr>
-        <p:xfrm>
-          <a:off x="0" y="1052736"/>
-          <a:ext cx="9144000" cy="5805264"/>
-        </p:xfrm>
-        <a:graphic>
-          <a:graphicData uri="http://schemas.openxmlformats.org/drawingml/2006/chart">
-            <c:chart xmlns:c="http://schemas.openxmlformats.org/drawingml/2006/chart" xmlns:r="http://schemas.openxmlformats.org/officeDocument/2006/relationships" r:id="rId3"/>
-          </a:graphicData>
-        </a:graphic>
-      </p:graphicFrame>
       <p:sp>
         <p:nvSpPr>
           <p:cNvPr id="2" name="标题 1"/>
@@ -16582,16 +16783,16 @@
           <a:p>
             <a:pPr lvl="1" algn="l"/>
             <a:r>
-              <a:rPr lang="en-US" altLang="ja-JP" sz="4000" b="1" dirty="0" smtClean="0">
-                <a:latin typeface="Segoe UI Semilight" pitchFamily="34" charset="0"/>
-                <a:ea typeface="Arial Unicode MS" panose="020B0604020202020204" pitchFamily="50" charset="-128"/>
-                <a:cs typeface="Segoe UI Semilight" pitchFamily="34" charset="0"/>
-              </a:rPr>
-              <a:t>50 Tasks on 8 cores</a:t>
+              <a:rPr lang="en-US" altLang="zh-CN" sz="4000" b="1" dirty="0">
+                <a:latin typeface="Segoe UI Semilight" pitchFamily="34" charset="0"/>
+                <a:ea typeface="Arial Unicode MS" pitchFamily="34" charset="-122"/>
+                <a:cs typeface="Segoe UI Semilight" pitchFamily="34" charset="0"/>
+              </a:rPr>
+              <a:t>Runtimes </a:t>
             </a:r>
             <a:endParaRPr lang="zh-CN" altLang="en-US" sz="4000" b="1" dirty="0">
               <a:latin typeface="Segoe UI Semilight" pitchFamily="34" charset="0"/>
-              <a:ea typeface="Arial Unicode MS" panose="020B0604020202020204" pitchFamily="50" charset="-128"/>
+              <a:ea typeface="Arial Unicode MS" pitchFamily="34" charset="-122"/>
               <a:cs typeface="Segoe UI Semilight" pitchFamily="34" charset="0"/>
             </a:endParaRPr>
           </a:p>
@@ -16613,106 +16814,11 @@
           <a:lstStyle/>
           <a:p>
             <a:fld id="{BED71BD2-B24B-49C7-97A3-40EA2F9B79CF}" type="slidenum">
-              <a:rPr lang="ja-JP" altLang="en-US" smtClean="0"/>
+              <a:rPr lang="ja-JP" altLang="en-US" smtClean="0">
+                <a:ea typeface="Arial Unicode MS" pitchFamily="34" charset="-122"/>
+              </a:rPr>
               <a:pPr/>
               <a:t>15</a:t>
-            </a:fld>
-            <a:endParaRPr lang="ja-JP" altLang="en-US"/>
-          </a:p>
-        </p:txBody>
-      </p:sp>
-    </p:spTree>
-    <p:extLst>
-      <p:ext uri="{BB962C8B-B14F-4D97-AF65-F5344CB8AC3E}">
-        <p14:creationId xmlns:p14="http://schemas.microsoft.com/office/powerpoint/2010/main" val="652152540"/>
-      </p:ext>
-    </p:extLst>
-  </p:cSld>
-  <p:clrMapOvr>
-    <a:masterClrMapping/>
-  </p:clrMapOvr>
-  <p:timing>
-    <p:tnLst>
-      <p:par>
-        <p:cTn id="1" dur="indefinite" restart="never" nodeType="tmRoot"/>
-      </p:par>
-    </p:tnLst>
-  </p:timing>
-</p:sld>
-</file>
-
-<file path=ppt/slides/slide16.xml><?xml version="1.0" encoding="utf-8"?>
-<p:sld xmlns:a="http://schemas.openxmlformats.org/drawingml/2006/main" xmlns:r="http://schemas.openxmlformats.org/officeDocument/2006/relationships" xmlns:p="http://schemas.openxmlformats.org/presentationml/2006/main">
-  <p:cSld>
-    <p:spTree>
-      <p:nvGrpSpPr>
-        <p:cNvPr id="1" name=""/>
-        <p:cNvGrpSpPr/>
-        <p:nvPr/>
-      </p:nvGrpSpPr>
-      <p:grpSpPr>
-        <a:xfrm>
-          <a:off x="0" y="0"/>
-          <a:ext cx="0" cy="0"/>
-          <a:chOff x="0" y="0"/>
-          <a:chExt cx="0" cy="0"/>
-        </a:xfrm>
-      </p:grpSpPr>
-      <p:sp>
-        <p:nvSpPr>
-          <p:cNvPr id="2" name="标题 1"/>
-          <p:cNvSpPr>
-            <a:spLocks noGrp="1"/>
-          </p:cNvSpPr>
-          <p:nvPr>
-            <p:ph type="title"/>
-          </p:nvPr>
-        </p:nvSpPr>
-        <p:spPr/>
-        <p:txBody>
-          <a:bodyPr>
-            <a:normAutofit/>
-          </a:bodyPr>
-          <a:lstStyle/>
-          <a:p>
-            <a:pPr lvl="1" algn="l"/>
-            <a:r>
-              <a:rPr lang="en-US" altLang="zh-CN" sz="4000" b="1" dirty="0">
-                <a:latin typeface="Segoe UI Semilight" pitchFamily="34" charset="0"/>
-                <a:ea typeface="Arial Unicode MS" pitchFamily="34" charset="-122"/>
-                <a:cs typeface="Segoe UI Semilight" pitchFamily="34" charset="0"/>
-              </a:rPr>
-              <a:t>Runtimes </a:t>
-            </a:r>
-            <a:endParaRPr lang="zh-CN" altLang="en-US" sz="4000" b="1" dirty="0">
-              <a:latin typeface="Segoe UI Semilight" pitchFamily="34" charset="0"/>
-              <a:ea typeface="Arial Unicode MS" pitchFamily="34" charset="-122"/>
-              <a:cs typeface="Segoe UI Semilight" pitchFamily="34" charset="0"/>
-            </a:endParaRPr>
-          </a:p>
-        </p:txBody>
-      </p:sp>
-      <p:sp>
-        <p:nvSpPr>
-          <p:cNvPr id="4" name="灯片编号占位符 3"/>
-          <p:cNvSpPr>
-            <a:spLocks noGrp="1"/>
-          </p:cNvSpPr>
-          <p:nvPr>
-            <p:ph type="sldNum" sz="quarter" idx="12"/>
-          </p:nvPr>
-        </p:nvSpPr>
-        <p:spPr/>
-        <p:txBody>
-          <a:bodyPr/>
-          <a:lstStyle/>
-          <a:p>
-            <a:fld id="{BED71BD2-B24B-49C7-97A3-40EA2F9B79CF}" type="slidenum">
-              <a:rPr lang="ja-JP" altLang="en-US" smtClean="0">
-                <a:ea typeface="Arial Unicode MS" pitchFamily="34" charset="-122"/>
-              </a:rPr>
-              <a:pPr/>
-              <a:t>16</a:t>
             </a:fld>
             <a:endParaRPr lang="ja-JP" altLang="en-US">
               <a:ea typeface="Arial Unicode MS" pitchFamily="34" charset="-122"/>
@@ -16729,14 +16835,14 @@
           <p:nvPr>
             <p:extLst>
               <p:ext uri="{D42A27DB-BD31-4B8C-83A1-F6EECF244321}">
-                <p14:modId xmlns:p14="http://schemas.microsoft.com/office/powerpoint/2010/main" val="286295420"/>
+                <p14:modId xmlns:p14="http://schemas.microsoft.com/office/powerpoint/2010/main" val="1908362218"/>
               </p:ext>
             </p:extLst>
           </p:nvPr>
         </p:nvGraphicFramePr>
         <p:xfrm>
-          <a:off x="260028" y="1412776"/>
-          <a:ext cx="8640960" cy="4752528"/>
+          <a:off x="1547664" y="1412776"/>
+          <a:ext cx="6040164" cy="4071616"/>
         </p:xfrm>
         <a:graphic>
           <a:graphicData uri="http://schemas.openxmlformats.org/drawingml/2006/table">
@@ -16747,7 +16853,6 @@
               <a:tblGrid>
                 <a:gridCol w="3591892"/>
                 <a:gridCol w="2448272"/>
-                <a:gridCol w="2600796"/>
               </a:tblGrid>
               <a:tr h="680912">
                 <a:tc>
@@ -16826,53 +16931,6 @@
                   </a:txBody>
                   <a:tcPr marL="68580" marR="68580" marT="0" marB="0"/>
                 </a:tc>
-                <a:tc>
-                  <a:txBody>
-                    <a:bodyPr/>
-                    <a:lstStyle/>
-                    <a:p>
-                      <a:pPr indent="183515" algn="ctr">
-                        <a:spcAft>
-                          <a:spcPts val="0"/>
-                        </a:spcAft>
-                      </a:pPr>
-                      <a:r>
-                        <a:rPr lang="en-US" sz="2400" b="0" dirty="0" smtClean="0">
-                          <a:effectLst/>
-                          <a:latin typeface="Segoe UI Semilight" pitchFamily="34" charset="0"/>
-                          <a:ea typeface="Arial Unicode MS" panose="020B0604020202020204" pitchFamily="50" charset="-128"/>
-                          <a:cs typeface="Segoe UI Semilight" pitchFamily="34" charset="0"/>
-                        </a:rPr>
-                        <a:t>8 cores</a:t>
-                      </a:r>
-                      <a:r>
-                        <a:rPr lang="en-US" sz="2400" b="0" baseline="0" dirty="0" smtClean="0">
-                          <a:effectLst/>
-                          <a:latin typeface="Segoe UI Semilight" pitchFamily="34" charset="0"/>
-                          <a:ea typeface="Arial Unicode MS" panose="020B0604020202020204" pitchFamily="50" charset="-128"/>
-                          <a:cs typeface="Segoe UI Semilight" pitchFamily="34" charset="0"/>
-                        </a:rPr>
-                        <a:t>  </a:t>
-                      </a:r>
-                      <a:r>
-                        <a:rPr lang="en-US" altLang="ja-JP" sz="2400" b="0" dirty="0" smtClean="0">
-                          <a:effectLst/>
-                          <a:latin typeface="Segoe UI Semilight" pitchFamily="34" charset="0"/>
-                          <a:ea typeface="Arial Unicode MS" panose="020B0604020202020204" pitchFamily="50" charset="-128"/>
-                          <a:cs typeface="Segoe UI Semilight" pitchFamily="34" charset="0"/>
-                        </a:rPr>
-                        <a:t>(sec)</a:t>
-                      </a:r>
-                      <a:endParaRPr lang="ja-JP" altLang="zh-CN" sz="2400" b="0" dirty="0" smtClean="0">
-                        <a:effectLst/>
-                        <a:latin typeface="Segoe UI Semilight" pitchFamily="34" charset="0"/>
-                        <a:ea typeface="Arial Unicode MS" panose="020B0604020202020204" pitchFamily="50" charset="-128"/>
-                        <a:cs typeface="Segoe UI Semilight" pitchFamily="34" charset="0"/>
-                      </a:endParaRPr>
-                    </a:p>
-                  </a:txBody>
-                  <a:tcPr marL="68580" marR="68580" marT="0" marB="0"/>
-                </a:tc>
               </a:tr>
               <a:tr h="1014440">
                 <a:tc>
@@ -16933,35 +16991,6 @@
                         <a:t>0.89 – 43,200 (suspended)</a:t>
                       </a:r>
                       <a:endParaRPr lang="ja-JP" sz="2400" dirty="0">
-                        <a:effectLst/>
-                        <a:latin typeface="Segoe UI Semilight" pitchFamily="34" charset="0"/>
-                        <a:ea typeface="Arial Unicode MS" panose="020B0604020202020204" pitchFamily="50" charset="-128"/>
-                        <a:cs typeface="Segoe UI Semilight" pitchFamily="34" charset="0"/>
-                      </a:endParaRPr>
-                    </a:p>
-                  </a:txBody>
-                  <a:tcPr marL="68580" marR="68580" marT="0" marB="0"/>
-                </a:tc>
-                <a:tc>
-                  <a:txBody>
-                    <a:bodyPr/>
-                    <a:lstStyle/>
-                    <a:p>
-                      <a:pPr indent="183515" algn="ctr">
-                        <a:spcAft>
-                          <a:spcPts val="0"/>
-                        </a:spcAft>
-                      </a:pPr>
-                      <a:r>
-                        <a:rPr lang="en-US" sz="2400">
-                          <a:effectLst/>
-                          <a:latin typeface="Segoe UI Semilight" pitchFamily="34" charset="0"/>
-                          <a:ea typeface="Arial Unicode MS" panose="020B0604020202020204" pitchFamily="50" charset="-128"/>
-                          <a:cs typeface="Segoe UI Semilight" pitchFamily="34" charset="0"/>
-                        </a:rPr>
-                        <a:t>0.93 – 43,200 (suspended)</a:t>
-                      </a:r>
-                      <a:endParaRPr lang="ja-JP" sz="2400">
                         <a:effectLst/>
                         <a:latin typeface="Segoe UI Semilight" pitchFamily="34" charset="0"/>
                         <a:ea typeface="Arial Unicode MS" panose="020B0604020202020204" pitchFamily="50" charset="-128"/>
@@ -17049,35 +17078,6 @@
                   </a:txBody>
                   <a:tcPr marL="68580" marR="68580" marT="0" marB="0"/>
                 </a:tc>
-                <a:tc>
-                  <a:txBody>
-                    <a:bodyPr/>
-                    <a:lstStyle/>
-                    <a:p>
-                      <a:pPr indent="183515" algn="ctr">
-                        <a:spcAft>
-                          <a:spcPts val="0"/>
-                        </a:spcAft>
-                      </a:pPr>
-                      <a:r>
-                        <a:rPr lang="en-US" sz="2400">
-                          <a:effectLst/>
-                          <a:latin typeface="Segoe UI Semilight" pitchFamily="34" charset="0"/>
-                          <a:ea typeface="Arial Unicode MS" panose="020B0604020202020204" pitchFamily="50" charset="-128"/>
-                          <a:cs typeface="Segoe UI Semilight" pitchFamily="34" charset="0"/>
-                        </a:rPr>
-                        <a:t>&lt; 0.01</a:t>
-                      </a:r>
-                      <a:endParaRPr lang="ja-JP" sz="2400">
-                        <a:effectLst/>
-                        <a:latin typeface="Segoe UI Semilight" pitchFamily="34" charset="0"/>
-                        <a:ea typeface="Arial Unicode MS" panose="020B0604020202020204" pitchFamily="50" charset="-128"/>
-                        <a:cs typeface="Segoe UI Semilight" pitchFamily="34" charset="0"/>
-                      </a:endParaRPr>
-                    </a:p>
-                  </a:txBody>
-                  <a:tcPr marL="68580" marR="68580" marT="0" marB="0"/>
-                </a:tc>
               </a:tr>
               <a:tr h="680912">
                 <a:tc>
@@ -17145,124 +17145,6 @@
                           <a:cs typeface="Segoe UI Semilight" pitchFamily="34" charset="0"/>
                         </a:rPr>
                         <a:t>&lt; 0.01</a:t>
-                      </a:r>
-                      <a:endParaRPr lang="ja-JP" sz="2400" dirty="0">
-                        <a:effectLst/>
-                        <a:latin typeface="Segoe UI Semilight" pitchFamily="34" charset="0"/>
-                        <a:ea typeface="Arial Unicode MS" panose="020B0604020202020204" pitchFamily="50" charset="-128"/>
-                        <a:cs typeface="Segoe UI Semilight" pitchFamily="34" charset="0"/>
-                      </a:endParaRPr>
-                    </a:p>
-                  </a:txBody>
-                  <a:tcPr marL="68580" marR="68580" marT="0" marB="0"/>
-                </a:tc>
-                <a:tc>
-                  <a:txBody>
-                    <a:bodyPr/>
-                    <a:lstStyle/>
-                    <a:p>
-                      <a:pPr indent="183515" algn="ctr">
-                        <a:spcAft>
-                          <a:spcPts val="0"/>
-                        </a:spcAft>
-                      </a:pPr>
-                      <a:r>
-                        <a:rPr lang="en-US" sz="2400">
-                          <a:effectLst/>
-                          <a:latin typeface="Segoe UI Semilight" pitchFamily="34" charset="0"/>
-                          <a:ea typeface="Arial Unicode MS" panose="020B0604020202020204" pitchFamily="50" charset="-128"/>
-                          <a:cs typeface="Segoe UI Semilight" pitchFamily="34" charset="0"/>
-                        </a:rPr>
-                        <a:t>&lt; 0.01</a:t>
-                      </a:r>
-                      <a:endParaRPr lang="ja-JP" sz="2400">
-                        <a:effectLst/>
-                        <a:latin typeface="Segoe UI Semilight" pitchFamily="34" charset="0"/>
-                        <a:ea typeface="Arial Unicode MS" panose="020B0604020202020204" pitchFamily="50" charset="-128"/>
-                        <a:cs typeface="Segoe UI Semilight" pitchFamily="34" charset="0"/>
-                      </a:endParaRPr>
-                    </a:p>
-                  </a:txBody>
-                  <a:tcPr marL="68580" marR="68580" marT="0" marB="0"/>
-                </a:tc>
-              </a:tr>
-              <a:tr h="680912">
-                <a:tc>
-                  <a:txBody>
-                    <a:bodyPr/>
-                    <a:lstStyle/>
-                    <a:p>
-                      <a:pPr indent="183515" algn="just">
-                        <a:spcAft>
-                          <a:spcPts val="0"/>
-                        </a:spcAft>
-                      </a:pPr>
-                      <a:r>
-                        <a:rPr lang="en-US" sz="2400" b="0" dirty="0">
-                          <a:effectLst/>
-                          <a:latin typeface="Segoe UI Semilight" pitchFamily="34" charset="0"/>
-                          <a:ea typeface="Arial Unicode MS" panose="020B0604020202020204" pitchFamily="50" charset="-128"/>
-                          <a:cs typeface="Segoe UI Semilight" pitchFamily="34" charset="0"/>
-                        </a:rPr>
-                        <a:t>GA (this work)</a:t>
-                      </a:r>
-                      <a:endParaRPr lang="ja-JP" sz="2400" b="0" dirty="0">
-                        <a:effectLst/>
-                        <a:latin typeface="Segoe UI Semilight" pitchFamily="34" charset="0"/>
-                        <a:ea typeface="Arial Unicode MS" panose="020B0604020202020204" pitchFamily="50" charset="-128"/>
-                        <a:cs typeface="Segoe UI Semilight" pitchFamily="34" charset="0"/>
-                      </a:endParaRPr>
-                    </a:p>
-                  </a:txBody>
-                  <a:tcPr marL="68580" marR="68580" marT="0" marB="0"/>
-                </a:tc>
-                <a:tc>
-                  <a:txBody>
-                    <a:bodyPr/>
-                    <a:lstStyle/>
-                    <a:p>
-                      <a:pPr indent="183515" algn="ctr">
-                        <a:spcAft>
-                          <a:spcPts val="0"/>
-                        </a:spcAft>
-                      </a:pPr>
-                      <a:r>
-                        <a:rPr lang="en-US" sz="2400" dirty="0">
-                          <a:effectLst/>
-                          <a:latin typeface="Segoe UI Semilight" pitchFamily="34" charset="0"/>
-                          <a:ea typeface="Arial Unicode MS" panose="020B0604020202020204" pitchFamily="50" charset="-128"/>
-                          <a:cs typeface="Segoe UI Semilight" pitchFamily="34" charset="0"/>
-                        </a:rPr>
-                        <a:t>3.81 – 4.37</a:t>
-                      </a:r>
-                      <a:endParaRPr lang="ja-JP" sz="2400" dirty="0">
-                        <a:effectLst/>
-                        <a:latin typeface="Segoe UI Semilight" pitchFamily="34" charset="0"/>
-                        <a:ea typeface="Arial Unicode MS" panose="020B0604020202020204" pitchFamily="50" charset="-128"/>
-                        <a:cs typeface="Segoe UI Semilight" pitchFamily="34" charset="0"/>
-                      </a:endParaRPr>
-                    </a:p>
-                  </a:txBody>
-                  <a:tcPr marL="68580" marR="68580" marT="0" marB="0"/>
-                </a:tc>
-                <a:tc>
-                  <a:txBody>
-                    <a:bodyPr/>
-                    <a:lstStyle/>
-                    <a:p>
-                      <a:pPr indent="183515" algn="ctr">
-                        <a:spcAft>
-                          <a:spcPts val="0"/>
-                        </a:spcAft>
-                      </a:pPr>
-                      <a:r>
-                        <a:rPr lang="en-US" sz="2400" dirty="0">
-                          <a:effectLst/>
-                          <a:latin typeface="Segoe UI Semilight" pitchFamily="34" charset="0"/>
-                          <a:ea typeface="Arial Unicode MS" panose="020B0604020202020204" pitchFamily="50" charset="-128"/>
-                          <a:cs typeface="Segoe UI Semilight" pitchFamily="34" charset="0"/>
-                        </a:rPr>
-                        <a:t>4.21 – 4.84</a:t>
                       </a:r>
                       <a:endParaRPr lang="ja-JP" sz="2400" dirty="0">
                         <a:effectLst/>
@@ -17386,41 +17268,6 @@
                   </a:txBody>
                   <a:tcPr marL="68580" marR="68580" marT="0" marB="0"/>
                 </a:tc>
-                <a:tc>
-                  <a:txBody>
-                    <a:bodyPr/>
-                    <a:lstStyle/>
-                    <a:p>
-                      <a:pPr indent="183515" algn="ctr">
-                        <a:spcAft>
-                          <a:spcPts val="0"/>
-                        </a:spcAft>
-                      </a:pPr>
-                      <a:r>
-                        <a:rPr lang="en-US" sz="2400" dirty="0">
-                          <a:solidFill>
-                            <a:srgbClr val="FF0000"/>
-                          </a:solidFill>
-                          <a:effectLst/>
-                          <a:latin typeface="Segoe UI Semilight" pitchFamily="34" charset="0"/>
-                          <a:ea typeface="Arial Unicode MS" panose="020B0604020202020204" pitchFamily="50" charset="-128"/>
-                          <a:cs typeface="Segoe UI Semilight" pitchFamily="34" charset="0"/>
-                        </a:rPr>
-                        <a:t>0.52 – 0.68</a:t>
-                      </a:r>
-                      <a:endParaRPr lang="ja-JP" sz="2400" dirty="0">
-                        <a:solidFill>
-                          <a:srgbClr val="FF0000"/>
-                        </a:solidFill>
-                        <a:effectLst/>
-                        <a:latin typeface="Segoe UI Semilight" pitchFamily="34" charset="0"/>
-                        <a:ea typeface="Arial Unicode MS" panose="020B0604020202020204" pitchFamily="50" charset="-128"/>
-                        <a:cs typeface="Segoe UI Semilight" pitchFamily="34" charset="0"/>
-                      </a:endParaRPr>
-                    </a:p>
-                  </a:txBody>
-                  <a:tcPr marL="68580" marR="68580" marT="0" marB="0"/>
-                </a:tc>
               </a:tr>
             </a:tbl>
           </a:graphicData>
@@ -17446,7 +17293,7 @@
 </p:sld>
 </file>
 
-<file path=ppt/slides/slide17.xml><?xml version="1.0" encoding="utf-8"?>
+<file path=ppt/slides/slide16.xml><?xml version="1.0" encoding="utf-8"?>
 <p:sld xmlns:a="http://schemas.openxmlformats.org/drawingml/2006/main" xmlns:r="http://schemas.openxmlformats.org/officeDocument/2006/relationships" xmlns:p="http://schemas.openxmlformats.org/presentationml/2006/main">
   <p:cSld>
     <p:spTree>
@@ -17624,7 +17471,23 @@
                 <a:ea typeface="Arial Unicode MS" pitchFamily="34" charset="-122"/>
                 <a:cs typeface="Segoe UI Semilight" pitchFamily="34" charset="0"/>
               </a:rPr>
-              <a:t>proposed a new chromosome representation </a:t>
+              <a:t>proposed a new </a:t>
+            </a:r>
+            <a:r>
+              <a:rPr lang="en-US" altLang="ja-JP" sz="2800" dirty="0" smtClean="0">
+                <a:latin typeface="Segoe UI Semilight" pitchFamily="34" charset="0"/>
+                <a:ea typeface="Arial Unicode MS" pitchFamily="34" charset="-122"/>
+                <a:cs typeface="Segoe UI Semilight" pitchFamily="34" charset="0"/>
+              </a:rPr>
+              <a:t>chromosomal </a:t>
+            </a:r>
+            <a:r>
+              <a:rPr lang="en-US" altLang="ja-JP" sz="2800" dirty="0">
+                <a:latin typeface="Segoe UI Semilight" pitchFamily="34" charset="0"/>
+                <a:ea typeface="Arial Unicode MS" pitchFamily="34" charset="-122"/>
+                <a:cs typeface="Segoe UI Semilight" pitchFamily="34" charset="0"/>
+              </a:rPr>
+              <a:t>representation </a:t>
             </a:r>
             <a:r>
               <a:rPr lang="en-US" altLang="ja-JP" sz="2800" dirty="0" smtClean="0">
@@ -17754,7 +17617,7 @@
               <a:rPr kumimoji="1" lang="ja-JP" altLang="en-US" smtClean="0">
                 <a:ea typeface="Arial Unicode MS" pitchFamily="34" charset="-122"/>
               </a:rPr>
-              <a:t>17</a:t>
+              <a:t>16</a:t>
             </a:fld>
             <a:endParaRPr kumimoji="1" lang="ja-JP" altLang="en-US">
               <a:ea typeface="Arial Unicode MS" pitchFamily="34" charset="-122"/>
@@ -17782,7 +17645,7 @@
 </p:sld>
 </file>
 
-<file path=ppt/slides/slide18.xml><?xml version="1.0" encoding="utf-8"?>
+<file path=ppt/slides/slide17.xml><?xml version="1.0" encoding="utf-8"?>
 <p:sld xmlns:a="http://schemas.openxmlformats.org/drawingml/2006/main" xmlns:r="http://schemas.openxmlformats.org/officeDocument/2006/relationships" xmlns:p="http://schemas.openxmlformats.org/presentationml/2006/main">
   <p:cSld>
     <p:spTree>
@@ -17850,7 +17713,7 @@
             <a:fld id="{BED71BD2-B24B-49C7-97A3-40EA2F9B79CF}" type="slidenum">
               <a:rPr lang="ja-JP" altLang="en-US" smtClean="0"/>
               <a:pPr/>
-              <a:t>18</a:t>
+              <a:t>17</a:t>
             </a:fld>
             <a:endParaRPr lang="ja-JP" altLang="en-US"/>
           </a:p>
@@ -17860,6 +17723,125 @@
     <p:extLst>
       <p:ext uri="{BB962C8B-B14F-4D97-AF65-F5344CB8AC3E}">
         <p14:creationId xmlns:p14="http://schemas.microsoft.com/office/powerpoint/2010/main" val="4287108318"/>
+      </p:ext>
+    </p:extLst>
+  </p:cSld>
+  <p:clrMapOvr>
+    <a:masterClrMapping/>
+  </p:clrMapOvr>
+  <p:timing>
+    <p:tnLst>
+      <p:par>
+        <p:cTn id="1" dur="indefinite" restart="never" nodeType="tmRoot"/>
+      </p:par>
+    </p:tnLst>
+  </p:timing>
+</p:sld>
+</file>
+
+<file path=ppt/slides/slide18.xml><?xml version="1.0" encoding="utf-8"?>
+<p:sld xmlns:a="http://schemas.openxmlformats.org/drawingml/2006/main" xmlns:r="http://schemas.openxmlformats.org/officeDocument/2006/relationships" xmlns:p="http://schemas.openxmlformats.org/presentationml/2006/main">
+  <p:cSld>
+    <p:spTree>
+      <p:nvGrpSpPr>
+        <p:cNvPr id="1" name=""/>
+        <p:cNvGrpSpPr/>
+        <p:nvPr/>
+      </p:nvGrpSpPr>
+      <p:grpSpPr>
+        <a:xfrm>
+          <a:off x="0" y="0"/>
+          <a:ext cx="0" cy="0"/>
+          <a:chOff x="0" y="0"/>
+          <a:chExt cx="0" cy="0"/>
+        </a:xfrm>
+      </p:grpSpPr>
+      <p:graphicFrame>
+        <p:nvGraphicFramePr>
+          <p:cNvPr id="6" name="グラフ 2"/>
+          <p:cNvGraphicFramePr>
+            <a:graphicFrameLocks/>
+          </p:cNvGraphicFramePr>
+          <p:nvPr>
+            <p:extLst>
+              <p:ext uri="{D42A27DB-BD31-4B8C-83A1-F6EECF244321}">
+                <p14:modId xmlns:p14="http://schemas.microsoft.com/office/powerpoint/2010/main" val="260862229"/>
+              </p:ext>
+            </p:extLst>
+          </p:nvPr>
+        </p:nvGraphicFramePr>
+        <p:xfrm>
+          <a:off x="0" y="1052736"/>
+          <a:ext cx="9144000" cy="5805264"/>
+        </p:xfrm>
+        <a:graphic>
+          <a:graphicData uri="http://schemas.openxmlformats.org/drawingml/2006/chart">
+            <c:chart xmlns:c="http://schemas.openxmlformats.org/drawingml/2006/chart" xmlns:r="http://schemas.openxmlformats.org/officeDocument/2006/relationships" r:id="rId3"/>
+          </a:graphicData>
+        </a:graphic>
+      </p:graphicFrame>
+      <p:sp>
+        <p:nvSpPr>
+          <p:cNvPr id="2" name="标题 1"/>
+          <p:cNvSpPr>
+            <a:spLocks noGrp="1"/>
+          </p:cNvSpPr>
+          <p:nvPr>
+            <p:ph type="title"/>
+          </p:nvPr>
+        </p:nvSpPr>
+        <p:spPr/>
+        <p:txBody>
+          <a:bodyPr>
+            <a:normAutofit/>
+          </a:bodyPr>
+          <a:lstStyle/>
+          <a:p>
+            <a:pPr lvl="1" algn="l"/>
+            <a:r>
+              <a:rPr lang="en-US" altLang="ja-JP" sz="4000" b="1" dirty="0" smtClean="0">
+                <a:latin typeface="Segoe UI Semilight" pitchFamily="34" charset="0"/>
+                <a:ea typeface="Arial Unicode MS" panose="020B0604020202020204" pitchFamily="50" charset="-128"/>
+                <a:cs typeface="Segoe UI Semilight" pitchFamily="34" charset="0"/>
+              </a:rPr>
+              <a:t>50 Tasks on 8 cores</a:t>
+            </a:r>
+            <a:endParaRPr lang="zh-CN" altLang="en-US" sz="4000" b="1" dirty="0">
+              <a:latin typeface="Segoe UI Semilight" pitchFamily="34" charset="0"/>
+              <a:ea typeface="Arial Unicode MS" panose="020B0604020202020204" pitchFamily="50" charset="-128"/>
+              <a:cs typeface="Segoe UI Semilight" pitchFamily="34" charset="0"/>
+            </a:endParaRPr>
+          </a:p>
+        </p:txBody>
+      </p:sp>
+      <p:sp>
+        <p:nvSpPr>
+          <p:cNvPr id="4" name="灯片编号占位符 3"/>
+          <p:cNvSpPr>
+            <a:spLocks noGrp="1"/>
+          </p:cNvSpPr>
+          <p:nvPr>
+            <p:ph type="sldNum" sz="quarter" idx="12"/>
+          </p:nvPr>
+        </p:nvSpPr>
+        <p:spPr/>
+        <p:txBody>
+          <a:bodyPr/>
+          <a:lstStyle/>
+          <a:p>
+            <a:fld id="{BED71BD2-B24B-49C7-97A3-40EA2F9B79CF}" type="slidenum">
+              <a:rPr lang="ja-JP" altLang="en-US" smtClean="0"/>
+              <a:pPr/>
+              <a:t>18</a:t>
+            </a:fld>
+            <a:endParaRPr lang="ja-JP" altLang="en-US"/>
+          </a:p>
+        </p:txBody>
+      </p:sp>
+    </p:spTree>
+    <p:extLst>
+      <p:ext uri="{BB962C8B-B14F-4D97-AF65-F5344CB8AC3E}">
+        <p14:creationId xmlns:p14="http://schemas.microsoft.com/office/powerpoint/2010/main" val="652152540"/>
       </p:ext>
     </p:extLst>
   </p:cSld>
@@ -18203,12 +18185,20 @@
               <a:t>scheduling. However, no </a:t>
             </a:r>
             <a:r>
+              <a:rPr lang="en-US" altLang="ja-JP" sz="2800" dirty="0" smtClean="0">
+                <a:latin typeface="Segoe UI Semilight" pitchFamily="34" charset="0"/>
+                <a:ea typeface="Meiryo UI" pitchFamily="34" charset="-128"/>
+                <a:cs typeface="Segoe UI Semilight" pitchFamily="34" charset="0"/>
+              </a:rPr>
+              <a:t>studies consider </a:t>
+            </a:r>
+            <a:r>
               <a:rPr lang="en-US" altLang="ja-JP" sz="2800" dirty="0">
                 <a:latin typeface="Segoe UI Semilight" pitchFamily="34" charset="0"/>
                 <a:ea typeface="Meiryo UI" pitchFamily="34" charset="-128"/>
                 <a:cs typeface="Segoe UI Semilight" pitchFamily="34" charset="0"/>
               </a:rPr>
-              <a:t>study considers both task and data parallelism</a:t>
+              <a:t>both task and data parallelism</a:t>
             </a:r>
             <a:r>
               <a:rPr lang="en-US" altLang="ja-JP" sz="2800" dirty="0" smtClean="0">
@@ -22064,30 +22054,16 @@
                 <a:ea typeface="Arial Unicode MS" pitchFamily="34" charset="-122"/>
                 <a:cs typeface="Segoe UI Semilight" pitchFamily="34" charset="0"/>
               </a:rPr>
-              <a:t>The </a:t>
-            </a:r>
-            <a:r>
-              <a:rPr lang="en-US" altLang="ja-JP" sz="2400" dirty="0">
-                <a:solidFill>
-                  <a:srgbClr val="FF0000"/>
-                </a:solidFill>
-                <a:latin typeface="Segoe UI Semilight" pitchFamily="34" charset="0"/>
-                <a:ea typeface="Arial Unicode MS" pitchFamily="34" charset="-122"/>
-                <a:cs typeface="Segoe UI Semilight" pitchFamily="34" charset="0"/>
-              </a:rPr>
-              <a:t>ordering of task </a:t>
-            </a:r>
-            <a:r>
-              <a:rPr lang="en-US" altLang="ja-JP" sz="2400" dirty="0" smtClean="0">
-                <a:solidFill>
-                  <a:srgbClr val="FF0000"/>
-                </a:solidFill>
-                <a:latin typeface="Segoe UI Semilight" pitchFamily="34" charset="0"/>
-                <a:ea typeface="Arial Unicode MS" pitchFamily="34" charset="-122"/>
-                <a:cs typeface="Segoe UI Semilight" pitchFamily="34" charset="0"/>
-              </a:rPr>
-              <a:t>execution</a:t>
-            </a:r>
+              <a:t>Task execution order</a:t>
+            </a:r>
+            <a:endParaRPr lang="en-US" altLang="ja-JP" sz="2400" dirty="0" smtClean="0">
+              <a:solidFill>
+                <a:srgbClr val="FF0000"/>
+              </a:solidFill>
+              <a:latin typeface="Segoe UI Semilight" pitchFamily="34" charset="0"/>
+              <a:ea typeface="Arial Unicode MS" pitchFamily="34" charset="-122"/>
+              <a:cs typeface="Segoe UI Semilight" pitchFamily="34" charset="0"/>
+            </a:endParaRPr>
           </a:p>
           <a:p>
             <a:pPr marL="342900" indent="-342900">
